--- a/June_Batch/16-06-22/html_16_06_22.pptx
+++ b/June_Batch/16-06-22/html_16_06_22.pptx
@@ -6,18 +6,36 @@
   </p:sldMasterIdLst>
   <p:sldIdLst>
     <p:sldId id="289" r:id="rId2"/>
-    <p:sldId id="309" r:id="rId3"/>
-    <p:sldId id="377" r:id="rId4"/>
-    <p:sldId id="324" r:id="rId5"/>
-    <p:sldId id="326" r:id="rId6"/>
-    <p:sldId id="327" r:id="rId7"/>
-    <p:sldId id="331" r:id="rId8"/>
-    <p:sldId id="373" r:id="rId9"/>
-    <p:sldId id="374" r:id="rId10"/>
-    <p:sldId id="336" r:id="rId11"/>
-    <p:sldId id="376" r:id="rId12"/>
-    <p:sldId id="375" r:id="rId13"/>
-    <p:sldId id="372" r:id="rId14"/>
+    <p:sldId id="378" r:id="rId3"/>
+    <p:sldId id="379" r:id="rId4"/>
+    <p:sldId id="380" r:id="rId5"/>
+    <p:sldId id="381" r:id="rId6"/>
+    <p:sldId id="382" r:id="rId7"/>
+    <p:sldId id="384" r:id="rId8"/>
+    <p:sldId id="383" r:id="rId9"/>
+    <p:sldId id="389" r:id="rId10"/>
+    <p:sldId id="391" r:id="rId11"/>
+    <p:sldId id="392" r:id="rId12"/>
+    <p:sldId id="393" r:id="rId13"/>
+    <p:sldId id="394" r:id="rId14"/>
+    <p:sldId id="395" r:id="rId15"/>
+    <p:sldId id="390" r:id="rId16"/>
+    <p:sldId id="396" r:id="rId17"/>
+    <p:sldId id="324" r:id="rId18"/>
+    <p:sldId id="326" r:id="rId19"/>
+    <p:sldId id="327" r:id="rId20"/>
+    <p:sldId id="331" r:id="rId21"/>
+    <p:sldId id="397" r:id="rId22"/>
+    <p:sldId id="398" r:id="rId23"/>
+    <p:sldId id="373" r:id="rId24"/>
+    <p:sldId id="399" r:id="rId25"/>
+    <p:sldId id="400" r:id="rId26"/>
+    <p:sldId id="374" r:id="rId27"/>
+    <p:sldId id="402" r:id="rId28"/>
+    <p:sldId id="336" r:id="rId29"/>
+    <p:sldId id="385" r:id="rId30"/>
+    <p:sldId id="386" r:id="rId31"/>
+    <p:sldId id="388" r:id="rId32"/>
   </p:sldIdLst>
   <p:sldSz cx="12192000" cy="6858000"/>
   <p:notesSz cx="6858000" cy="9144000"/>
@@ -267,7 +285,7 @@
             <a:fld id="{7FCC5AE5-E495-4913-B643-A95A6AFABB00}" type="datetimeFigureOut">
               <a:rPr kumimoji="1" lang="ja-JP" altLang="en-US" smtClean="0"/>
               <a:pPr/>
-              <a:t>2022/6/15</a:t>
+              <a:t>2022/6/16</a:t>
             </a:fld>
             <a:endParaRPr kumimoji="1" lang="ja-JP" altLang="en-US"/>
           </a:p>
@@ -439,7 +457,7 @@
             <a:fld id="{7FCC5AE5-E495-4913-B643-A95A6AFABB00}" type="datetimeFigureOut">
               <a:rPr kumimoji="1" lang="ja-JP" altLang="en-US" smtClean="0"/>
               <a:pPr/>
-              <a:t>2022/6/15</a:t>
+              <a:t>2022/6/16</a:t>
             </a:fld>
             <a:endParaRPr kumimoji="1" lang="ja-JP" altLang="en-US"/>
           </a:p>
@@ -621,7 +639,7 @@
             <a:fld id="{7FCC5AE5-E495-4913-B643-A95A6AFABB00}" type="datetimeFigureOut">
               <a:rPr kumimoji="1" lang="ja-JP" altLang="en-US" smtClean="0"/>
               <a:pPr/>
-              <a:t>2022/6/15</a:t>
+              <a:t>2022/6/16</a:t>
             </a:fld>
             <a:endParaRPr kumimoji="1" lang="ja-JP" altLang="en-US"/>
           </a:p>
@@ -793,7 +811,7 @@
             <a:fld id="{7FCC5AE5-E495-4913-B643-A95A6AFABB00}" type="datetimeFigureOut">
               <a:rPr kumimoji="1" lang="ja-JP" altLang="en-US" smtClean="0"/>
               <a:pPr/>
-              <a:t>2022/6/15</a:t>
+              <a:t>2022/6/16</a:t>
             </a:fld>
             <a:endParaRPr kumimoji="1" lang="ja-JP" altLang="en-US"/>
           </a:p>
@@ -1041,7 +1059,7 @@
             <a:fld id="{7FCC5AE5-E495-4913-B643-A95A6AFABB00}" type="datetimeFigureOut">
               <a:rPr kumimoji="1" lang="ja-JP" altLang="en-US" smtClean="0"/>
               <a:pPr/>
-              <a:t>2022/6/15</a:t>
+              <a:t>2022/6/16</a:t>
             </a:fld>
             <a:endParaRPr kumimoji="1" lang="ja-JP" altLang="en-US"/>
           </a:p>
@@ -1275,7 +1293,7 @@
             <a:fld id="{7FCC5AE5-E495-4913-B643-A95A6AFABB00}" type="datetimeFigureOut">
               <a:rPr kumimoji="1" lang="ja-JP" altLang="en-US" smtClean="0"/>
               <a:pPr/>
-              <a:t>2022/6/15</a:t>
+              <a:t>2022/6/16</a:t>
             </a:fld>
             <a:endParaRPr kumimoji="1" lang="ja-JP" altLang="en-US"/>
           </a:p>
@@ -1644,7 +1662,7 @@
             <a:fld id="{7FCC5AE5-E495-4913-B643-A95A6AFABB00}" type="datetimeFigureOut">
               <a:rPr kumimoji="1" lang="ja-JP" altLang="en-US" smtClean="0"/>
               <a:pPr/>
-              <a:t>2022/6/15</a:t>
+              <a:t>2022/6/16</a:t>
             </a:fld>
             <a:endParaRPr kumimoji="1" lang="ja-JP" altLang="en-US"/>
           </a:p>
@@ -1764,7 +1782,7 @@
             <a:fld id="{7FCC5AE5-E495-4913-B643-A95A6AFABB00}" type="datetimeFigureOut">
               <a:rPr kumimoji="1" lang="ja-JP" altLang="en-US" smtClean="0"/>
               <a:pPr/>
-              <a:t>2022/6/15</a:t>
+              <a:t>2022/6/16</a:t>
             </a:fld>
             <a:endParaRPr kumimoji="1" lang="ja-JP" altLang="en-US"/>
           </a:p>
@@ -1861,7 +1879,7 @@
             <a:fld id="{7FCC5AE5-E495-4913-B643-A95A6AFABB00}" type="datetimeFigureOut">
               <a:rPr kumimoji="1" lang="ja-JP" altLang="en-US" smtClean="0"/>
               <a:pPr/>
-              <a:t>2022/6/15</a:t>
+              <a:t>2022/6/16</a:t>
             </a:fld>
             <a:endParaRPr kumimoji="1" lang="ja-JP" altLang="en-US"/>
           </a:p>
@@ -2140,7 +2158,7 @@
             <a:fld id="{7FCC5AE5-E495-4913-B643-A95A6AFABB00}" type="datetimeFigureOut">
               <a:rPr kumimoji="1" lang="ja-JP" altLang="en-US" smtClean="0"/>
               <a:pPr/>
-              <a:t>2022/6/15</a:t>
+              <a:t>2022/6/16</a:t>
             </a:fld>
             <a:endParaRPr kumimoji="1" lang="ja-JP" altLang="en-US"/>
           </a:p>
@@ -2399,7 +2417,7 @@
             <a:fld id="{7FCC5AE5-E495-4913-B643-A95A6AFABB00}" type="datetimeFigureOut">
               <a:rPr kumimoji="1" lang="ja-JP" altLang="en-US" smtClean="0"/>
               <a:pPr/>
-              <a:t>2022/6/15</a:t>
+              <a:t>2022/6/16</a:t>
             </a:fld>
             <a:endParaRPr kumimoji="1" lang="ja-JP" altLang="en-US"/>
           </a:p>
@@ -2614,7 +2632,7 @@
             <a:fld id="{7FCC5AE5-E495-4913-B643-A95A6AFABB00}" type="datetimeFigureOut">
               <a:rPr kumimoji="1" lang="ja-JP" altLang="en-US" smtClean="0"/>
               <a:pPr/>
-              <a:t>2022/6/15</a:t>
+              <a:t>2022/6/16</a:t>
             </a:fld>
             <a:endParaRPr kumimoji="1" lang="ja-JP" altLang="en-US"/>
           </a:p>
@@ -3203,6 +3221,4590 @@
         </p:nvSpPr>
         <p:spPr>
           <a:xfrm>
+            <a:off x="321126" y="334401"/>
+            <a:ext cx="9791700" cy="630192"/>
+          </a:xfrm>
+          <a:prstGeom prst="rect">
+            <a:avLst/>
+          </a:prstGeom>
+        </p:spPr>
+        <p:txBody>
+          <a:bodyPr vert="horz" lIns="91440" tIns="45720" rIns="91440" bIns="45720" rtlCol="0">
+            <a:noAutofit/>
+          </a:bodyPr>
+          <a:lstStyle>
+            <a:lvl1pPr marL="0" indent="0" algn="ctr" defTabSz="914400" rtl="0" eaLnBrk="1" latinLnBrk="0" hangingPunct="1">
+              <a:lnSpc>
+                <a:spcPct val="90000"/>
+              </a:lnSpc>
+              <a:spcBef>
+                <a:spcPts val="1000"/>
+              </a:spcBef>
+              <a:buFont typeface="Arial" panose="020B0604020202020204" pitchFamily="34" charset="0"/>
+              <a:buNone/>
+              <a:defRPr kumimoji="1" sz="2400" kern="1200">
+                <a:solidFill>
+                  <a:schemeClr val="tx1"/>
+                </a:solidFill>
+                <a:latin typeface="+mn-lt"/>
+                <a:ea typeface="+mn-ea"/>
+                <a:cs typeface="+mn-cs"/>
+              </a:defRPr>
+            </a:lvl1pPr>
+            <a:lvl2pPr marL="457200" indent="0" algn="ctr" defTabSz="914400" rtl="0" eaLnBrk="1" latinLnBrk="0" hangingPunct="1">
+              <a:lnSpc>
+                <a:spcPct val="90000"/>
+              </a:lnSpc>
+              <a:spcBef>
+                <a:spcPts val="500"/>
+              </a:spcBef>
+              <a:buFont typeface="Arial" panose="020B0604020202020204" pitchFamily="34" charset="0"/>
+              <a:buNone/>
+              <a:defRPr kumimoji="1" sz="2000" kern="1200">
+                <a:solidFill>
+                  <a:schemeClr val="tx1"/>
+                </a:solidFill>
+                <a:latin typeface="+mn-lt"/>
+                <a:ea typeface="+mn-ea"/>
+                <a:cs typeface="+mn-cs"/>
+              </a:defRPr>
+            </a:lvl2pPr>
+            <a:lvl3pPr marL="914400" indent="0" algn="ctr" defTabSz="914400" rtl="0" eaLnBrk="1" latinLnBrk="0" hangingPunct="1">
+              <a:lnSpc>
+                <a:spcPct val="90000"/>
+              </a:lnSpc>
+              <a:spcBef>
+                <a:spcPts val="500"/>
+              </a:spcBef>
+              <a:buFont typeface="Arial" panose="020B0604020202020204" pitchFamily="34" charset="0"/>
+              <a:buNone/>
+              <a:defRPr kumimoji="1" sz="1800" kern="1200">
+                <a:solidFill>
+                  <a:schemeClr val="tx1"/>
+                </a:solidFill>
+                <a:latin typeface="+mn-lt"/>
+                <a:ea typeface="+mn-ea"/>
+                <a:cs typeface="+mn-cs"/>
+              </a:defRPr>
+            </a:lvl3pPr>
+            <a:lvl4pPr marL="1371600" indent="0" algn="ctr" defTabSz="914400" rtl="0" eaLnBrk="1" latinLnBrk="0" hangingPunct="1">
+              <a:lnSpc>
+                <a:spcPct val="90000"/>
+              </a:lnSpc>
+              <a:spcBef>
+                <a:spcPts val="500"/>
+              </a:spcBef>
+              <a:buFont typeface="Arial" panose="020B0604020202020204" pitchFamily="34" charset="0"/>
+              <a:buNone/>
+              <a:defRPr kumimoji="1" sz="1600" kern="1200">
+                <a:solidFill>
+                  <a:schemeClr val="tx1"/>
+                </a:solidFill>
+                <a:latin typeface="+mn-lt"/>
+                <a:ea typeface="+mn-ea"/>
+                <a:cs typeface="+mn-cs"/>
+              </a:defRPr>
+            </a:lvl4pPr>
+            <a:lvl5pPr marL="1828800" indent="0" algn="ctr" defTabSz="914400" rtl="0" eaLnBrk="1" latinLnBrk="0" hangingPunct="1">
+              <a:lnSpc>
+                <a:spcPct val="90000"/>
+              </a:lnSpc>
+              <a:spcBef>
+                <a:spcPts val="500"/>
+              </a:spcBef>
+              <a:buFont typeface="Arial" panose="020B0604020202020204" pitchFamily="34" charset="0"/>
+              <a:buNone/>
+              <a:defRPr kumimoji="1" sz="1600" kern="1200">
+                <a:solidFill>
+                  <a:schemeClr val="tx1"/>
+                </a:solidFill>
+                <a:latin typeface="+mn-lt"/>
+                <a:ea typeface="+mn-ea"/>
+                <a:cs typeface="+mn-cs"/>
+              </a:defRPr>
+            </a:lvl5pPr>
+            <a:lvl6pPr marL="2286000" indent="0" algn="ctr" defTabSz="914400" rtl="0" eaLnBrk="1" latinLnBrk="0" hangingPunct="1">
+              <a:lnSpc>
+                <a:spcPct val="90000"/>
+              </a:lnSpc>
+              <a:spcBef>
+                <a:spcPts val="500"/>
+              </a:spcBef>
+              <a:buFont typeface="Arial" panose="020B0604020202020204" pitchFamily="34" charset="0"/>
+              <a:buNone/>
+              <a:defRPr kumimoji="1" sz="1600" kern="1200">
+                <a:solidFill>
+                  <a:schemeClr val="tx1"/>
+                </a:solidFill>
+                <a:latin typeface="+mn-lt"/>
+                <a:ea typeface="+mn-ea"/>
+                <a:cs typeface="+mn-cs"/>
+              </a:defRPr>
+            </a:lvl6pPr>
+            <a:lvl7pPr marL="2743200" indent="0" algn="ctr" defTabSz="914400" rtl="0" eaLnBrk="1" latinLnBrk="0" hangingPunct="1">
+              <a:lnSpc>
+                <a:spcPct val="90000"/>
+              </a:lnSpc>
+              <a:spcBef>
+                <a:spcPts val="500"/>
+              </a:spcBef>
+              <a:buFont typeface="Arial" panose="020B0604020202020204" pitchFamily="34" charset="0"/>
+              <a:buNone/>
+              <a:defRPr kumimoji="1" sz="1600" kern="1200">
+                <a:solidFill>
+                  <a:schemeClr val="tx1"/>
+                </a:solidFill>
+                <a:latin typeface="+mn-lt"/>
+                <a:ea typeface="+mn-ea"/>
+                <a:cs typeface="+mn-cs"/>
+              </a:defRPr>
+            </a:lvl7pPr>
+            <a:lvl8pPr marL="3200400" indent="0" algn="ctr" defTabSz="914400" rtl="0" eaLnBrk="1" latinLnBrk="0" hangingPunct="1">
+              <a:lnSpc>
+                <a:spcPct val="90000"/>
+              </a:lnSpc>
+              <a:spcBef>
+                <a:spcPts val="500"/>
+              </a:spcBef>
+              <a:buFont typeface="Arial" panose="020B0604020202020204" pitchFamily="34" charset="0"/>
+              <a:buNone/>
+              <a:defRPr kumimoji="1" sz="1600" kern="1200">
+                <a:solidFill>
+                  <a:schemeClr val="tx1"/>
+                </a:solidFill>
+                <a:latin typeface="+mn-lt"/>
+                <a:ea typeface="+mn-ea"/>
+                <a:cs typeface="+mn-cs"/>
+              </a:defRPr>
+            </a:lvl8pPr>
+            <a:lvl9pPr marL="3657600" indent="0" algn="ctr" defTabSz="914400" rtl="0" eaLnBrk="1" latinLnBrk="0" hangingPunct="1">
+              <a:lnSpc>
+                <a:spcPct val="90000"/>
+              </a:lnSpc>
+              <a:spcBef>
+                <a:spcPts val="500"/>
+              </a:spcBef>
+              <a:buFont typeface="Arial" panose="020B0604020202020204" pitchFamily="34" charset="0"/>
+              <a:buNone/>
+              <a:defRPr kumimoji="1" sz="1600" kern="1200">
+                <a:solidFill>
+                  <a:schemeClr val="tx1"/>
+                </a:solidFill>
+                <a:latin typeface="+mn-lt"/>
+                <a:ea typeface="+mn-ea"/>
+                <a:cs typeface="+mn-cs"/>
+              </a:defRPr>
+            </a:lvl9pPr>
+          </a:lstStyle>
+          <a:p>
+            <a:pPr algn="l"/>
+            <a:r>
+              <a:rPr lang="en-US" sz="3600" b="1" dirty="0">
+                <a:solidFill>
+                  <a:srgbClr val="0064B5"/>
+                </a:solidFill>
+              </a:rPr>
+              <a:t>HTML Elements</a:t>
+            </a:r>
+          </a:p>
+        </p:txBody>
+      </p:sp>
+      <p:sp>
+        <p:nvSpPr>
+          <p:cNvPr id="10" name="Rectangle 9"/>
+          <p:cNvSpPr/>
+          <p:nvPr/>
+        </p:nvSpPr>
+        <p:spPr>
+          <a:xfrm>
+            <a:off x="347006" y="948690"/>
+            <a:ext cx="9236941" cy="5078313"/>
+          </a:xfrm>
+          <a:prstGeom prst="rect">
+            <a:avLst/>
+          </a:prstGeom>
+        </p:spPr>
+        <p:txBody>
+          <a:bodyPr wrap="square">
+            <a:spAutoFit/>
+          </a:bodyPr>
+          <a:lstStyle/>
+          <a:p>
+            <a:pPr marL="285750" indent="-285750">
+              <a:lnSpc>
+                <a:spcPct val="150000"/>
+              </a:lnSpc>
+            </a:pPr>
+            <a:r>
+              <a:rPr lang="en-IN" altLang="ja-JP" b="1" u="sng" dirty="0"/>
+              <a:t>HTML Headings</a:t>
+            </a:r>
+          </a:p>
+          <a:p>
+            <a:pPr marL="285750" indent="-285750">
+              <a:lnSpc>
+                <a:spcPct val="150000"/>
+              </a:lnSpc>
+            </a:pPr>
+            <a:r>
+              <a:rPr lang="en-US" altLang="ja-JP" dirty="0"/>
+              <a:t>HTML headings are defined with the &lt;h1&gt; to &lt;h6&gt; tags.</a:t>
+            </a:r>
+          </a:p>
+          <a:p>
+            <a:pPr marL="285750" indent="-285750">
+              <a:lnSpc>
+                <a:spcPct val="150000"/>
+              </a:lnSpc>
+            </a:pPr>
+            <a:r>
+              <a:rPr lang="en-US" altLang="ja-JP" dirty="0"/>
+              <a:t>&lt;h1&gt; defines the most important heading. &lt;h6&gt; defines the least important heading.</a:t>
+            </a:r>
+          </a:p>
+          <a:p>
+            <a:pPr marL="285750" indent="-285750">
+              <a:lnSpc>
+                <a:spcPct val="150000"/>
+              </a:lnSpc>
+            </a:pPr>
+            <a:endParaRPr lang="en-IN" altLang="ja-JP" dirty="0"/>
+          </a:p>
+          <a:p>
+            <a:pPr marL="285750" indent="-285750">
+              <a:lnSpc>
+                <a:spcPct val="150000"/>
+              </a:lnSpc>
+            </a:pPr>
+            <a:endParaRPr lang="en-IN" altLang="ja-JP" dirty="0"/>
+          </a:p>
+          <a:p>
+            <a:pPr marL="285750" indent="-285750">
+              <a:lnSpc>
+                <a:spcPct val="150000"/>
+              </a:lnSpc>
+              <a:buFont typeface="Arial" panose="020B0604020202020204" pitchFamily="34" charset="0"/>
+              <a:buChar char="•"/>
+            </a:pPr>
+            <a:endParaRPr lang="en-IN" altLang="ja-JP" dirty="0"/>
+          </a:p>
+          <a:p>
+            <a:pPr marL="285750" indent="-285750">
+              <a:lnSpc>
+                <a:spcPct val="150000"/>
+              </a:lnSpc>
+            </a:pPr>
+            <a:endParaRPr lang="en-IN" altLang="ja-JP" b="1" u="sng" dirty="0"/>
+          </a:p>
+          <a:p>
+            <a:pPr marL="285750" indent="-285750">
+              <a:lnSpc>
+                <a:spcPct val="150000"/>
+              </a:lnSpc>
+            </a:pPr>
+            <a:r>
+              <a:rPr lang="en-IN" altLang="ja-JP" b="1" u="sng" dirty="0"/>
+              <a:t>HTML Paragraphs</a:t>
+            </a:r>
+          </a:p>
+          <a:p>
+            <a:pPr marL="285750" indent="-285750">
+              <a:lnSpc>
+                <a:spcPct val="150000"/>
+              </a:lnSpc>
+            </a:pPr>
+            <a:r>
+              <a:rPr lang="en-US" altLang="ja-JP" dirty="0"/>
+              <a:t>HTML paragraphs are defined with the &lt;p&gt; tag.</a:t>
+            </a:r>
+          </a:p>
+          <a:p>
+            <a:pPr marL="285750" indent="-285750">
+              <a:lnSpc>
+                <a:spcPct val="150000"/>
+              </a:lnSpc>
+            </a:pPr>
+            <a:endParaRPr lang="en-IN" altLang="ja-JP" dirty="0"/>
+          </a:p>
+          <a:p>
+            <a:pPr marL="285750" indent="-285750">
+              <a:lnSpc>
+                <a:spcPct val="150000"/>
+              </a:lnSpc>
+            </a:pPr>
+            <a:r>
+              <a:rPr lang="en-US" b="1" i="1" dirty="0"/>
+              <a:t> 								</a:t>
+            </a:r>
+            <a:endParaRPr lang="en-US" altLang="ja-JP" dirty="0"/>
+          </a:p>
+          <a:p>
+            <a:pPr marL="285750" indent="-285750">
+              <a:lnSpc>
+                <a:spcPct val="150000"/>
+              </a:lnSpc>
+              <a:buFont typeface="Arial" panose="020B0604020202020204" pitchFamily="34" charset="0"/>
+              <a:buChar char="•"/>
+            </a:pPr>
+            <a:endParaRPr lang="en-IN" altLang="ja-JP" dirty="0"/>
+          </a:p>
+        </p:txBody>
+      </p:sp>
+      <p:sp>
+        <p:nvSpPr>
+          <p:cNvPr id="13" name="Content Placeholder 13"/>
+          <p:cNvSpPr txBox="1">
+            <a:spLocks/>
+          </p:cNvSpPr>
+          <p:nvPr/>
+        </p:nvSpPr>
+        <p:spPr>
+          <a:xfrm>
+            <a:off x="7745595" y="2401863"/>
+            <a:ext cx="1527802" cy="643261"/>
+          </a:xfrm>
+          <a:prstGeom prst="rect">
+            <a:avLst/>
+          </a:prstGeom>
+        </p:spPr>
+        <p:txBody>
+          <a:bodyPr vert="horz" lIns="91440" tIns="45720" rIns="91440" bIns="45720" rtlCol="0">
+            <a:noAutofit/>
+          </a:bodyPr>
+          <a:lstStyle>
+            <a:lvl1pPr marL="0" indent="0" algn="ctr" defTabSz="914400" rtl="0" eaLnBrk="1" latinLnBrk="0" hangingPunct="1">
+              <a:lnSpc>
+                <a:spcPct val="90000"/>
+              </a:lnSpc>
+              <a:spcBef>
+                <a:spcPts val="1000"/>
+              </a:spcBef>
+              <a:buFont typeface="Arial" panose="020B0604020202020204" pitchFamily="34" charset="0"/>
+              <a:buNone/>
+              <a:defRPr kumimoji="1" sz="2400" kern="1200">
+                <a:solidFill>
+                  <a:schemeClr val="tx1"/>
+                </a:solidFill>
+                <a:latin typeface="+mn-lt"/>
+                <a:ea typeface="+mn-ea"/>
+                <a:cs typeface="+mn-cs"/>
+              </a:defRPr>
+            </a:lvl1pPr>
+            <a:lvl2pPr marL="457200" indent="0" algn="ctr" defTabSz="914400" rtl="0" eaLnBrk="1" latinLnBrk="0" hangingPunct="1">
+              <a:lnSpc>
+                <a:spcPct val="90000"/>
+              </a:lnSpc>
+              <a:spcBef>
+                <a:spcPts val="500"/>
+              </a:spcBef>
+              <a:buFont typeface="Arial" panose="020B0604020202020204" pitchFamily="34" charset="0"/>
+              <a:buNone/>
+              <a:defRPr kumimoji="1" sz="2000" kern="1200">
+                <a:solidFill>
+                  <a:schemeClr val="tx1"/>
+                </a:solidFill>
+                <a:latin typeface="+mn-lt"/>
+                <a:ea typeface="+mn-ea"/>
+                <a:cs typeface="+mn-cs"/>
+              </a:defRPr>
+            </a:lvl2pPr>
+            <a:lvl3pPr marL="914400" indent="0" algn="ctr" defTabSz="914400" rtl="0" eaLnBrk="1" latinLnBrk="0" hangingPunct="1">
+              <a:lnSpc>
+                <a:spcPct val="90000"/>
+              </a:lnSpc>
+              <a:spcBef>
+                <a:spcPts val="500"/>
+              </a:spcBef>
+              <a:buFont typeface="Arial" panose="020B0604020202020204" pitchFamily="34" charset="0"/>
+              <a:buNone/>
+              <a:defRPr kumimoji="1" sz="1800" kern="1200">
+                <a:solidFill>
+                  <a:schemeClr val="tx1"/>
+                </a:solidFill>
+                <a:latin typeface="+mn-lt"/>
+                <a:ea typeface="+mn-ea"/>
+                <a:cs typeface="+mn-cs"/>
+              </a:defRPr>
+            </a:lvl3pPr>
+            <a:lvl4pPr marL="1371600" indent="0" algn="ctr" defTabSz="914400" rtl="0" eaLnBrk="1" latinLnBrk="0" hangingPunct="1">
+              <a:lnSpc>
+                <a:spcPct val="90000"/>
+              </a:lnSpc>
+              <a:spcBef>
+                <a:spcPts val="500"/>
+              </a:spcBef>
+              <a:buFont typeface="Arial" panose="020B0604020202020204" pitchFamily="34" charset="0"/>
+              <a:buNone/>
+              <a:defRPr kumimoji="1" sz="1600" kern="1200">
+                <a:solidFill>
+                  <a:schemeClr val="tx1"/>
+                </a:solidFill>
+                <a:latin typeface="+mn-lt"/>
+                <a:ea typeface="+mn-ea"/>
+                <a:cs typeface="+mn-cs"/>
+              </a:defRPr>
+            </a:lvl4pPr>
+            <a:lvl5pPr marL="1828800" indent="0" algn="ctr" defTabSz="914400" rtl="0" eaLnBrk="1" latinLnBrk="0" hangingPunct="1">
+              <a:lnSpc>
+                <a:spcPct val="90000"/>
+              </a:lnSpc>
+              <a:spcBef>
+                <a:spcPts val="500"/>
+              </a:spcBef>
+              <a:buFont typeface="Arial" panose="020B0604020202020204" pitchFamily="34" charset="0"/>
+              <a:buNone/>
+              <a:defRPr kumimoji="1" sz="1600" kern="1200">
+                <a:solidFill>
+                  <a:schemeClr val="tx1"/>
+                </a:solidFill>
+                <a:latin typeface="+mn-lt"/>
+                <a:ea typeface="+mn-ea"/>
+                <a:cs typeface="+mn-cs"/>
+              </a:defRPr>
+            </a:lvl5pPr>
+            <a:lvl6pPr marL="2286000" indent="0" algn="ctr" defTabSz="914400" rtl="0" eaLnBrk="1" latinLnBrk="0" hangingPunct="1">
+              <a:lnSpc>
+                <a:spcPct val="90000"/>
+              </a:lnSpc>
+              <a:spcBef>
+                <a:spcPts val="500"/>
+              </a:spcBef>
+              <a:buFont typeface="Arial" panose="020B0604020202020204" pitchFamily="34" charset="0"/>
+              <a:buNone/>
+              <a:defRPr kumimoji="1" sz="1600" kern="1200">
+                <a:solidFill>
+                  <a:schemeClr val="tx1"/>
+                </a:solidFill>
+                <a:latin typeface="+mn-lt"/>
+                <a:ea typeface="+mn-ea"/>
+                <a:cs typeface="+mn-cs"/>
+              </a:defRPr>
+            </a:lvl6pPr>
+            <a:lvl7pPr marL="2743200" indent="0" algn="ctr" defTabSz="914400" rtl="0" eaLnBrk="1" latinLnBrk="0" hangingPunct="1">
+              <a:lnSpc>
+                <a:spcPct val="90000"/>
+              </a:lnSpc>
+              <a:spcBef>
+                <a:spcPts val="500"/>
+              </a:spcBef>
+              <a:buFont typeface="Arial" panose="020B0604020202020204" pitchFamily="34" charset="0"/>
+              <a:buNone/>
+              <a:defRPr kumimoji="1" sz="1600" kern="1200">
+                <a:solidFill>
+                  <a:schemeClr val="tx1"/>
+                </a:solidFill>
+                <a:latin typeface="+mn-lt"/>
+                <a:ea typeface="+mn-ea"/>
+                <a:cs typeface="+mn-cs"/>
+              </a:defRPr>
+            </a:lvl7pPr>
+            <a:lvl8pPr marL="3200400" indent="0" algn="ctr" defTabSz="914400" rtl="0" eaLnBrk="1" latinLnBrk="0" hangingPunct="1">
+              <a:lnSpc>
+                <a:spcPct val="90000"/>
+              </a:lnSpc>
+              <a:spcBef>
+                <a:spcPts val="500"/>
+              </a:spcBef>
+              <a:buFont typeface="Arial" panose="020B0604020202020204" pitchFamily="34" charset="0"/>
+              <a:buNone/>
+              <a:defRPr kumimoji="1" sz="1600" kern="1200">
+                <a:solidFill>
+                  <a:schemeClr val="tx1"/>
+                </a:solidFill>
+                <a:latin typeface="+mn-lt"/>
+                <a:ea typeface="+mn-ea"/>
+                <a:cs typeface="+mn-cs"/>
+              </a:defRPr>
+            </a:lvl8pPr>
+            <a:lvl9pPr marL="3657600" indent="0" algn="ctr" defTabSz="914400" rtl="0" eaLnBrk="1" latinLnBrk="0" hangingPunct="1">
+              <a:lnSpc>
+                <a:spcPct val="90000"/>
+              </a:lnSpc>
+              <a:spcBef>
+                <a:spcPts val="500"/>
+              </a:spcBef>
+              <a:buFont typeface="Arial" panose="020B0604020202020204" pitchFamily="34" charset="0"/>
+              <a:buNone/>
+              <a:defRPr kumimoji="1" sz="1600" kern="1200">
+                <a:solidFill>
+                  <a:schemeClr val="tx1"/>
+                </a:solidFill>
+                <a:latin typeface="+mn-lt"/>
+                <a:ea typeface="+mn-ea"/>
+                <a:cs typeface="+mn-cs"/>
+              </a:defRPr>
+            </a:lvl9pPr>
+          </a:lstStyle>
+          <a:p>
+            <a:pPr algn="l"/>
+            <a:r>
+              <a:rPr lang="en-US" sz="4400" b="1" dirty="0">
+                <a:solidFill>
+                  <a:schemeClr val="bg1"/>
+                </a:solidFill>
+              </a:rPr>
+              <a:t>15hrs</a:t>
+            </a:r>
+          </a:p>
+        </p:txBody>
+      </p:sp>
+      <p:sp>
+        <p:nvSpPr>
+          <p:cNvPr id="12" name="Rectangle 11"/>
+          <p:cNvSpPr/>
+          <p:nvPr/>
+        </p:nvSpPr>
+        <p:spPr>
+          <a:xfrm>
+            <a:off x="457200" y="4330460"/>
+            <a:ext cx="4477109" cy="1130061"/>
+          </a:xfrm>
+          <a:prstGeom prst="rect">
+            <a:avLst/>
+          </a:prstGeom>
+          <a:gradFill flip="none" rotWithShape="1">
+            <a:gsLst>
+              <a:gs pos="0">
+                <a:schemeClr val="bg2"/>
+              </a:gs>
+              <a:gs pos="50000">
+                <a:schemeClr val="accent3">
+                  <a:lumMod val="20000"/>
+                  <a:lumOff val="80000"/>
+                  <a:shade val="67500"/>
+                  <a:satMod val="115000"/>
+                </a:schemeClr>
+              </a:gs>
+              <a:gs pos="100000">
+                <a:schemeClr val="accent3">
+                  <a:lumMod val="20000"/>
+                  <a:lumOff val="80000"/>
+                  <a:shade val="100000"/>
+                  <a:satMod val="115000"/>
+                </a:schemeClr>
+              </a:gs>
+            </a:gsLst>
+            <a:lin ang="6600000" scaled="0"/>
+            <a:tileRect/>
+          </a:gradFill>
+          <a:ln>
+            <a:solidFill>
+              <a:schemeClr val="tx1">
+                <a:lumMod val="50000"/>
+                <a:lumOff val="50000"/>
+              </a:schemeClr>
+            </a:solidFill>
+          </a:ln>
+        </p:spPr>
+        <p:style>
+          <a:lnRef idx="2">
+            <a:schemeClr val="accent1">
+              <a:shade val="50000"/>
+            </a:schemeClr>
+          </a:lnRef>
+          <a:fillRef idx="1">
+            <a:schemeClr val="accent1"/>
+          </a:fillRef>
+          <a:effectRef idx="0">
+            <a:schemeClr val="accent1"/>
+          </a:effectRef>
+          <a:fontRef idx="minor">
+            <a:schemeClr val="lt1"/>
+          </a:fontRef>
+        </p:style>
+        <p:txBody>
+          <a:bodyPr rtlCol="0" anchor="ctr"/>
+          <a:lstStyle/>
+          <a:p>
+            <a:r>
+              <a:rPr lang="en-US" dirty="0">
+                <a:solidFill>
+                  <a:schemeClr val="tx1"/>
+                </a:solidFill>
+              </a:rPr>
+              <a:t>&lt;p&gt;This is a paragraph.&lt;/p&gt;</a:t>
+            </a:r>
+          </a:p>
+          <a:p>
+            <a:r>
+              <a:rPr lang="en-US" dirty="0">
+                <a:solidFill>
+                  <a:schemeClr val="tx1"/>
+                </a:solidFill>
+              </a:rPr>
+              <a:t>&lt;p&gt;This is another paragraph.&lt;/p&gt;</a:t>
+            </a:r>
+          </a:p>
+        </p:txBody>
+      </p:sp>
+      <p:sp>
+        <p:nvSpPr>
+          <p:cNvPr id="14" name="Rectangle 13"/>
+          <p:cNvSpPr/>
+          <p:nvPr/>
+        </p:nvSpPr>
+        <p:spPr>
+          <a:xfrm>
+            <a:off x="428445" y="2265870"/>
+            <a:ext cx="4477109" cy="1233578"/>
+          </a:xfrm>
+          <a:prstGeom prst="rect">
+            <a:avLst/>
+          </a:prstGeom>
+          <a:gradFill flip="none" rotWithShape="1">
+            <a:gsLst>
+              <a:gs pos="0">
+                <a:schemeClr val="bg2"/>
+              </a:gs>
+              <a:gs pos="50000">
+                <a:schemeClr val="accent3">
+                  <a:lumMod val="20000"/>
+                  <a:lumOff val="80000"/>
+                  <a:shade val="67500"/>
+                  <a:satMod val="115000"/>
+                </a:schemeClr>
+              </a:gs>
+              <a:gs pos="100000">
+                <a:schemeClr val="accent3">
+                  <a:lumMod val="20000"/>
+                  <a:lumOff val="80000"/>
+                  <a:shade val="100000"/>
+                  <a:satMod val="115000"/>
+                </a:schemeClr>
+              </a:gs>
+            </a:gsLst>
+            <a:lin ang="6600000" scaled="0"/>
+            <a:tileRect/>
+          </a:gradFill>
+          <a:ln>
+            <a:solidFill>
+              <a:schemeClr val="tx1">
+                <a:lumMod val="50000"/>
+                <a:lumOff val="50000"/>
+              </a:schemeClr>
+            </a:solidFill>
+          </a:ln>
+        </p:spPr>
+        <p:style>
+          <a:lnRef idx="2">
+            <a:schemeClr val="accent1">
+              <a:shade val="50000"/>
+            </a:schemeClr>
+          </a:lnRef>
+          <a:fillRef idx="1">
+            <a:schemeClr val="accent1"/>
+          </a:fillRef>
+          <a:effectRef idx="0">
+            <a:schemeClr val="accent1"/>
+          </a:effectRef>
+          <a:fontRef idx="minor">
+            <a:schemeClr val="lt1"/>
+          </a:fontRef>
+        </p:style>
+        <p:txBody>
+          <a:bodyPr rtlCol="0" anchor="ctr"/>
+          <a:lstStyle/>
+          <a:p>
+            <a:r>
+              <a:rPr lang="en-US" dirty="0">
+                <a:solidFill>
+                  <a:schemeClr val="tx1"/>
+                </a:solidFill>
+              </a:rPr>
+              <a:t>&lt;h1&gt;This is heading 1&lt;/h1&gt;</a:t>
+            </a:r>
+            <a:br>
+              <a:rPr lang="en-US" dirty="0">
+                <a:solidFill>
+                  <a:schemeClr val="tx1"/>
+                </a:solidFill>
+              </a:rPr>
+            </a:br>
+            <a:r>
+              <a:rPr lang="en-US" dirty="0">
+                <a:solidFill>
+                  <a:schemeClr val="tx1"/>
+                </a:solidFill>
+              </a:rPr>
+              <a:t>&lt;h2&gt;This is heading 2&lt;/h2&gt;</a:t>
+            </a:r>
+            <a:br>
+              <a:rPr lang="en-US" dirty="0">
+                <a:solidFill>
+                  <a:schemeClr val="tx1"/>
+                </a:solidFill>
+              </a:rPr>
+            </a:br>
+            <a:r>
+              <a:rPr lang="en-US" dirty="0">
+                <a:solidFill>
+                  <a:schemeClr val="tx1"/>
+                </a:solidFill>
+              </a:rPr>
+              <a:t>&lt;h3&gt;This is heading 3&lt;/h3&gt;</a:t>
+            </a:r>
+          </a:p>
+        </p:txBody>
+      </p:sp>
+    </p:spTree>
+    <p:extLst>
+      <p:ext uri="{BB962C8B-B14F-4D97-AF65-F5344CB8AC3E}">
+        <p14:creationId xmlns="" xmlns:p14="http://schemas.microsoft.com/office/powerpoint/2010/main" val="1328577666"/>
+      </p:ext>
+    </p:extLst>
+  </p:cSld>
+  <p:clrMapOvr>
+    <a:masterClrMapping/>
+  </p:clrMapOvr>
+  <p:timing>
+    <p:tnLst>
+      <p:par>
+        <p:cTn id="1" dur="indefinite" restart="never" nodeType="tmRoot"/>
+      </p:par>
+    </p:tnLst>
+  </p:timing>
+</p:sld>
+</file>
+
+<file path=ppt/slides/slide11.xml><?xml version="1.0" encoding="utf-8"?>
+<p:sld xmlns:a="http://schemas.openxmlformats.org/drawingml/2006/main" xmlns:r="http://schemas.openxmlformats.org/officeDocument/2006/relationships" xmlns:p="http://schemas.openxmlformats.org/presentationml/2006/main">
+  <p:cSld>
+    <p:spTree>
+      <p:nvGrpSpPr>
+        <p:cNvPr id="1" name=""/>
+        <p:cNvGrpSpPr/>
+        <p:nvPr/>
+      </p:nvGrpSpPr>
+      <p:grpSpPr>
+        <a:xfrm>
+          <a:off x="0" y="0"/>
+          <a:ext cx="0" cy="0"/>
+          <a:chOff x="0" y="0"/>
+          <a:chExt cx="0" cy="0"/>
+        </a:xfrm>
+      </p:grpSpPr>
+      <p:sp>
+        <p:nvSpPr>
+          <p:cNvPr id="2" name="Title 1"/>
+          <p:cNvSpPr>
+            <a:spLocks noGrp="1"/>
+          </p:cNvSpPr>
+          <p:nvPr>
+            <p:ph type="title"/>
+          </p:nvPr>
+        </p:nvSpPr>
+        <p:spPr/>
+        <p:txBody>
+          <a:bodyPr/>
+          <a:lstStyle/>
+          <a:p>
+            <a:r>
+              <a:rPr lang="en-IN" dirty="0" smtClean="0"/>
+              <a:t>QUESTION</a:t>
+            </a:r>
+            <a:endParaRPr lang="en-US" dirty="0"/>
+          </a:p>
+        </p:txBody>
+      </p:sp>
+      <p:pic>
+        <p:nvPicPr>
+          <p:cNvPr id="5122" name="Picture 2"/>
+          <p:cNvPicPr>
+            <a:picLocks noGrp="1" noChangeAspect="1" noChangeArrowheads="1"/>
+          </p:cNvPicPr>
+          <p:nvPr>
+            <p:ph idx="1"/>
+          </p:nvPr>
+        </p:nvPicPr>
+        <p:blipFill>
+          <a:blip r:embed="rId2"/>
+          <a:srcRect/>
+          <a:stretch>
+            <a:fillRect/>
+          </a:stretch>
+        </p:blipFill>
+        <p:spPr bwMode="auto">
+          <a:xfrm>
+            <a:off x="1743075" y="2143919"/>
+            <a:ext cx="8705850" cy="3714750"/>
+          </a:xfrm>
+          <a:prstGeom prst="rect">
+            <a:avLst/>
+          </a:prstGeom>
+          <a:noFill/>
+          <a:ln w="9525">
+            <a:noFill/>
+            <a:miter lim="800000"/>
+            <a:headEnd/>
+            <a:tailEnd/>
+          </a:ln>
+          <a:effectLst/>
+        </p:spPr>
+      </p:pic>
+    </p:spTree>
+  </p:cSld>
+  <p:clrMapOvr>
+    <a:masterClrMapping/>
+  </p:clrMapOvr>
+</p:sld>
+</file>
+
+<file path=ppt/slides/slide12.xml><?xml version="1.0" encoding="utf-8"?>
+<p:sld xmlns:a="http://schemas.openxmlformats.org/drawingml/2006/main" xmlns:r="http://schemas.openxmlformats.org/officeDocument/2006/relationships" xmlns:p="http://schemas.openxmlformats.org/presentationml/2006/main">
+  <p:cSld>
+    <p:spTree>
+      <p:nvGrpSpPr>
+        <p:cNvPr id="1" name=""/>
+        <p:cNvGrpSpPr/>
+        <p:nvPr/>
+      </p:nvGrpSpPr>
+      <p:grpSpPr>
+        <a:xfrm>
+          <a:off x="0" y="0"/>
+          <a:ext cx="0" cy="0"/>
+          <a:chOff x="0" y="0"/>
+          <a:chExt cx="0" cy="0"/>
+        </a:xfrm>
+      </p:grpSpPr>
+      <p:sp>
+        <p:nvSpPr>
+          <p:cNvPr id="2" name="Title 1"/>
+          <p:cNvSpPr>
+            <a:spLocks noGrp="1"/>
+          </p:cNvSpPr>
+          <p:nvPr>
+            <p:ph type="title"/>
+          </p:nvPr>
+        </p:nvSpPr>
+        <p:spPr/>
+        <p:txBody>
+          <a:bodyPr/>
+          <a:lstStyle/>
+          <a:p>
+            <a:r>
+              <a:rPr lang="en-IN" dirty="0" smtClean="0"/>
+              <a:t>QUESTION</a:t>
+            </a:r>
+            <a:endParaRPr lang="en-US" dirty="0"/>
+          </a:p>
+        </p:txBody>
+      </p:sp>
+      <p:sp>
+        <p:nvSpPr>
+          <p:cNvPr id="4" name="Content Placeholder 3"/>
+          <p:cNvSpPr>
+            <a:spLocks noGrp="1"/>
+          </p:cNvSpPr>
+          <p:nvPr>
+            <p:ph idx="1"/>
+          </p:nvPr>
+        </p:nvSpPr>
+        <p:spPr/>
+        <p:txBody>
+          <a:bodyPr/>
+          <a:lstStyle/>
+          <a:p>
+            <a:endParaRPr lang="en-US"/>
+          </a:p>
+        </p:txBody>
+      </p:sp>
+      <p:pic>
+        <p:nvPicPr>
+          <p:cNvPr id="6146" name="Picture 2"/>
+          <p:cNvPicPr>
+            <a:picLocks noChangeAspect="1" noChangeArrowheads="1"/>
+          </p:cNvPicPr>
+          <p:nvPr/>
+        </p:nvPicPr>
+        <p:blipFill>
+          <a:blip r:embed="rId2"/>
+          <a:srcRect/>
+          <a:stretch>
+            <a:fillRect/>
+          </a:stretch>
+        </p:blipFill>
+        <p:spPr bwMode="auto">
+          <a:xfrm>
+            <a:off x="574765" y="1554480"/>
+            <a:ext cx="11181805" cy="4741817"/>
+          </a:xfrm>
+          <a:prstGeom prst="rect">
+            <a:avLst/>
+          </a:prstGeom>
+          <a:noFill/>
+          <a:ln w="9525">
+            <a:noFill/>
+            <a:miter lim="800000"/>
+            <a:headEnd/>
+            <a:tailEnd/>
+          </a:ln>
+          <a:effectLst/>
+        </p:spPr>
+      </p:pic>
+    </p:spTree>
+  </p:cSld>
+  <p:clrMapOvr>
+    <a:masterClrMapping/>
+  </p:clrMapOvr>
+</p:sld>
+</file>
+
+<file path=ppt/slides/slide13.xml><?xml version="1.0" encoding="utf-8"?>
+<p:sld xmlns:a="http://schemas.openxmlformats.org/drawingml/2006/main" xmlns:r="http://schemas.openxmlformats.org/officeDocument/2006/relationships" xmlns:p="http://schemas.openxmlformats.org/presentationml/2006/main">
+  <p:cSld>
+    <p:spTree>
+      <p:nvGrpSpPr>
+        <p:cNvPr id="1" name=""/>
+        <p:cNvGrpSpPr/>
+        <p:nvPr/>
+      </p:nvGrpSpPr>
+      <p:grpSpPr>
+        <a:xfrm>
+          <a:off x="0" y="0"/>
+          <a:ext cx="0" cy="0"/>
+          <a:chOff x="0" y="0"/>
+          <a:chExt cx="0" cy="0"/>
+        </a:xfrm>
+      </p:grpSpPr>
+      <p:sp>
+        <p:nvSpPr>
+          <p:cNvPr id="2" name="Title 1"/>
+          <p:cNvSpPr>
+            <a:spLocks noGrp="1"/>
+          </p:cNvSpPr>
+          <p:nvPr>
+            <p:ph type="title"/>
+          </p:nvPr>
+        </p:nvSpPr>
+        <p:spPr/>
+        <p:txBody>
+          <a:bodyPr/>
+          <a:lstStyle/>
+          <a:p>
+            <a:r>
+              <a:rPr lang="en-IN" dirty="0" smtClean="0"/>
+              <a:t>QUESTION</a:t>
+            </a:r>
+            <a:endParaRPr lang="en-US" dirty="0"/>
+          </a:p>
+        </p:txBody>
+      </p:sp>
+      <p:sp>
+        <p:nvSpPr>
+          <p:cNvPr id="4" name="Content Placeholder 3"/>
+          <p:cNvSpPr>
+            <a:spLocks noGrp="1"/>
+          </p:cNvSpPr>
+          <p:nvPr>
+            <p:ph idx="1"/>
+          </p:nvPr>
+        </p:nvSpPr>
+        <p:spPr/>
+        <p:txBody>
+          <a:bodyPr/>
+          <a:lstStyle/>
+          <a:p>
+            <a:endParaRPr lang="en-US"/>
+          </a:p>
+        </p:txBody>
+      </p:sp>
+      <p:pic>
+        <p:nvPicPr>
+          <p:cNvPr id="7170" name="Picture 2"/>
+          <p:cNvPicPr>
+            <a:picLocks noChangeAspect="1" noChangeArrowheads="1"/>
+          </p:cNvPicPr>
+          <p:nvPr/>
+        </p:nvPicPr>
+        <p:blipFill>
+          <a:blip r:embed="rId2"/>
+          <a:srcRect/>
+          <a:stretch>
+            <a:fillRect/>
+          </a:stretch>
+        </p:blipFill>
+        <p:spPr bwMode="auto">
+          <a:xfrm>
+            <a:off x="796834" y="1789612"/>
+            <a:ext cx="10411097" cy="4162834"/>
+          </a:xfrm>
+          <a:prstGeom prst="rect">
+            <a:avLst/>
+          </a:prstGeom>
+          <a:noFill/>
+          <a:ln w="9525">
+            <a:noFill/>
+            <a:miter lim="800000"/>
+            <a:headEnd/>
+            <a:tailEnd/>
+          </a:ln>
+          <a:effectLst/>
+        </p:spPr>
+      </p:pic>
+    </p:spTree>
+  </p:cSld>
+  <p:clrMapOvr>
+    <a:masterClrMapping/>
+  </p:clrMapOvr>
+</p:sld>
+</file>
+
+<file path=ppt/slides/slide14.xml><?xml version="1.0" encoding="utf-8"?>
+<p:sld xmlns:a="http://schemas.openxmlformats.org/drawingml/2006/main" xmlns:r="http://schemas.openxmlformats.org/officeDocument/2006/relationships" xmlns:p="http://schemas.openxmlformats.org/presentationml/2006/main">
+  <p:cSld>
+    <p:spTree>
+      <p:nvGrpSpPr>
+        <p:cNvPr id="1" name=""/>
+        <p:cNvGrpSpPr/>
+        <p:nvPr/>
+      </p:nvGrpSpPr>
+      <p:grpSpPr>
+        <a:xfrm>
+          <a:off x="0" y="0"/>
+          <a:ext cx="0" cy="0"/>
+          <a:chOff x="0" y="0"/>
+          <a:chExt cx="0" cy="0"/>
+        </a:xfrm>
+      </p:grpSpPr>
+      <p:sp>
+        <p:nvSpPr>
+          <p:cNvPr id="2" name="Title 1"/>
+          <p:cNvSpPr>
+            <a:spLocks noGrp="1"/>
+          </p:cNvSpPr>
+          <p:nvPr>
+            <p:ph type="title"/>
+          </p:nvPr>
+        </p:nvSpPr>
+        <p:spPr/>
+        <p:txBody>
+          <a:bodyPr/>
+          <a:lstStyle/>
+          <a:p>
+            <a:r>
+              <a:rPr lang="en-IN" dirty="0" smtClean="0"/>
+              <a:t>QUESTION</a:t>
+            </a:r>
+            <a:endParaRPr lang="en-US" dirty="0"/>
+          </a:p>
+        </p:txBody>
+      </p:sp>
+      <p:sp>
+        <p:nvSpPr>
+          <p:cNvPr id="4" name="Content Placeholder 3"/>
+          <p:cNvSpPr>
+            <a:spLocks noGrp="1"/>
+          </p:cNvSpPr>
+          <p:nvPr>
+            <p:ph idx="1"/>
+          </p:nvPr>
+        </p:nvSpPr>
+        <p:spPr/>
+        <p:txBody>
+          <a:bodyPr/>
+          <a:lstStyle/>
+          <a:p>
+            <a:endParaRPr lang="en-US" dirty="0"/>
+          </a:p>
+        </p:txBody>
+      </p:sp>
+      <p:pic>
+        <p:nvPicPr>
+          <p:cNvPr id="8194" name="Picture 2"/>
+          <p:cNvPicPr>
+            <a:picLocks noChangeAspect="1" noChangeArrowheads="1"/>
+          </p:cNvPicPr>
+          <p:nvPr/>
+        </p:nvPicPr>
+        <p:blipFill>
+          <a:blip r:embed="rId2"/>
+          <a:srcRect/>
+          <a:stretch>
+            <a:fillRect/>
+          </a:stretch>
+        </p:blipFill>
+        <p:spPr bwMode="auto">
+          <a:xfrm>
+            <a:off x="613954" y="1476103"/>
+            <a:ext cx="11312435" cy="4447903"/>
+          </a:xfrm>
+          <a:prstGeom prst="rect">
+            <a:avLst/>
+          </a:prstGeom>
+          <a:noFill/>
+          <a:ln w="9525">
+            <a:noFill/>
+            <a:miter lim="800000"/>
+            <a:headEnd/>
+            <a:tailEnd/>
+          </a:ln>
+          <a:effectLst/>
+        </p:spPr>
+      </p:pic>
+    </p:spTree>
+  </p:cSld>
+  <p:clrMapOvr>
+    <a:masterClrMapping/>
+  </p:clrMapOvr>
+</p:sld>
+</file>
+
+<file path=ppt/slides/slide15.xml><?xml version="1.0" encoding="utf-8"?>
+<p:sld xmlns:a="http://schemas.openxmlformats.org/drawingml/2006/main" xmlns:r="http://schemas.openxmlformats.org/officeDocument/2006/relationships" xmlns:p="http://schemas.openxmlformats.org/presentationml/2006/main">
+  <p:cSld>
+    <p:spTree>
+      <p:nvGrpSpPr>
+        <p:cNvPr id="1" name=""/>
+        <p:cNvGrpSpPr/>
+        <p:nvPr/>
+      </p:nvGrpSpPr>
+      <p:grpSpPr>
+        <a:xfrm>
+          <a:off x="0" y="0"/>
+          <a:ext cx="0" cy="0"/>
+          <a:chOff x="0" y="0"/>
+          <a:chExt cx="0" cy="0"/>
+        </a:xfrm>
+      </p:grpSpPr>
+      <p:sp>
+        <p:nvSpPr>
+          <p:cNvPr id="4" name="Content Placeholder 13"/>
+          <p:cNvSpPr txBox="1">
+            <a:spLocks/>
+          </p:cNvSpPr>
+          <p:nvPr/>
+        </p:nvSpPr>
+        <p:spPr>
+          <a:xfrm>
+            <a:off x="321126" y="334401"/>
+            <a:ext cx="9791700" cy="630192"/>
+          </a:xfrm>
+          <a:prstGeom prst="rect">
+            <a:avLst/>
+          </a:prstGeom>
+        </p:spPr>
+        <p:txBody>
+          <a:bodyPr vert="horz" lIns="91440" tIns="45720" rIns="91440" bIns="45720" rtlCol="0">
+            <a:noAutofit/>
+          </a:bodyPr>
+          <a:lstStyle>
+            <a:lvl1pPr marL="0" indent="0" algn="ctr" defTabSz="914400" rtl="0" eaLnBrk="1" latinLnBrk="0" hangingPunct="1">
+              <a:lnSpc>
+                <a:spcPct val="90000"/>
+              </a:lnSpc>
+              <a:spcBef>
+                <a:spcPts val="1000"/>
+              </a:spcBef>
+              <a:buFont typeface="Arial" panose="020B0604020202020204" pitchFamily="34" charset="0"/>
+              <a:buNone/>
+              <a:defRPr kumimoji="1" sz="2400" kern="1200">
+                <a:solidFill>
+                  <a:schemeClr val="tx1"/>
+                </a:solidFill>
+                <a:latin typeface="+mn-lt"/>
+                <a:ea typeface="+mn-ea"/>
+                <a:cs typeface="+mn-cs"/>
+              </a:defRPr>
+            </a:lvl1pPr>
+            <a:lvl2pPr marL="457200" indent="0" algn="ctr" defTabSz="914400" rtl="0" eaLnBrk="1" latinLnBrk="0" hangingPunct="1">
+              <a:lnSpc>
+                <a:spcPct val="90000"/>
+              </a:lnSpc>
+              <a:spcBef>
+                <a:spcPts val="500"/>
+              </a:spcBef>
+              <a:buFont typeface="Arial" panose="020B0604020202020204" pitchFamily="34" charset="0"/>
+              <a:buNone/>
+              <a:defRPr kumimoji="1" sz="2000" kern="1200">
+                <a:solidFill>
+                  <a:schemeClr val="tx1"/>
+                </a:solidFill>
+                <a:latin typeface="+mn-lt"/>
+                <a:ea typeface="+mn-ea"/>
+                <a:cs typeface="+mn-cs"/>
+              </a:defRPr>
+            </a:lvl2pPr>
+            <a:lvl3pPr marL="914400" indent="0" algn="ctr" defTabSz="914400" rtl="0" eaLnBrk="1" latinLnBrk="0" hangingPunct="1">
+              <a:lnSpc>
+                <a:spcPct val="90000"/>
+              </a:lnSpc>
+              <a:spcBef>
+                <a:spcPts val="500"/>
+              </a:spcBef>
+              <a:buFont typeface="Arial" panose="020B0604020202020204" pitchFamily="34" charset="0"/>
+              <a:buNone/>
+              <a:defRPr kumimoji="1" sz="1800" kern="1200">
+                <a:solidFill>
+                  <a:schemeClr val="tx1"/>
+                </a:solidFill>
+                <a:latin typeface="+mn-lt"/>
+                <a:ea typeface="+mn-ea"/>
+                <a:cs typeface="+mn-cs"/>
+              </a:defRPr>
+            </a:lvl3pPr>
+            <a:lvl4pPr marL="1371600" indent="0" algn="ctr" defTabSz="914400" rtl="0" eaLnBrk="1" latinLnBrk="0" hangingPunct="1">
+              <a:lnSpc>
+                <a:spcPct val="90000"/>
+              </a:lnSpc>
+              <a:spcBef>
+                <a:spcPts val="500"/>
+              </a:spcBef>
+              <a:buFont typeface="Arial" panose="020B0604020202020204" pitchFamily="34" charset="0"/>
+              <a:buNone/>
+              <a:defRPr kumimoji="1" sz="1600" kern="1200">
+                <a:solidFill>
+                  <a:schemeClr val="tx1"/>
+                </a:solidFill>
+                <a:latin typeface="+mn-lt"/>
+                <a:ea typeface="+mn-ea"/>
+                <a:cs typeface="+mn-cs"/>
+              </a:defRPr>
+            </a:lvl4pPr>
+            <a:lvl5pPr marL="1828800" indent="0" algn="ctr" defTabSz="914400" rtl="0" eaLnBrk="1" latinLnBrk="0" hangingPunct="1">
+              <a:lnSpc>
+                <a:spcPct val="90000"/>
+              </a:lnSpc>
+              <a:spcBef>
+                <a:spcPts val="500"/>
+              </a:spcBef>
+              <a:buFont typeface="Arial" panose="020B0604020202020204" pitchFamily="34" charset="0"/>
+              <a:buNone/>
+              <a:defRPr kumimoji="1" sz="1600" kern="1200">
+                <a:solidFill>
+                  <a:schemeClr val="tx1"/>
+                </a:solidFill>
+                <a:latin typeface="+mn-lt"/>
+                <a:ea typeface="+mn-ea"/>
+                <a:cs typeface="+mn-cs"/>
+              </a:defRPr>
+            </a:lvl5pPr>
+            <a:lvl6pPr marL="2286000" indent="0" algn="ctr" defTabSz="914400" rtl="0" eaLnBrk="1" latinLnBrk="0" hangingPunct="1">
+              <a:lnSpc>
+                <a:spcPct val="90000"/>
+              </a:lnSpc>
+              <a:spcBef>
+                <a:spcPts val="500"/>
+              </a:spcBef>
+              <a:buFont typeface="Arial" panose="020B0604020202020204" pitchFamily="34" charset="0"/>
+              <a:buNone/>
+              <a:defRPr kumimoji="1" sz="1600" kern="1200">
+                <a:solidFill>
+                  <a:schemeClr val="tx1"/>
+                </a:solidFill>
+                <a:latin typeface="+mn-lt"/>
+                <a:ea typeface="+mn-ea"/>
+                <a:cs typeface="+mn-cs"/>
+              </a:defRPr>
+            </a:lvl6pPr>
+            <a:lvl7pPr marL="2743200" indent="0" algn="ctr" defTabSz="914400" rtl="0" eaLnBrk="1" latinLnBrk="0" hangingPunct="1">
+              <a:lnSpc>
+                <a:spcPct val="90000"/>
+              </a:lnSpc>
+              <a:spcBef>
+                <a:spcPts val="500"/>
+              </a:spcBef>
+              <a:buFont typeface="Arial" panose="020B0604020202020204" pitchFamily="34" charset="0"/>
+              <a:buNone/>
+              <a:defRPr kumimoji="1" sz="1600" kern="1200">
+                <a:solidFill>
+                  <a:schemeClr val="tx1"/>
+                </a:solidFill>
+                <a:latin typeface="+mn-lt"/>
+                <a:ea typeface="+mn-ea"/>
+                <a:cs typeface="+mn-cs"/>
+              </a:defRPr>
+            </a:lvl7pPr>
+            <a:lvl8pPr marL="3200400" indent="0" algn="ctr" defTabSz="914400" rtl="0" eaLnBrk="1" latinLnBrk="0" hangingPunct="1">
+              <a:lnSpc>
+                <a:spcPct val="90000"/>
+              </a:lnSpc>
+              <a:spcBef>
+                <a:spcPts val="500"/>
+              </a:spcBef>
+              <a:buFont typeface="Arial" panose="020B0604020202020204" pitchFamily="34" charset="0"/>
+              <a:buNone/>
+              <a:defRPr kumimoji="1" sz="1600" kern="1200">
+                <a:solidFill>
+                  <a:schemeClr val="tx1"/>
+                </a:solidFill>
+                <a:latin typeface="+mn-lt"/>
+                <a:ea typeface="+mn-ea"/>
+                <a:cs typeface="+mn-cs"/>
+              </a:defRPr>
+            </a:lvl8pPr>
+            <a:lvl9pPr marL="3657600" indent="0" algn="ctr" defTabSz="914400" rtl="0" eaLnBrk="1" latinLnBrk="0" hangingPunct="1">
+              <a:lnSpc>
+                <a:spcPct val="90000"/>
+              </a:lnSpc>
+              <a:spcBef>
+                <a:spcPts val="500"/>
+              </a:spcBef>
+              <a:buFont typeface="Arial" panose="020B0604020202020204" pitchFamily="34" charset="0"/>
+              <a:buNone/>
+              <a:defRPr kumimoji="1" sz="1600" kern="1200">
+                <a:solidFill>
+                  <a:schemeClr val="tx1"/>
+                </a:solidFill>
+                <a:latin typeface="+mn-lt"/>
+                <a:ea typeface="+mn-ea"/>
+                <a:cs typeface="+mn-cs"/>
+              </a:defRPr>
+            </a:lvl9pPr>
+          </a:lstStyle>
+          <a:p>
+            <a:pPr algn="l"/>
+            <a:r>
+              <a:rPr lang="en-US" sz="3600" b="1" dirty="0">
+                <a:solidFill>
+                  <a:srgbClr val="0064B5"/>
+                </a:solidFill>
+              </a:rPr>
+              <a:t>HTML </a:t>
+            </a:r>
+            <a:r>
+              <a:rPr lang="en-US" sz="3600" b="1" dirty="0" smtClean="0">
+                <a:solidFill>
+                  <a:srgbClr val="0064B5"/>
+                </a:solidFill>
+              </a:rPr>
+              <a:t>Element, Tag &amp; Attribute</a:t>
+            </a:r>
+            <a:endParaRPr lang="en-US" sz="3600" b="1" dirty="0">
+              <a:solidFill>
+                <a:srgbClr val="0064B5"/>
+              </a:solidFill>
+            </a:endParaRPr>
+          </a:p>
+        </p:txBody>
+      </p:sp>
+      <p:pic>
+        <p:nvPicPr>
+          <p:cNvPr id="2051" name="Picture 3"/>
+          <p:cNvPicPr>
+            <a:picLocks noChangeAspect="1" noChangeArrowheads="1"/>
+          </p:cNvPicPr>
+          <p:nvPr/>
+        </p:nvPicPr>
+        <p:blipFill>
+          <a:blip r:embed="rId2"/>
+          <a:srcRect/>
+          <a:stretch>
+            <a:fillRect/>
+          </a:stretch>
+        </p:blipFill>
+        <p:spPr bwMode="auto">
+          <a:xfrm>
+            <a:off x="431051" y="1802921"/>
+            <a:ext cx="5347315" cy="1802533"/>
+          </a:xfrm>
+          <a:prstGeom prst="rect">
+            <a:avLst/>
+          </a:prstGeom>
+          <a:noFill/>
+          <a:ln w="9525">
+            <a:noFill/>
+            <a:miter lim="800000"/>
+            <a:headEnd/>
+            <a:tailEnd/>
+          </a:ln>
+          <a:effectLst/>
+        </p:spPr>
+      </p:pic>
+      <p:pic>
+        <p:nvPicPr>
+          <p:cNvPr id="8" name="Picture 2"/>
+          <p:cNvPicPr>
+            <a:picLocks noChangeAspect="1" noChangeArrowheads="1"/>
+          </p:cNvPicPr>
+          <p:nvPr/>
+        </p:nvPicPr>
+        <p:blipFill>
+          <a:blip r:embed="rId3"/>
+          <a:srcRect/>
+          <a:stretch>
+            <a:fillRect/>
+          </a:stretch>
+        </p:blipFill>
+        <p:spPr bwMode="auto">
+          <a:xfrm>
+            <a:off x="6110677" y="1068081"/>
+            <a:ext cx="5802402" cy="3219247"/>
+          </a:xfrm>
+          <a:prstGeom prst="rect">
+            <a:avLst/>
+          </a:prstGeom>
+          <a:noFill/>
+          <a:ln w="9525">
+            <a:noFill/>
+            <a:miter lim="800000"/>
+            <a:headEnd/>
+            <a:tailEnd/>
+          </a:ln>
+          <a:effectLst/>
+        </p:spPr>
+      </p:pic>
+    </p:spTree>
+    <p:extLst>
+      <p:ext uri="{BB962C8B-B14F-4D97-AF65-F5344CB8AC3E}">
+        <p14:creationId xmlns="" xmlns:p14="http://schemas.microsoft.com/office/powerpoint/2010/main" val="1328577666"/>
+      </p:ext>
+    </p:extLst>
+  </p:cSld>
+  <p:clrMapOvr>
+    <a:masterClrMapping/>
+  </p:clrMapOvr>
+  <p:timing>
+    <p:tnLst>
+      <p:par>
+        <p:cTn id="1" dur="indefinite" restart="never" nodeType="tmRoot"/>
+      </p:par>
+    </p:tnLst>
+  </p:timing>
+</p:sld>
+</file>
+
+<file path=ppt/slides/slide16.xml><?xml version="1.0" encoding="utf-8"?>
+<p:sld xmlns:a="http://schemas.openxmlformats.org/drawingml/2006/main" xmlns:r="http://schemas.openxmlformats.org/officeDocument/2006/relationships" xmlns:p="http://schemas.openxmlformats.org/presentationml/2006/main">
+  <p:cSld>
+    <p:spTree>
+      <p:nvGrpSpPr>
+        <p:cNvPr id="1" name=""/>
+        <p:cNvGrpSpPr/>
+        <p:nvPr/>
+      </p:nvGrpSpPr>
+      <p:grpSpPr>
+        <a:xfrm>
+          <a:off x="0" y="0"/>
+          <a:ext cx="0" cy="0"/>
+          <a:chOff x="0" y="0"/>
+          <a:chExt cx="0" cy="0"/>
+        </a:xfrm>
+      </p:grpSpPr>
+      <p:sp>
+        <p:nvSpPr>
+          <p:cNvPr id="2" name="Title 1"/>
+          <p:cNvSpPr>
+            <a:spLocks noGrp="1"/>
+          </p:cNvSpPr>
+          <p:nvPr>
+            <p:ph type="title"/>
+          </p:nvPr>
+        </p:nvSpPr>
+        <p:spPr/>
+        <p:txBody>
+          <a:bodyPr/>
+          <a:lstStyle/>
+          <a:p>
+            <a:r>
+              <a:rPr lang="en-IN" dirty="0" smtClean="0"/>
+              <a:t>QUESTION</a:t>
+            </a:r>
+            <a:endParaRPr lang="en-US" dirty="0"/>
+          </a:p>
+        </p:txBody>
+      </p:sp>
+      <p:pic>
+        <p:nvPicPr>
+          <p:cNvPr id="9218" name="Picture 2"/>
+          <p:cNvPicPr>
+            <a:picLocks noGrp="1" noChangeAspect="1" noChangeArrowheads="1"/>
+          </p:cNvPicPr>
+          <p:nvPr>
+            <p:ph idx="1"/>
+          </p:nvPr>
+        </p:nvPicPr>
+        <p:blipFill>
+          <a:blip r:embed="rId2"/>
+          <a:srcRect/>
+          <a:stretch>
+            <a:fillRect/>
+          </a:stretch>
+        </p:blipFill>
+        <p:spPr bwMode="auto">
+          <a:xfrm>
+            <a:off x="1785937" y="2158206"/>
+            <a:ext cx="8620125" cy="3686175"/>
+          </a:xfrm>
+          <a:prstGeom prst="rect">
+            <a:avLst/>
+          </a:prstGeom>
+          <a:noFill/>
+          <a:ln w="9525">
+            <a:noFill/>
+            <a:miter lim="800000"/>
+            <a:headEnd/>
+            <a:tailEnd/>
+          </a:ln>
+          <a:effectLst/>
+        </p:spPr>
+      </p:pic>
+    </p:spTree>
+  </p:cSld>
+  <p:clrMapOvr>
+    <a:masterClrMapping/>
+  </p:clrMapOvr>
+</p:sld>
+</file>
+
+<file path=ppt/slides/slide17.xml><?xml version="1.0" encoding="utf-8"?>
+<p:sld xmlns:a="http://schemas.openxmlformats.org/drawingml/2006/main" xmlns:r="http://schemas.openxmlformats.org/officeDocument/2006/relationships" xmlns:p="http://schemas.openxmlformats.org/presentationml/2006/main">
+  <p:cSld>
+    <p:spTree>
+      <p:nvGrpSpPr>
+        <p:cNvPr id="1" name=""/>
+        <p:cNvGrpSpPr/>
+        <p:nvPr/>
+      </p:nvGrpSpPr>
+      <p:grpSpPr>
+        <a:xfrm>
+          <a:off x="0" y="0"/>
+          <a:ext cx="0" cy="0"/>
+          <a:chOff x="0" y="0"/>
+          <a:chExt cx="0" cy="0"/>
+        </a:xfrm>
+      </p:grpSpPr>
+      <p:sp>
+        <p:nvSpPr>
+          <p:cNvPr id="4" name="Content Placeholder 13"/>
+          <p:cNvSpPr txBox="1">
+            <a:spLocks/>
+          </p:cNvSpPr>
+          <p:nvPr/>
+        </p:nvSpPr>
+        <p:spPr>
+          <a:xfrm>
+            <a:off x="321126" y="334401"/>
+            <a:ext cx="9791700" cy="630192"/>
+          </a:xfrm>
+          <a:prstGeom prst="rect">
+            <a:avLst/>
+          </a:prstGeom>
+        </p:spPr>
+        <p:txBody>
+          <a:bodyPr vert="horz" lIns="91440" tIns="45720" rIns="91440" bIns="45720" rtlCol="0">
+            <a:noAutofit/>
+          </a:bodyPr>
+          <a:lstStyle>
+            <a:lvl1pPr marL="0" indent="0" algn="ctr" defTabSz="914400" rtl="0" eaLnBrk="1" latinLnBrk="0" hangingPunct="1">
+              <a:lnSpc>
+                <a:spcPct val="90000"/>
+              </a:lnSpc>
+              <a:spcBef>
+                <a:spcPts val="1000"/>
+              </a:spcBef>
+              <a:buFont typeface="Arial" panose="020B0604020202020204" pitchFamily="34" charset="0"/>
+              <a:buNone/>
+              <a:defRPr kumimoji="1" sz="2400" kern="1200">
+                <a:solidFill>
+                  <a:schemeClr val="tx1"/>
+                </a:solidFill>
+                <a:latin typeface="+mn-lt"/>
+                <a:ea typeface="+mn-ea"/>
+                <a:cs typeface="+mn-cs"/>
+              </a:defRPr>
+            </a:lvl1pPr>
+            <a:lvl2pPr marL="457200" indent="0" algn="ctr" defTabSz="914400" rtl="0" eaLnBrk="1" latinLnBrk="0" hangingPunct="1">
+              <a:lnSpc>
+                <a:spcPct val="90000"/>
+              </a:lnSpc>
+              <a:spcBef>
+                <a:spcPts val="500"/>
+              </a:spcBef>
+              <a:buFont typeface="Arial" panose="020B0604020202020204" pitchFamily="34" charset="0"/>
+              <a:buNone/>
+              <a:defRPr kumimoji="1" sz="2000" kern="1200">
+                <a:solidFill>
+                  <a:schemeClr val="tx1"/>
+                </a:solidFill>
+                <a:latin typeface="+mn-lt"/>
+                <a:ea typeface="+mn-ea"/>
+                <a:cs typeface="+mn-cs"/>
+              </a:defRPr>
+            </a:lvl2pPr>
+            <a:lvl3pPr marL="914400" indent="0" algn="ctr" defTabSz="914400" rtl="0" eaLnBrk="1" latinLnBrk="0" hangingPunct="1">
+              <a:lnSpc>
+                <a:spcPct val="90000"/>
+              </a:lnSpc>
+              <a:spcBef>
+                <a:spcPts val="500"/>
+              </a:spcBef>
+              <a:buFont typeface="Arial" panose="020B0604020202020204" pitchFamily="34" charset="0"/>
+              <a:buNone/>
+              <a:defRPr kumimoji="1" sz="1800" kern="1200">
+                <a:solidFill>
+                  <a:schemeClr val="tx1"/>
+                </a:solidFill>
+                <a:latin typeface="+mn-lt"/>
+                <a:ea typeface="+mn-ea"/>
+                <a:cs typeface="+mn-cs"/>
+              </a:defRPr>
+            </a:lvl3pPr>
+            <a:lvl4pPr marL="1371600" indent="0" algn="ctr" defTabSz="914400" rtl="0" eaLnBrk="1" latinLnBrk="0" hangingPunct="1">
+              <a:lnSpc>
+                <a:spcPct val="90000"/>
+              </a:lnSpc>
+              <a:spcBef>
+                <a:spcPts val="500"/>
+              </a:spcBef>
+              <a:buFont typeface="Arial" panose="020B0604020202020204" pitchFamily="34" charset="0"/>
+              <a:buNone/>
+              <a:defRPr kumimoji="1" sz="1600" kern="1200">
+                <a:solidFill>
+                  <a:schemeClr val="tx1"/>
+                </a:solidFill>
+                <a:latin typeface="+mn-lt"/>
+                <a:ea typeface="+mn-ea"/>
+                <a:cs typeface="+mn-cs"/>
+              </a:defRPr>
+            </a:lvl4pPr>
+            <a:lvl5pPr marL="1828800" indent="0" algn="ctr" defTabSz="914400" rtl="0" eaLnBrk="1" latinLnBrk="0" hangingPunct="1">
+              <a:lnSpc>
+                <a:spcPct val="90000"/>
+              </a:lnSpc>
+              <a:spcBef>
+                <a:spcPts val="500"/>
+              </a:spcBef>
+              <a:buFont typeface="Arial" panose="020B0604020202020204" pitchFamily="34" charset="0"/>
+              <a:buNone/>
+              <a:defRPr kumimoji="1" sz="1600" kern="1200">
+                <a:solidFill>
+                  <a:schemeClr val="tx1"/>
+                </a:solidFill>
+                <a:latin typeface="+mn-lt"/>
+                <a:ea typeface="+mn-ea"/>
+                <a:cs typeface="+mn-cs"/>
+              </a:defRPr>
+            </a:lvl5pPr>
+            <a:lvl6pPr marL="2286000" indent="0" algn="ctr" defTabSz="914400" rtl="0" eaLnBrk="1" latinLnBrk="0" hangingPunct="1">
+              <a:lnSpc>
+                <a:spcPct val="90000"/>
+              </a:lnSpc>
+              <a:spcBef>
+                <a:spcPts val="500"/>
+              </a:spcBef>
+              <a:buFont typeface="Arial" panose="020B0604020202020204" pitchFamily="34" charset="0"/>
+              <a:buNone/>
+              <a:defRPr kumimoji="1" sz="1600" kern="1200">
+                <a:solidFill>
+                  <a:schemeClr val="tx1"/>
+                </a:solidFill>
+                <a:latin typeface="+mn-lt"/>
+                <a:ea typeface="+mn-ea"/>
+                <a:cs typeface="+mn-cs"/>
+              </a:defRPr>
+            </a:lvl6pPr>
+            <a:lvl7pPr marL="2743200" indent="0" algn="ctr" defTabSz="914400" rtl="0" eaLnBrk="1" latinLnBrk="0" hangingPunct="1">
+              <a:lnSpc>
+                <a:spcPct val="90000"/>
+              </a:lnSpc>
+              <a:spcBef>
+                <a:spcPts val="500"/>
+              </a:spcBef>
+              <a:buFont typeface="Arial" panose="020B0604020202020204" pitchFamily="34" charset="0"/>
+              <a:buNone/>
+              <a:defRPr kumimoji="1" sz="1600" kern="1200">
+                <a:solidFill>
+                  <a:schemeClr val="tx1"/>
+                </a:solidFill>
+                <a:latin typeface="+mn-lt"/>
+                <a:ea typeface="+mn-ea"/>
+                <a:cs typeface="+mn-cs"/>
+              </a:defRPr>
+            </a:lvl7pPr>
+            <a:lvl8pPr marL="3200400" indent="0" algn="ctr" defTabSz="914400" rtl="0" eaLnBrk="1" latinLnBrk="0" hangingPunct="1">
+              <a:lnSpc>
+                <a:spcPct val="90000"/>
+              </a:lnSpc>
+              <a:spcBef>
+                <a:spcPts val="500"/>
+              </a:spcBef>
+              <a:buFont typeface="Arial" panose="020B0604020202020204" pitchFamily="34" charset="0"/>
+              <a:buNone/>
+              <a:defRPr kumimoji="1" sz="1600" kern="1200">
+                <a:solidFill>
+                  <a:schemeClr val="tx1"/>
+                </a:solidFill>
+                <a:latin typeface="+mn-lt"/>
+                <a:ea typeface="+mn-ea"/>
+                <a:cs typeface="+mn-cs"/>
+              </a:defRPr>
+            </a:lvl8pPr>
+            <a:lvl9pPr marL="3657600" indent="0" algn="ctr" defTabSz="914400" rtl="0" eaLnBrk="1" latinLnBrk="0" hangingPunct="1">
+              <a:lnSpc>
+                <a:spcPct val="90000"/>
+              </a:lnSpc>
+              <a:spcBef>
+                <a:spcPts val="500"/>
+              </a:spcBef>
+              <a:buFont typeface="Arial" panose="020B0604020202020204" pitchFamily="34" charset="0"/>
+              <a:buNone/>
+              <a:defRPr kumimoji="1" sz="1600" kern="1200">
+                <a:solidFill>
+                  <a:schemeClr val="tx1"/>
+                </a:solidFill>
+                <a:latin typeface="+mn-lt"/>
+                <a:ea typeface="+mn-ea"/>
+                <a:cs typeface="+mn-cs"/>
+              </a:defRPr>
+            </a:lvl9pPr>
+          </a:lstStyle>
+          <a:p>
+            <a:pPr algn="l"/>
+            <a:r>
+              <a:rPr lang="en-US" sz="3600" b="1" dirty="0">
+                <a:solidFill>
+                  <a:srgbClr val="0064B5"/>
+                </a:solidFill>
+              </a:rPr>
+              <a:t>Main Categories of Elements and Attributes</a:t>
+            </a:r>
+          </a:p>
+        </p:txBody>
+      </p:sp>
+      <p:sp>
+        <p:nvSpPr>
+          <p:cNvPr id="10" name="Rectangle 9"/>
+          <p:cNvSpPr/>
+          <p:nvPr/>
+        </p:nvSpPr>
+        <p:spPr>
+          <a:xfrm>
+            <a:off x="338379" y="1077598"/>
+            <a:ext cx="9236941" cy="5493812"/>
+          </a:xfrm>
+          <a:prstGeom prst="rect">
+            <a:avLst/>
+          </a:prstGeom>
+        </p:spPr>
+        <p:txBody>
+          <a:bodyPr wrap="square">
+            <a:spAutoFit/>
+          </a:bodyPr>
+          <a:lstStyle/>
+          <a:p>
+            <a:pPr marL="285750" indent="-285750">
+              <a:lnSpc>
+                <a:spcPct val="150000"/>
+              </a:lnSpc>
+            </a:pPr>
+            <a:r>
+              <a:rPr lang="en-US" altLang="ja-JP" dirty="0"/>
+              <a:t>The main categories of elements are mentioned below:</a:t>
+            </a:r>
+          </a:p>
+          <a:p>
+            <a:pPr marL="285750" indent="-285750">
+              <a:lnSpc>
+                <a:spcPct val="150000"/>
+              </a:lnSpc>
+              <a:buFont typeface="Arial" pitchFamily="34" charset="0"/>
+              <a:buChar char="•"/>
+            </a:pPr>
+            <a:r>
+              <a:rPr lang="en-US" altLang="ja-JP" dirty="0"/>
+              <a:t>Block level elements </a:t>
+            </a:r>
+            <a:r>
+              <a:rPr lang="en-US" altLang="ja-JP" dirty="0" smtClean="0"/>
+              <a:t>:</a:t>
+            </a:r>
+          </a:p>
+          <a:p>
+            <a:pPr marL="285750" indent="-285750">
+              <a:lnSpc>
+                <a:spcPct val="150000"/>
+              </a:lnSpc>
+            </a:pPr>
+            <a:r>
+              <a:rPr lang="en-US" altLang="ja-JP" dirty="0" smtClean="0"/>
+              <a:t>	 </a:t>
+            </a:r>
+            <a:r>
+              <a:rPr lang="en-US" altLang="ja-JP" dirty="0"/>
+              <a:t>&lt;div&gt;, &lt;p&gt;, &lt;h1&gt; to &lt;h6&gt;, &lt;form&gt;, &lt;table&gt; etc.,</a:t>
+            </a:r>
+          </a:p>
+          <a:p>
+            <a:pPr marL="285750" indent="-285750">
+              <a:lnSpc>
+                <a:spcPct val="150000"/>
+              </a:lnSpc>
+              <a:buFont typeface="Arial" pitchFamily="34" charset="0"/>
+              <a:buChar char="•"/>
+            </a:pPr>
+            <a:r>
+              <a:rPr lang="en-US" altLang="ja-JP" dirty="0"/>
+              <a:t>Inline elements : </a:t>
+            </a:r>
+            <a:endParaRPr lang="en-US" altLang="ja-JP" dirty="0" smtClean="0"/>
+          </a:p>
+          <a:p>
+            <a:pPr marL="742950" lvl="1" indent="-285750">
+              <a:lnSpc>
+                <a:spcPct val="150000"/>
+              </a:lnSpc>
+            </a:pPr>
+            <a:r>
+              <a:rPr lang="en-US" altLang="ja-JP" dirty="0" smtClean="0"/>
+              <a:t>&lt;</a:t>
+            </a:r>
+            <a:r>
+              <a:rPr lang="en-US" altLang="ja-JP" dirty="0" err="1"/>
+              <a:t>img</a:t>
+            </a:r>
+            <a:r>
+              <a:rPr lang="en-US" altLang="ja-JP" dirty="0"/>
+              <a:t>&gt;, &lt;a&gt;, &lt;span&gt;, &lt;input&gt; etc.,</a:t>
+            </a:r>
+          </a:p>
+          <a:p>
+            <a:pPr marL="285750" indent="-285750">
+              <a:lnSpc>
+                <a:spcPct val="150000"/>
+              </a:lnSpc>
+            </a:pPr>
+            <a:endParaRPr lang="en-IN" altLang="ja-JP" dirty="0" smtClean="0"/>
+          </a:p>
+          <a:p>
+            <a:pPr marL="285750" indent="-285750">
+              <a:lnSpc>
+                <a:spcPct val="150000"/>
+              </a:lnSpc>
+            </a:pPr>
+            <a:endParaRPr lang="en-IN" altLang="ja-JP" dirty="0"/>
+          </a:p>
+          <a:p>
+            <a:pPr marL="285750" lvl="0" indent="-285750">
+              <a:lnSpc>
+                <a:spcPct val="150000"/>
+              </a:lnSpc>
+            </a:pPr>
+            <a:r>
+              <a:rPr lang="en-GB" b="1" u="sng" dirty="0"/>
+              <a:t>Attributes:</a:t>
+            </a:r>
+          </a:p>
+          <a:p>
+            <a:pPr marL="285750" indent="-285750">
+              <a:lnSpc>
+                <a:spcPct val="150000"/>
+              </a:lnSpc>
+              <a:buFont typeface="Arial" pitchFamily="34" charset="0"/>
+              <a:buChar char="•"/>
+            </a:pPr>
+            <a:r>
+              <a:rPr lang="en-US" dirty="0"/>
+              <a:t>Attributes are something </a:t>
+            </a:r>
+            <a:r>
+              <a:rPr lang="en-US" dirty="0" smtClean="0"/>
+              <a:t>which </a:t>
+            </a:r>
+            <a:r>
+              <a:rPr lang="en-US" dirty="0"/>
+              <a:t>give the additional information of the element. </a:t>
+            </a:r>
+            <a:endParaRPr lang="en-US" dirty="0" smtClean="0"/>
+          </a:p>
+          <a:p>
+            <a:pPr marL="285750" indent="-285750">
+              <a:lnSpc>
+                <a:spcPct val="150000"/>
+              </a:lnSpc>
+            </a:pPr>
+            <a:r>
+              <a:rPr lang="en-US" i="1" dirty="0" smtClean="0"/>
+              <a:t>	Ex</a:t>
+            </a:r>
+            <a:r>
+              <a:rPr lang="en-US" i="1" dirty="0"/>
+              <a:t>. name, width, height, alt, </a:t>
+            </a:r>
+            <a:r>
+              <a:rPr lang="en-US" i="1" dirty="0" smtClean="0"/>
+              <a:t>title, </a:t>
+            </a:r>
+            <a:r>
+              <a:rPr lang="en-US" i="1" dirty="0" err="1" smtClean="0"/>
+              <a:t>href</a:t>
+            </a:r>
+            <a:r>
+              <a:rPr lang="en-US" i="1" dirty="0" smtClean="0"/>
+              <a:t>, id</a:t>
+            </a:r>
+            <a:r>
+              <a:rPr lang="en-US" i="1" dirty="0"/>
+              <a:t>, class, etc.,</a:t>
+            </a:r>
+          </a:p>
+          <a:p>
+            <a:pPr marL="285750" lvl="0" indent="-285750">
+              <a:lnSpc>
+                <a:spcPct val="150000"/>
+              </a:lnSpc>
+            </a:pPr>
+            <a:endParaRPr lang="en-GB" b="1" u="sng" dirty="0"/>
+          </a:p>
+          <a:p>
+            <a:pPr marL="285750" indent="-285750">
+              <a:lnSpc>
+                <a:spcPct val="150000"/>
+              </a:lnSpc>
+            </a:pPr>
+            <a:endParaRPr lang="en-US" altLang="ja-JP" dirty="0"/>
+          </a:p>
+          <a:p>
+            <a:pPr marL="285750" indent="-285750">
+              <a:lnSpc>
+                <a:spcPct val="150000"/>
+              </a:lnSpc>
+            </a:pPr>
+            <a:endParaRPr lang="en-US" altLang="ja-JP" dirty="0"/>
+          </a:p>
+        </p:txBody>
+      </p:sp>
+    </p:spTree>
+    <p:extLst>
+      <p:ext uri="{BB962C8B-B14F-4D97-AF65-F5344CB8AC3E}">
+        <p14:creationId xmlns:p14="http://schemas.microsoft.com/office/powerpoint/2010/main" xmlns="" val="1328577666"/>
+      </p:ext>
+    </p:extLst>
+  </p:cSld>
+  <p:clrMapOvr>
+    <a:masterClrMapping/>
+  </p:clrMapOvr>
+  <p:timing>
+    <p:tnLst>
+      <p:par>
+        <p:cTn id="1" dur="indefinite" restart="never" nodeType="tmRoot"/>
+      </p:par>
+    </p:tnLst>
+  </p:timing>
+</p:sld>
+</file>
+
+<file path=ppt/slides/slide18.xml><?xml version="1.0" encoding="utf-8"?>
+<p:sld xmlns:a="http://schemas.openxmlformats.org/drawingml/2006/main" xmlns:r="http://schemas.openxmlformats.org/officeDocument/2006/relationships" xmlns:p="http://schemas.openxmlformats.org/presentationml/2006/main">
+  <p:cSld>
+    <p:spTree>
+      <p:nvGrpSpPr>
+        <p:cNvPr id="1" name=""/>
+        <p:cNvGrpSpPr/>
+        <p:nvPr/>
+      </p:nvGrpSpPr>
+      <p:grpSpPr>
+        <a:xfrm>
+          <a:off x="0" y="0"/>
+          <a:ext cx="0" cy="0"/>
+          <a:chOff x="0" y="0"/>
+          <a:chExt cx="0" cy="0"/>
+        </a:xfrm>
+      </p:grpSpPr>
+      <p:sp>
+        <p:nvSpPr>
+          <p:cNvPr id="4" name="Content Placeholder 13"/>
+          <p:cNvSpPr txBox="1">
+            <a:spLocks/>
+          </p:cNvSpPr>
+          <p:nvPr/>
+        </p:nvSpPr>
+        <p:spPr>
+          <a:xfrm>
+            <a:off x="321126" y="334401"/>
+            <a:ext cx="9791700" cy="630192"/>
+          </a:xfrm>
+          <a:prstGeom prst="rect">
+            <a:avLst/>
+          </a:prstGeom>
+        </p:spPr>
+        <p:txBody>
+          <a:bodyPr vert="horz" lIns="91440" tIns="45720" rIns="91440" bIns="45720" rtlCol="0">
+            <a:noAutofit/>
+          </a:bodyPr>
+          <a:lstStyle>
+            <a:lvl1pPr marL="0" indent="0" algn="ctr" defTabSz="914400" rtl="0" eaLnBrk="1" latinLnBrk="0" hangingPunct="1">
+              <a:lnSpc>
+                <a:spcPct val="90000"/>
+              </a:lnSpc>
+              <a:spcBef>
+                <a:spcPts val="1000"/>
+              </a:spcBef>
+              <a:buFont typeface="Arial" panose="020B0604020202020204" pitchFamily="34" charset="0"/>
+              <a:buNone/>
+              <a:defRPr kumimoji="1" sz="2400" kern="1200">
+                <a:solidFill>
+                  <a:schemeClr val="tx1"/>
+                </a:solidFill>
+                <a:latin typeface="+mn-lt"/>
+                <a:ea typeface="+mn-ea"/>
+                <a:cs typeface="+mn-cs"/>
+              </a:defRPr>
+            </a:lvl1pPr>
+            <a:lvl2pPr marL="457200" indent="0" algn="ctr" defTabSz="914400" rtl="0" eaLnBrk="1" latinLnBrk="0" hangingPunct="1">
+              <a:lnSpc>
+                <a:spcPct val="90000"/>
+              </a:lnSpc>
+              <a:spcBef>
+                <a:spcPts val="500"/>
+              </a:spcBef>
+              <a:buFont typeface="Arial" panose="020B0604020202020204" pitchFamily="34" charset="0"/>
+              <a:buNone/>
+              <a:defRPr kumimoji="1" sz="2000" kern="1200">
+                <a:solidFill>
+                  <a:schemeClr val="tx1"/>
+                </a:solidFill>
+                <a:latin typeface="+mn-lt"/>
+                <a:ea typeface="+mn-ea"/>
+                <a:cs typeface="+mn-cs"/>
+              </a:defRPr>
+            </a:lvl2pPr>
+            <a:lvl3pPr marL="914400" indent="0" algn="ctr" defTabSz="914400" rtl="0" eaLnBrk="1" latinLnBrk="0" hangingPunct="1">
+              <a:lnSpc>
+                <a:spcPct val="90000"/>
+              </a:lnSpc>
+              <a:spcBef>
+                <a:spcPts val="500"/>
+              </a:spcBef>
+              <a:buFont typeface="Arial" panose="020B0604020202020204" pitchFamily="34" charset="0"/>
+              <a:buNone/>
+              <a:defRPr kumimoji="1" sz="1800" kern="1200">
+                <a:solidFill>
+                  <a:schemeClr val="tx1"/>
+                </a:solidFill>
+                <a:latin typeface="+mn-lt"/>
+                <a:ea typeface="+mn-ea"/>
+                <a:cs typeface="+mn-cs"/>
+              </a:defRPr>
+            </a:lvl3pPr>
+            <a:lvl4pPr marL="1371600" indent="0" algn="ctr" defTabSz="914400" rtl="0" eaLnBrk="1" latinLnBrk="0" hangingPunct="1">
+              <a:lnSpc>
+                <a:spcPct val="90000"/>
+              </a:lnSpc>
+              <a:spcBef>
+                <a:spcPts val="500"/>
+              </a:spcBef>
+              <a:buFont typeface="Arial" panose="020B0604020202020204" pitchFamily="34" charset="0"/>
+              <a:buNone/>
+              <a:defRPr kumimoji="1" sz="1600" kern="1200">
+                <a:solidFill>
+                  <a:schemeClr val="tx1"/>
+                </a:solidFill>
+                <a:latin typeface="+mn-lt"/>
+                <a:ea typeface="+mn-ea"/>
+                <a:cs typeface="+mn-cs"/>
+              </a:defRPr>
+            </a:lvl4pPr>
+            <a:lvl5pPr marL="1828800" indent="0" algn="ctr" defTabSz="914400" rtl="0" eaLnBrk="1" latinLnBrk="0" hangingPunct="1">
+              <a:lnSpc>
+                <a:spcPct val="90000"/>
+              </a:lnSpc>
+              <a:spcBef>
+                <a:spcPts val="500"/>
+              </a:spcBef>
+              <a:buFont typeface="Arial" panose="020B0604020202020204" pitchFamily="34" charset="0"/>
+              <a:buNone/>
+              <a:defRPr kumimoji="1" sz="1600" kern="1200">
+                <a:solidFill>
+                  <a:schemeClr val="tx1"/>
+                </a:solidFill>
+                <a:latin typeface="+mn-lt"/>
+                <a:ea typeface="+mn-ea"/>
+                <a:cs typeface="+mn-cs"/>
+              </a:defRPr>
+            </a:lvl5pPr>
+            <a:lvl6pPr marL="2286000" indent="0" algn="ctr" defTabSz="914400" rtl="0" eaLnBrk="1" latinLnBrk="0" hangingPunct="1">
+              <a:lnSpc>
+                <a:spcPct val="90000"/>
+              </a:lnSpc>
+              <a:spcBef>
+                <a:spcPts val="500"/>
+              </a:spcBef>
+              <a:buFont typeface="Arial" panose="020B0604020202020204" pitchFamily="34" charset="0"/>
+              <a:buNone/>
+              <a:defRPr kumimoji="1" sz="1600" kern="1200">
+                <a:solidFill>
+                  <a:schemeClr val="tx1"/>
+                </a:solidFill>
+                <a:latin typeface="+mn-lt"/>
+                <a:ea typeface="+mn-ea"/>
+                <a:cs typeface="+mn-cs"/>
+              </a:defRPr>
+            </a:lvl6pPr>
+            <a:lvl7pPr marL="2743200" indent="0" algn="ctr" defTabSz="914400" rtl="0" eaLnBrk="1" latinLnBrk="0" hangingPunct="1">
+              <a:lnSpc>
+                <a:spcPct val="90000"/>
+              </a:lnSpc>
+              <a:spcBef>
+                <a:spcPts val="500"/>
+              </a:spcBef>
+              <a:buFont typeface="Arial" panose="020B0604020202020204" pitchFamily="34" charset="0"/>
+              <a:buNone/>
+              <a:defRPr kumimoji="1" sz="1600" kern="1200">
+                <a:solidFill>
+                  <a:schemeClr val="tx1"/>
+                </a:solidFill>
+                <a:latin typeface="+mn-lt"/>
+                <a:ea typeface="+mn-ea"/>
+                <a:cs typeface="+mn-cs"/>
+              </a:defRPr>
+            </a:lvl7pPr>
+            <a:lvl8pPr marL="3200400" indent="0" algn="ctr" defTabSz="914400" rtl="0" eaLnBrk="1" latinLnBrk="0" hangingPunct="1">
+              <a:lnSpc>
+                <a:spcPct val="90000"/>
+              </a:lnSpc>
+              <a:spcBef>
+                <a:spcPts val="500"/>
+              </a:spcBef>
+              <a:buFont typeface="Arial" panose="020B0604020202020204" pitchFamily="34" charset="0"/>
+              <a:buNone/>
+              <a:defRPr kumimoji="1" sz="1600" kern="1200">
+                <a:solidFill>
+                  <a:schemeClr val="tx1"/>
+                </a:solidFill>
+                <a:latin typeface="+mn-lt"/>
+                <a:ea typeface="+mn-ea"/>
+                <a:cs typeface="+mn-cs"/>
+              </a:defRPr>
+            </a:lvl8pPr>
+            <a:lvl9pPr marL="3657600" indent="0" algn="ctr" defTabSz="914400" rtl="0" eaLnBrk="1" latinLnBrk="0" hangingPunct="1">
+              <a:lnSpc>
+                <a:spcPct val="90000"/>
+              </a:lnSpc>
+              <a:spcBef>
+                <a:spcPts val="500"/>
+              </a:spcBef>
+              <a:buFont typeface="Arial" panose="020B0604020202020204" pitchFamily="34" charset="0"/>
+              <a:buNone/>
+              <a:defRPr kumimoji="1" sz="1600" kern="1200">
+                <a:solidFill>
+                  <a:schemeClr val="tx1"/>
+                </a:solidFill>
+                <a:latin typeface="+mn-lt"/>
+                <a:ea typeface="+mn-ea"/>
+                <a:cs typeface="+mn-cs"/>
+              </a:defRPr>
+            </a:lvl9pPr>
+          </a:lstStyle>
+          <a:p>
+            <a:pPr algn="l"/>
+            <a:r>
+              <a:rPr lang="en-US" sz="3600" b="1" dirty="0">
+                <a:solidFill>
+                  <a:srgbClr val="0064B5"/>
+                </a:solidFill>
+              </a:rPr>
+              <a:t>HTML Block and Inline Elements</a:t>
+            </a:r>
+          </a:p>
+        </p:txBody>
+      </p:sp>
+      <p:sp>
+        <p:nvSpPr>
+          <p:cNvPr id="10" name="Rectangle 9"/>
+          <p:cNvSpPr/>
+          <p:nvPr/>
+        </p:nvSpPr>
+        <p:spPr>
+          <a:xfrm>
+            <a:off x="338379" y="1077598"/>
+            <a:ext cx="9236941" cy="4247317"/>
+          </a:xfrm>
+          <a:prstGeom prst="rect">
+            <a:avLst/>
+          </a:prstGeom>
+        </p:spPr>
+        <p:txBody>
+          <a:bodyPr wrap="square">
+            <a:spAutoFit/>
+          </a:bodyPr>
+          <a:lstStyle/>
+          <a:p>
+            <a:pPr marL="285750" indent="-285750">
+              <a:lnSpc>
+                <a:spcPct val="150000"/>
+              </a:lnSpc>
+            </a:pPr>
+            <a:r>
+              <a:rPr lang="en-US" dirty="0"/>
+              <a:t>Every HTML element has a default display value, depending on what type of element it is.</a:t>
+            </a:r>
+          </a:p>
+          <a:p>
+            <a:pPr marL="285750" indent="-285750">
+              <a:lnSpc>
+                <a:spcPct val="150000"/>
+              </a:lnSpc>
+              <a:buFont typeface="Arial" panose="020B0604020202020204" pitchFamily="34" charset="0"/>
+              <a:buChar char="•"/>
+            </a:pPr>
+            <a:r>
+              <a:rPr lang="en-US" dirty="0"/>
+              <a:t>There are two display values: block and inline.</a:t>
+            </a:r>
+          </a:p>
+          <a:p>
+            <a:pPr marL="285750" indent="-285750">
+              <a:lnSpc>
+                <a:spcPct val="150000"/>
+              </a:lnSpc>
+            </a:pPr>
+            <a:endParaRPr lang="en-IN" dirty="0"/>
+          </a:p>
+          <a:p>
+            <a:pPr marL="285750" indent="-285750">
+              <a:lnSpc>
+                <a:spcPct val="150000"/>
+              </a:lnSpc>
+            </a:pPr>
+            <a:r>
+              <a:rPr lang="en-US" b="1" u="sng" dirty="0"/>
+              <a:t>Block-level Elements:</a:t>
+            </a:r>
+          </a:p>
+          <a:p>
+            <a:pPr marL="285750" indent="-285750">
+              <a:lnSpc>
+                <a:spcPct val="150000"/>
+              </a:lnSpc>
+              <a:buFont typeface="Arial" pitchFamily="34" charset="0"/>
+              <a:buChar char="•"/>
+            </a:pPr>
+            <a:r>
+              <a:rPr lang="en-US" dirty="0"/>
+              <a:t>A block-level element always begins a new line on a web page.</a:t>
+            </a:r>
+          </a:p>
+          <a:p>
+            <a:pPr marL="285750" indent="-285750">
+              <a:lnSpc>
+                <a:spcPct val="150000"/>
+              </a:lnSpc>
+              <a:buFont typeface="Arial" pitchFamily="34" charset="0"/>
+              <a:buChar char="•"/>
+            </a:pPr>
+            <a:r>
+              <a:rPr lang="en-US" dirty="0"/>
+              <a:t>It extends the full width of the available horizontal space of its parent element.</a:t>
+            </a:r>
+          </a:p>
+          <a:p>
+            <a:pPr marL="285750" indent="-285750">
+              <a:lnSpc>
+                <a:spcPct val="150000"/>
+              </a:lnSpc>
+              <a:buFont typeface="Arial" pitchFamily="34" charset="0"/>
+              <a:buChar char="•"/>
+            </a:pPr>
+            <a:r>
+              <a:rPr lang="en-US" dirty="0"/>
+              <a:t>A block level element has a top and a bottom margin, whereas an inline element does not.</a:t>
+            </a:r>
+          </a:p>
+          <a:p>
+            <a:pPr marL="285750" indent="-285750">
+              <a:lnSpc>
+                <a:spcPct val="150000"/>
+              </a:lnSpc>
+              <a:buFont typeface="Arial" pitchFamily="34" charset="0"/>
+              <a:buChar char="•"/>
+            </a:pPr>
+            <a:r>
+              <a:rPr lang="en-US" dirty="0" err="1"/>
+              <a:t>Eg</a:t>
+            </a:r>
+            <a:r>
+              <a:rPr lang="en-US" dirty="0"/>
+              <a:t>: &lt;div&gt;&lt;/div&gt;</a:t>
+            </a:r>
+          </a:p>
+          <a:p>
+            <a:pPr marL="285750" indent="-285750">
+              <a:lnSpc>
+                <a:spcPct val="150000"/>
+              </a:lnSpc>
+            </a:pPr>
+            <a:endParaRPr lang="en-US" dirty="0"/>
+          </a:p>
+          <a:p>
+            <a:pPr marL="285750" indent="-285750">
+              <a:lnSpc>
+                <a:spcPct val="150000"/>
+              </a:lnSpc>
+            </a:pPr>
+            <a:endParaRPr lang="en-US" dirty="0"/>
+          </a:p>
+        </p:txBody>
+      </p:sp>
+    </p:spTree>
+    <p:extLst>
+      <p:ext uri="{BB962C8B-B14F-4D97-AF65-F5344CB8AC3E}">
+        <p14:creationId xmlns:p14="http://schemas.microsoft.com/office/powerpoint/2010/main" xmlns="" val="1328577666"/>
+      </p:ext>
+    </p:extLst>
+  </p:cSld>
+  <p:clrMapOvr>
+    <a:masterClrMapping/>
+  </p:clrMapOvr>
+  <p:timing>
+    <p:tnLst>
+      <p:par>
+        <p:cTn id="1" dur="indefinite" restart="never" nodeType="tmRoot"/>
+      </p:par>
+    </p:tnLst>
+  </p:timing>
+</p:sld>
+</file>
+
+<file path=ppt/slides/slide19.xml><?xml version="1.0" encoding="utf-8"?>
+<p:sld xmlns:a="http://schemas.openxmlformats.org/drawingml/2006/main" xmlns:r="http://schemas.openxmlformats.org/officeDocument/2006/relationships" xmlns:p="http://schemas.openxmlformats.org/presentationml/2006/main">
+  <p:cSld>
+    <p:spTree>
+      <p:nvGrpSpPr>
+        <p:cNvPr id="1" name=""/>
+        <p:cNvGrpSpPr/>
+        <p:nvPr/>
+      </p:nvGrpSpPr>
+      <p:grpSpPr>
+        <a:xfrm>
+          <a:off x="0" y="0"/>
+          <a:ext cx="0" cy="0"/>
+          <a:chOff x="0" y="0"/>
+          <a:chExt cx="0" cy="0"/>
+        </a:xfrm>
+      </p:grpSpPr>
+      <p:sp>
+        <p:nvSpPr>
+          <p:cNvPr id="4" name="Content Placeholder 13"/>
+          <p:cNvSpPr txBox="1">
+            <a:spLocks/>
+          </p:cNvSpPr>
+          <p:nvPr/>
+        </p:nvSpPr>
+        <p:spPr>
+          <a:xfrm>
+            <a:off x="321126" y="334401"/>
+            <a:ext cx="9791700" cy="630192"/>
+          </a:xfrm>
+          <a:prstGeom prst="rect">
+            <a:avLst/>
+          </a:prstGeom>
+        </p:spPr>
+        <p:txBody>
+          <a:bodyPr vert="horz" lIns="91440" tIns="45720" rIns="91440" bIns="45720" rtlCol="0">
+            <a:noAutofit/>
+          </a:bodyPr>
+          <a:lstStyle>
+            <a:lvl1pPr marL="0" indent="0" algn="ctr" defTabSz="914400" rtl="0" eaLnBrk="1" latinLnBrk="0" hangingPunct="1">
+              <a:lnSpc>
+                <a:spcPct val="90000"/>
+              </a:lnSpc>
+              <a:spcBef>
+                <a:spcPts val="1000"/>
+              </a:spcBef>
+              <a:buFont typeface="Arial" panose="020B0604020202020204" pitchFamily="34" charset="0"/>
+              <a:buNone/>
+              <a:defRPr kumimoji="1" sz="2400" kern="1200">
+                <a:solidFill>
+                  <a:schemeClr val="tx1"/>
+                </a:solidFill>
+                <a:latin typeface="+mn-lt"/>
+                <a:ea typeface="+mn-ea"/>
+                <a:cs typeface="+mn-cs"/>
+              </a:defRPr>
+            </a:lvl1pPr>
+            <a:lvl2pPr marL="457200" indent="0" algn="ctr" defTabSz="914400" rtl="0" eaLnBrk="1" latinLnBrk="0" hangingPunct="1">
+              <a:lnSpc>
+                <a:spcPct val="90000"/>
+              </a:lnSpc>
+              <a:spcBef>
+                <a:spcPts val="500"/>
+              </a:spcBef>
+              <a:buFont typeface="Arial" panose="020B0604020202020204" pitchFamily="34" charset="0"/>
+              <a:buNone/>
+              <a:defRPr kumimoji="1" sz="2000" kern="1200">
+                <a:solidFill>
+                  <a:schemeClr val="tx1"/>
+                </a:solidFill>
+                <a:latin typeface="+mn-lt"/>
+                <a:ea typeface="+mn-ea"/>
+                <a:cs typeface="+mn-cs"/>
+              </a:defRPr>
+            </a:lvl2pPr>
+            <a:lvl3pPr marL="914400" indent="0" algn="ctr" defTabSz="914400" rtl="0" eaLnBrk="1" latinLnBrk="0" hangingPunct="1">
+              <a:lnSpc>
+                <a:spcPct val="90000"/>
+              </a:lnSpc>
+              <a:spcBef>
+                <a:spcPts val="500"/>
+              </a:spcBef>
+              <a:buFont typeface="Arial" panose="020B0604020202020204" pitchFamily="34" charset="0"/>
+              <a:buNone/>
+              <a:defRPr kumimoji="1" sz="1800" kern="1200">
+                <a:solidFill>
+                  <a:schemeClr val="tx1"/>
+                </a:solidFill>
+                <a:latin typeface="+mn-lt"/>
+                <a:ea typeface="+mn-ea"/>
+                <a:cs typeface="+mn-cs"/>
+              </a:defRPr>
+            </a:lvl3pPr>
+            <a:lvl4pPr marL="1371600" indent="0" algn="ctr" defTabSz="914400" rtl="0" eaLnBrk="1" latinLnBrk="0" hangingPunct="1">
+              <a:lnSpc>
+                <a:spcPct val="90000"/>
+              </a:lnSpc>
+              <a:spcBef>
+                <a:spcPts val="500"/>
+              </a:spcBef>
+              <a:buFont typeface="Arial" panose="020B0604020202020204" pitchFamily="34" charset="0"/>
+              <a:buNone/>
+              <a:defRPr kumimoji="1" sz="1600" kern="1200">
+                <a:solidFill>
+                  <a:schemeClr val="tx1"/>
+                </a:solidFill>
+                <a:latin typeface="+mn-lt"/>
+                <a:ea typeface="+mn-ea"/>
+                <a:cs typeface="+mn-cs"/>
+              </a:defRPr>
+            </a:lvl4pPr>
+            <a:lvl5pPr marL="1828800" indent="0" algn="ctr" defTabSz="914400" rtl="0" eaLnBrk="1" latinLnBrk="0" hangingPunct="1">
+              <a:lnSpc>
+                <a:spcPct val="90000"/>
+              </a:lnSpc>
+              <a:spcBef>
+                <a:spcPts val="500"/>
+              </a:spcBef>
+              <a:buFont typeface="Arial" panose="020B0604020202020204" pitchFamily="34" charset="0"/>
+              <a:buNone/>
+              <a:defRPr kumimoji="1" sz="1600" kern="1200">
+                <a:solidFill>
+                  <a:schemeClr val="tx1"/>
+                </a:solidFill>
+                <a:latin typeface="+mn-lt"/>
+                <a:ea typeface="+mn-ea"/>
+                <a:cs typeface="+mn-cs"/>
+              </a:defRPr>
+            </a:lvl5pPr>
+            <a:lvl6pPr marL="2286000" indent="0" algn="ctr" defTabSz="914400" rtl="0" eaLnBrk="1" latinLnBrk="0" hangingPunct="1">
+              <a:lnSpc>
+                <a:spcPct val="90000"/>
+              </a:lnSpc>
+              <a:spcBef>
+                <a:spcPts val="500"/>
+              </a:spcBef>
+              <a:buFont typeface="Arial" panose="020B0604020202020204" pitchFamily="34" charset="0"/>
+              <a:buNone/>
+              <a:defRPr kumimoji="1" sz="1600" kern="1200">
+                <a:solidFill>
+                  <a:schemeClr val="tx1"/>
+                </a:solidFill>
+                <a:latin typeface="+mn-lt"/>
+                <a:ea typeface="+mn-ea"/>
+                <a:cs typeface="+mn-cs"/>
+              </a:defRPr>
+            </a:lvl6pPr>
+            <a:lvl7pPr marL="2743200" indent="0" algn="ctr" defTabSz="914400" rtl="0" eaLnBrk="1" latinLnBrk="0" hangingPunct="1">
+              <a:lnSpc>
+                <a:spcPct val="90000"/>
+              </a:lnSpc>
+              <a:spcBef>
+                <a:spcPts val="500"/>
+              </a:spcBef>
+              <a:buFont typeface="Arial" panose="020B0604020202020204" pitchFamily="34" charset="0"/>
+              <a:buNone/>
+              <a:defRPr kumimoji="1" sz="1600" kern="1200">
+                <a:solidFill>
+                  <a:schemeClr val="tx1"/>
+                </a:solidFill>
+                <a:latin typeface="+mn-lt"/>
+                <a:ea typeface="+mn-ea"/>
+                <a:cs typeface="+mn-cs"/>
+              </a:defRPr>
+            </a:lvl7pPr>
+            <a:lvl8pPr marL="3200400" indent="0" algn="ctr" defTabSz="914400" rtl="0" eaLnBrk="1" latinLnBrk="0" hangingPunct="1">
+              <a:lnSpc>
+                <a:spcPct val="90000"/>
+              </a:lnSpc>
+              <a:spcBef>
+                <a:spcPts val="500"/>
+              </a:spcBef>
+              <a:buFont typeface="Arial" panose="020B0604020202020204" pitchFamily="34" charset="0"/>
+              <a:buNone/>
+              <a:defRPr kumimoji="1" sz="1600" kern="1200">
+                <a:solidFill>
+                  <a:schemeClr val="tx1"/>
+                </a:solidFill>
+                <a:latin typeface="+mn-lt"/>
+                <a:ea typeface="+mn-ea"/>
+                <a:cs typeface="+mn-cs"/>
+              </a:defRPr>
+            </a:lvl8pPr>
+            <a:lvl9pPr marL="3657600" indent="0" algn="ctr" defTabSz="914400" rtl="0" eaLnBrk="1" latinLnBrk="0" hangingPunct="1">
+              <a:lnSpc>
+                <a:spcPct val="90000"/>
+              </a:lnSpc>
+              <a:spcBef>
+                <a:spcPts val="500"/>
+              </a:spcBef>
+              <a:buFont typeface="Arial" panose="020B0604020202020204" pitchFamily="34" charset="0"/>
+              <a:buNone/>
+              <a:defRPr kumimoji="1" sz="1600" kern="1200">
+                <a:solidFill>
+                  <a:schemeClr val="tx1"/>
+                </a:solidFill>
+                <a:latin typeface="+mn-lt"/>
+                <a:ea typeface="+mn-ea"/>
+                <a:cs typeface="+mn-cs"/>
+              </a:defRPr>
+            </a:lvl9pPr>
+          </a:lstStyle>
+          <a:p>
+            <a:pPr algn="l"/>
+            <a:r>
+              <a:rPr lang="en-US" sz="3600" b="1" dirty="0">
+                <a:solidFill>
+                  <a:srgbClr val="0064B5"/>
+                </a:solidFill>
+              </a:rPr>
+              <a:t>HTML Block and Inline Elements continue..</a:t>
+            </a:r>
+          </a:p>
+        </p:txBody>
+      </p:sp>
+      <p:sp>
+        <p:nvSpPr>
+          <p:cNvPr id="10" name="Rectangle 9"/>
+          <p:cNvSpPr/>
+          <p:nvPr/>
+        </p:nvSpPr>
+        <p:spPr>
+          <a:xfrm>
+            <a:off x="338379" y="1077598"/>
+            <a:ext cx="9236941" cy="2746906"/>
+          </a:xfrm>
+          <a:prstGeom prst="rect">
+            <a:avLst/>
+          </a:prstGeom>
+        </p:spPr>
+        <p:txBody>
+          <a:bodyPr wrap="square">
+            <a:spAutoFit/>
+          </a:bodyPr>
+          <a:lstStyle/>
+          <a:p>
+            <a:pPr marL="285750" indent="-285750">
+              <a:lnSpc>
+                <a:spcPct val="150000"/>
+              </a:lnSpc>
+            </a:pPr>
+            <a:r>
+              <a:rPr lang="en-US" b="1" u="sng" dirty="0"/>
+              <a:t>Inline Elements</a:t>
+            </a:r>
+          </a:p>
+          <a:p>
+            <a:pPr marL="457200" lvl="0" indent="-346075">
+              <a:spcBef>
+                <a:spcPts val="1200"/>
+              </a:spcBef>
+              <a:buClr>
+                <a:schemeClr val="dk1"/>
+              </a:buClr>
+              <a:buSzPts val="1850"/>
+              <a:buFont typeface="Arial" pitchFamily="34" charset="0"/>
+              <a:buChar char="•"/>
+            </a:pPr>
+            <a:r>
+              <a:rPr lang="en-US" dirty="0">
+                <a:solidFill>
+                  <a:schemeClr val="dk1"/>
+                </a:solidFill>
+              </a:rPr>
+              <a:t>An inline element does not start on a new line.</a:t>
+            </a:r>
+          </a:p>
+          <a:p>
+            <a:pPr marL="457200" lvl="0" indent="-346075">
+              <a:buClr>
+                <a:schemeClr val="dk1"/>
+              </a:buClr>
+              <a:buSzPts val="1850"/>
+              <a:buFont typeface="Arial" pitchFamily="34" charset="0"/>
+              <a:buChar char="•"/>
+            </a:pPr>
+            <a:r>
+              <a:rPr lang="en-US" dirty="0">
+                <a:solidFill>
+                  <a:schemeClr val="dk1"/>
+                </a:solidFill>
+              </a:rPr>
+              <a:t>An inline element only takes up as much width as necessary.</a:t>
+            </a:r>
+          </a:p>
+          <a:p>
+            <a:pPr marL="457200" lvl="0" indent="-346075">
+              <a:buClr>
+                <a:schemeClr val="dk1"/>
+              </a:buClr>
+              <a:buSzPts val="1850"/>
+              <a:buFont typeface="Arial" pitchFamily="34" charset="0"/>
+              <a:buChar char="•"/>
+            </a:pPr>
+            <a:r>
+              <a:rPr lang="en-US" dirty="0" err="1">
+                <a:solidFill>
+                  <a:schemeClr val="dk1"/>
+                </a:solidFill>
+              </a:rPr>
+              <a:t>Eg</a:t>
+            </a:r>
+            <a:r>
+              <a:rPr lang="en-US" dirty="0">
+                <a:solidFill>
+                  <a:schemeClr val="dk1"/>
+                </a:solidFill>
+              </a:rPr>
+              <a:t>: &lt;span&gt;&lt;/span&gt;</a:t>
+            </a:r>
+          </a:p>
+          <a:p>
+            <a:pPr marL="457200" lvl="0" indent="-346075">
+              <a:buClr>
+                <a:schemeClr val="dk1"/>
+              </a:buClr>
+              <a:buSzPts val="1850"/>
+            </a:pPr>
+            <a:endParaRPr lang="en-IN" dirty="0">
+              <a:solidFill>
+                <a:schemeClr val="dk1"/>
+              </a:solidFill>
+            </a:endParaRPr>
+          </a:p>
+          <a:p>
+            <a:pPr marL="457200" indent="-346075">
+              <a:buClr>
+                <a:schemeClr val="dk1"/>
+              </a:buClr>
+              <a:buSzPts val="1850"/>
+            </a:pPr>
+            <a:r>
+              <a:rPr lang="en-US" b="1" dirty="0">
+                <a:solidFill>
+                  <a:schemeClr val="dk1"/>
+                </a:solidFill>
+              </a:rPr>
+              <a:t>Note</a:t>
+            </a:r>
+            <a:r>
+              <a:rPr lang="en-US" dirty="0">
+                <a:solidFill>
+                  <a:schemeClr val="dk1"/>
+                </a:solidFill>
+              </a:rPr>
+              <a:t>: An inline element cannot contain a block-level element!</a:t>
+            </a:r>
+          </a:p>
+          <a:p>
+            <a:pPr marL="457200" lvl="0" indent="-346075">
+              <a:buClr>
+                <a:schemeClr val="dk1"/>
+              </a:buClr>
+              <a:buSzPts val="1850"/>
+            </a:pPr>
+            <a:endParaRPr lang="en-US" dirty="0">
+              <a:solidFill>
+                <a:schemeClr val="dk1"/>
+              </a:solidFill>
+            </a:endParaRPr>
+          </a:p>
+          <a:p>
+            <a:pPr marL="285750" indent="-285750">
+              <a:lnSpc>
+                <a:spcPct val="150000"/>
+              </a:lnSpc>
+            </a:pPr>
+            <a:endParaRPr lang="en-US" b="1" u="sng" dirty="0"/>
+          </a:p>
+        </p:txBody>
+      </p:sp>
+    </p:spTree>
+    <p:extLst>
+      <p:ext uri="{BB962C8B-B14F-4D97-AF65-F5344CB8AC3E}">
+        <p14:creationId xmlns:p14="http://schemas.microsoft.com/office/powerpoint/2010/main" xmlns="" val="1328577666"/>
+      </p:ext>
+    </p:extLst>
+  </p:cSld>
+  <p:clrMapOvr>
+    <a:masterClrMapping/>
+  </p:clrMapOvr>
+  <p:timing>
+    <p:tnLst>
+      <p:par>
+        <p:cTn id="1" dur="indefinite" restart="never" nodeType="tmRoot"/>
+      </p:par>
+    </p:tnLst>
+  </p:timing>
+</p:sld>
+</file>
+
+<file path=ppt/slides/slide2.xml><?xml version="1.0" encoding="utf-8"?>
+<p:sld xmlns:a="http://schemas.openxmlformats.org/drawingml/2006/main" xmlns:r="http://schemas.openxmlformats.org/officeDocument/2006/relationships" xmlns:p="http://schemas.openxmlformats.org/presentationml/2006/main">
+  <p:cSld>
+    <p:spTree>
+      <p:nvGrpSpPr>
+        <p:cNvPr id="1" name=""/>
+        <p:cNvGrpSpPr/>
+        <p:nvPr/>
+      </p:nvGrpSpPr>
+      <p:grpSpPr>
+        <a:xfrm>
+          <a:off x="0" y="0"/>
+          <a:ext cx="0" cy="0"/>
+          <a:chOff x="0" y="0"/>
+          <a:chExt cx="0" cy="0"/>
+        </a:xfrm>
+      </p:grpSpPr>
+      <p:sp>
+        <p:nvSpPr>
+          <p:cNvPr id="4" name="Content Placeholder 13"/>
+          <p:cNvSpPr txBox="1">
+            <a:spLocks/>
+          </p:cNvSpPr>
+          <p:nvPr/>
+        </p:nvSpPr>
+        <p:spPr>
+          <a:xfrm>
+            <a:off x="321126" y="334401"/>
+            <a:ext cx="9791700" cy="630192"/>
+          </a:xfrm>
+          <a:prstGeom prst="rect">
+            <a:avLst/>
+          </a:prstGeom>
+        </p:spPr>
+        <p:txBody>
+          <a:bodyPr vert="horz" lIns="91440" tIns="45720" rIns="91440" bIns="45720" rtlCol="0">
+            <a:noAutofit/>
+          </a:bodyPr>
+          <a:lstStyle>
+            <a:lvl1pPr marL="0" indent="0" algn="ctr" defTabSz="914400" rtl="0" eaLnBrk="1" latinLnBrk="0" hangingPunct="1">
+              <a:lnSpc>
+                <a:spcPct val="90000"/>
+              </a:lnSpc>
+              <a:spcBef>
+                <a:spcPts val="1000"/>
+              </a:spcBef>
+              <a:buFont typeface="Arial" panose="020B0604020202020204" pitchFamily="34" charset="0"/>
+              <a:buNone/>
+              <a:defRPr kumimoji="1" sz="2400" kern="1200">
+                <a:solidFill>
+                  <a:schemeClr val="tx1"/>
+                </a:solidFill>
+                <a:latin typeface="+mn-lt"/>
+                <a:ea typeface="+mn-ea"/>
+                <a:cs typeface="+mn-cs"/>
+              </a:defRPr>
+            </a:lvl1pPr>
+            <a:lvl2pPr marL="457200" indent="0" algn="ctr" defTabSz="914400" rtl="0" eaLnBrk="1" latinLnBrk="0" hangingPunct="1">
+              <a:lnSpc>
+                <a:spcPct val="90000"/>
+              </a:lnSpc>
+              <a:spcBef>
+                <a:spcPts val="500"/>
+              </a:spcBef>
+              <a:buFont typeface="Arial" panose="020B0604020202020204" pitchFamily="34" charset="0"/>
+              <a:buNone/>
+              <a:defRPr kumimoji="1" sz="2000" kern="1200">
+                <a:solidFill>
+                  <a:schemeClr val="tx1"/>
+                </a:solidFill>
+                <a:latin typeface="+mn-lt"/>
+                <a:ea typeface="+mn-ea"/>
+                <a:cs typeface="+mn-cs"/>
+              </a:defRPr>
+            </a:lvl2pPr>
+            <a:lvl3pPr marL="914400" indent="0" algn="ctr" defTabSz="914400" rtl="0" eaLnBrk="1" latinLnBrk="0" hangingPunct="1">
+              <a:lnSpc>
+                <a:spcPct val="90000"/>
+              </a:lnSpc>
+              <a:spcBef>
+                <a:spcPts val="500"/>
+              </a:spcBef>
+              <a:buFont typeface="Arial" panose="020B0604020202020204" pitchFamily="34" charset="0"/>
+              <a:buNone/>
+              <a:defRPr kumimoji="1" sz="1800" kern="1200">
+                <a:solidFill>
+                  <a:schemeClr val="tx1"/>
+                </a:solidFill>
+                <a:latin typeface="+mn-lt"/>
+                <a:ea typeface="+mn-ea"/>
+                <a:cs typeface="+mn-cs"/>
+              </a:defRPr>
+            </a:lvl3pPr>
+            <a:lvl4pPr marL="1371600" indent="0" algn="ctr" defTabSz="914400" rtl="0" eaLnBrk="1" latinLnBrk="0" hangingPunct="1">
+              <a:lnSpc>
+                <a:spcPct val="90000"/>
+              </a:lnSpc>
+              <a:spcBef>
+                <a:spcPts val="500"/>
+              </a:spcBef>
+              <a:buFont typeface="Arial" panose="020B0604020202020204" pitchFamily="34" charset="0"/>
+              <a:buNone/>
+              <a:defRPr kumimoji="1" sz="1600" kern="1200">
+                <a:solidFill>
+                  <a:schemeClr val="tx1"/>
+                </a:solidFill>
+                <a:latin typeface="+mn-lt"/>
+                <a:ea typeface="+mn-ea"/>
+                <a:cs typeface="+mn-cs"/>
+              </a:defRPr>
+            </a:lvl4pPr>
+            <a:lvl5pPr marL="1828800" indent="0" algn="ctr" defTabSz="914400" rtl="0" eaLnBrk="1" latinLnBrk="0" hangingPunct="1">
+              <a:lnSpc>
+                <a:spcPct val="90000"/>
+              </a:lnSpc>
+              <a:spcBef>
+                <a:spcPts val="500"/>
+              </a:spcBef>
+              <a:buFont typeface="Arial" panose="020B0604020202020204" pitchFamily="34" charset="0"/>
+              <a:buNone/>
+              <a:defRPr kumimoji="1" sz="1600" kern="1200">
+                <a:solidFill>
+                  <a:schemeClr val="tx1"/>
+                </a:solidFill>
+                <a:latin typeface="+mn-lt"/>
+                <a:ea typeface="+mn-ea"/>
+                <a:cs typeface="+mn-cs"/>
+              </a:defRPr>
+            </a:lvl5pPr>
+            <a:lvl6pPr marL="2286000" indent="0" algn="ctr" defTabSz="914400" rtl="0" eaLnBrk="1" latinLnBrk="0" hangingPunct="1">
+              <a:lnSpc>
+                <a:spcPct val="90000"/>
+              </a:lnSpc>
+              <a:spcBef>
+                <a:spcPts val="500"/>
+              </a:spcBef>
+              <a:buFont typeface="Arial" panose="020B0604020202020204" pitchFamily="34" charset="0"/>
+              <a:buNone/>
+              <a:defRPr kumimoji="1" sz="1600" kern="1200">
+                <a:solidFill>
+                  <a:schemeClr val="tx1"/>
+                </a:solidFill>
+                <a:latin typeface="+mn-lt"/>
+                <a:ea typeface="+mn-ea"/>
+                <a:cs typeface="+mn-cs"/>
+              </a:defRPr>
+            </a:lvl6pPr>
+            <a:lvl7pPr marL="2743200" indent="0" algn="ctr" defTabSz="914400" rtl="0" eaLnBrk="1" latinLnBrk="0" hangingPunct="1">
+              <a:lnSpc>
+                <a:spcPct val="90000"/>
+              </a:lnSpc>
+              <a:spcBef>
+                <a:spcPts val="500"/>
+              </a:spcBef>
+              <a:buFont typeface="Arial" panose="020B0604020202020204" pitchFamily="34" charset="0"/>
+              <a:buNone/>
+              <a:defRPr kumimoji="1" sz="1600" kern="1200">
+                <a:solidFill>
+                  <a:schemeClr val="tx1"/>
+                </a:solidFill>
+                <a:latin typeface="+mn-lt"/>
+                <a:ea typeface="+mn-ea"/>
+                <a:cs typeface="+mn-cs"/>
+              </a:defRPr>
+            </a:lvl7pPr>
+            <a:lvl8pPr marL="3200400" indent="0" algn="ctr" defTabSz="914400" rtl="0" eaLnBrk="1" latinLnBrk="0" hangingPunct="1">
+              <a:lnSpc>
+                <a:spcPct val="90000"/>
+              </a:lnSpc>
+              <a:spcBef>
+                <a:spcPts val="500"/>
+              </a:spcBef>
+              <a:buFont typeface="Arial" panose="020B0604020202020204" pitchFamily="34" charset="0"/>
+              <a:buNone/>
+              <a:defRPr kumimoji="1" sz="1600" kern="1200">
+                <a:solidFill>
+                  <a:schemeClr val="tx1"/>
+                </a:solidFill>
+                <a:latin typeface="+mn-lt"/>
+                <a:ea typeface="+mn-ea"/>
+                <a:cs typeface="+mn-cs"/>
+              </a:defRPr>
+            </a:lvl8pPr>
+            <a:lvl9pPr marL="3657600" indent="0" algn="ctr" defTabSz="914400" rtl="0" eaLnBrk="1" latinLnBrk="0" hangingPunct="1">
+              <a:lnSpc>
+                <a:spcPct val="90000"/>
+              </a:lnSpc>
+              <a:spcBef>
+                <a:spcPts val="500"/>
+              </a:spcBef>
+              <a:buFont typeface="Arial" panose="020B0604020202020204" pitchFamily="34" charset="0"/>
+              <a:buNone/>
+              <a:defRPr kumimoji="1" sz="1600" kern="1200">
+                <a:solidFill>
+                  <a:schemeClr val="tx1"/>
+                </a:solidFill>
+                <a:latin typeface="+mn-lt"/>
+                <a:ea typeface="+mn-ea"/>
+                <a:cs typeface="+mn-cs"/>
+              </a:defRPr>
+            </a:lvl9pPr>
+          </a:lstStyle>
+          <a:p>
+            <a:pPr algn="l"/>
+            <a:r>
+              <a:rPr lang="en-US" sz="3600" b="1" dirty="0">
+                <a:solidFill>
+                  <a:srgbClr val="0064B5"/>
+                </a:solidFill>
+              </a:rPr>
+              <a:t>What is HTML?</a:t>
+            </a:r>
+          </a:p>
+        </p:txBody>
+      </p:sp>
+      <p:sp>
+        <p:nvSpPr>
+          <p:cNvPr id="9" name="Rectangle 8"/>
+          <p:cNvSpPr/>
+          <p:nvPr/>
+        </p:nvSpPr>
+        <p:spPr>
+          <a:xfrm>
+            <a:off x="546340" y="1091111"/>
+            <a:ext cx="8890958" cy="2957861"/>
+          </a:xfrm>
+          <a:prstGeom prst="rect">
+            <a:avLst/>
+          </a:prstGeom>
+        </p:spPr>
+        <p:txBody>
+          <a:bodyPr wrap="square">
+            <a:spAutoFit/>
+          </a:bodyPr>
+          <a:lstStyle/>
+          <a:p>
+            <a:pPr marL="285750" lvl="0" indent="-285750">
+              <a:lnSpc>
+                <a:spcPct val="150000"/>
+              </a:lnSpc>
+              <a:buClr>
+                <a:schemeClr val="dk1"/>
+              </a:buClr>
+              <a:buSzPts val="1850"/>
+              <a:buFont typeface="Arial" panose="020B0604020202020204" pitchFamily="34" charset="0"/>
+              <a:buChar char="•"/>
+            </a:pPr>
+            <a:r>
+              <a:rPr lang="en-US" altLang="ja-JP" dirty="0"/>
+              <a:t>HTML (</a:t>
+            </a:r>
+            <a:r>
+              <a:rPr lang="en-US" altLang="ja-JP" dirty="0" err="1"/>
+              <a:t>HyperText</a:t>
+            </a:r>
+            <a:r>
+              <a:rPr lang="en-US" altLang="ja-JP" dirty="0"/>
+              <a:t> Markup Language) is the most basic building block of the Web. </a:t>
+            </a:r>
+          </a:p>
+          <a:p>
+            <a:pPr marL="285750" lvl="0" indent="-285750">
+              <a:lnSpc>
+                <a:spcPct val="150000"/>
+              </a:lnSpc>
+              <a:buClr>
+                <a:schemeClr val="dk1"/>
+              </a:buClr>
+              <a:buSzPts val="1850"/>
+              <a:buFont typeface="Arial" panose="020B0604020202020204" pitchFamily="34" charset="0"/>
+              <a:buChar char="•"/>
+            </a:pPr>
+            <a:r>
+              <a:rPr lang="en-US" altLang="ja-JP" dirty="0"/>
+              <a:t>HTML describes the structure of a Web page.</a:t>
+            </a:r>
+          </a:p>
+          <a:p>
+            <a:pPr marL="285750" lvl="0" indent="-285750">
+              <a:lnSpc>
+                <a:spcPct val="150000"/>
+              </a:lnSpc>
+              <a:buClr>
+                <a:schemeClr val="dk1"/>
+              </a:buClr>
+              <a:buSzPts val="1850"/>
+              <a:buFont typeface="Arial" panose="020B0604020202020204" pitchFamily="34" charset="0"/>
+              <a:buChar char="•"/>
+            </a:pPr>
+            <a:r>
+              <a:rPr lang="en-US" altLang="ja-JP" dirty="0"/>
+              <a:t>HTML consists of a series of elements.</a:t>
+            </a:r>
+          </a:p>
+          <a:p>
+            <a:pPr marL="285750" lvl="0" indent="-285750">
+              <a:lnSpc>
+                <a:spcPct val="150000"/>
+              </a:lnSpc>
+              <a:buClr>
+                <a:schemeClr val="dk1"/>
+              </a:buClr>
+              <a:buSzPts val="1850"/>
+              <a:buFont typeface="Arial" panose="020B0604020202020204" pitchFamily="34" charset="0"/>
+              <a:buChar char="•"/>
+            </a:pPr>
+            <a:r>
+              <a:rPr lang="en-US" altLang="ja-JP" dirty="0"/>
+              <a:t>HTML elements tell the browser how to display the content.</a:t>
+            </a:r>
+          </a:p>
+          <a:p>
+            <a:pPr marL="285750" lvl="0" indent="-285750">
+              <a:lnSpc>
+                <a:spcPct val="150000"/>
+              </a:lnSpc>
+              <a:buClr>
+                <a:schemeClr val="dk1"/>
+              </a:buClr>
+              <a:buSzPts val="1850"/>
+              <a:buFont typeface="Arial" panose="020B0604020202020204" pitchFamily="34" charset="0"/>
+              <a:buChar char="•"/>
+            </a:pPr>
+            <a:r>
+              <a:rPr lang="en-US" altLang="ja-JP" dirty="0"/>
+              <a:t>HTML elements are represented by tags.</a:t>
+            </a:r>
+          </a:p>
+          <a:p>
+            <a:pPr marL="285750" lvl="0" indent="-285750">
+              <a:lnSpc>
+                <a:spcPct val="150000"/>
+              </a:lnSpc>
+              <a:buClr>
+                <a:schemeClr val="dk1"/>
+              </a:buClr>
+              <a:buSzPts val="1850"/>
+              <a:buFont typeface="Arial" panose="020B0604020202020204" pitchFamily="34" charset="0"/>
+              <a:buChar char="•"/>
+            </a:pPr>
+            <a:r>
+              <a:rPr lang="en-US" altLang="ja-JP" dirty="0"/>
+              <a:t>HTML tags label pieces of content such as "heading", "paragraph", "table", and so on.</a:t>
+            </a:r>
+          </a:p>
+          <a:p>
+            <a:pPr marL="285750" lvl="0" indent="-285750">
+              <a:lnSpc>
+                <a:spcPct val="150000"/>
+              </a:lnSpc>
+              <a:buClr>
+                <a:schemeClr val="dk1"/>
+              </a:buClr>
+              <a:buSzPts val="1850"/>
+              <a:buFont typeface="Arial" panose="020B0604020202020204" pitchFamily="34" charset="0"/>
+              <a:buChar char="•"/>
+            </a:pPr>
+            <a:r>
+              <a:rPr lang="en-US" altLang="ja-JP" dirty="0"/>
+              <a:t>Browsers do not display the HTML tags, but use them to render the content of the page</a:t>
+            </a:r>
+          </a:p>
+        </p:txBody>
+      </p:sp>
+    </p:spTree>
+    <p:extLst>
+      <p:ext uri="{BB962C8B-B14F-4D97-AF65-F5344CB8AC3E}">
+        <p14:creationId xmlns="" xmlns:p14="http://schemas.microsoft.com/office/powerpoint/2010/main" val="1328577666"/>
+      </p:ext>
+    </p:extLst>
+  </p:cSld>
+  <p:clrMapOvr>
+    <a:masterClrMapping/>
+  </p:clrMapOvr>
+  <p:timing>
+    <p:tnLst>
+      <p:par>
+        <p:cTn id="1" dur="indefinite" restart="never" nodeType="tmRoot"/>
+      </p:par>
+    </p:tnLst>
+  </p:timing>
+</p:sld>
+</file>
+
+<file path=ppt/slides/slide20.xml><?xml version="1.0" encoding="utf-8"?>
+<p:sld xmlns:a="http://schemas.openxmlformats.org/drawingml/2006/main" xmlns:r="http://schemas.openxmlformats.org/officeDocument/2006/relationships" xmlns:p="http://schemas.openxmlformats.org/presentationml/2006/main">
+  <p:cSld>
+    <p:spTree>
+      <p:nvGrpSpPr>
+        <p:cNvPr id="1" name=""/>
+        <p:cNvGrpSpPr/>
+        <p:nvPr/>
+      </p:nvGrpSpPr>
+      <p:grpSpPr>
+        <a:xfrm>
+          <a:off x="0" y="0"/>
+          <a:ext cx="0" cy="0"/>
+          <a:chOff x="0" y="0"/>
+          <a:chExt cx="0" cy="0"/>
+        </a:xfrm>
+      </p:grpSpPr>
+      <p:sp>
+        <p:nvSpPr>
+          <p:cNvPr id="4" name="Content Placeholder 13"/>
+          <p:cNvSpPr txBox="1">
+            <a:spLocks/>
+          </p:cNvSpPr>
+          <p:nvPr/>
+        </p:nvSpPr>
+        <p:spPr>
+          <a:xfrm>
+            <a:off x="321126" y="153246"/>
+            <a:ext cx="9791700" cy="630192"/>
+          </a:xfrm>
+          <a:prstGeom prst="rect">
+            <a:avLst/>
+          </a:prstGeom>
+        </p:spPr>
+        <p:txBody>
+          <a:bodyPr vert="horz" lIns="91440" tIns="45720" rIns="91440" bIns="45720" rtlCol="0">
+            <a:noAutofit/>
+          </a:bodyPr>
+          <a:lstStyle>
+            <a:lvl1pPr marL="0" indent="0" algn="ctr" defTabSz="914400" rtl="0" eaLnBrk="1" latinLnBrk="0" hangingPunct="1">
+              <a:lnSpc>
+                <a:spcPct val="90000"/>
+              </a:lnSpc>
+              <a:spcBef>
+                <a:spcPts val="1000"/>
+              </a:spcBef>
+              <a:buFont typeface="Arial" panose="020B0604020202020204" pitchFamily="34" charset="0"/>
+              <a:buNone/>
+              <a:defRPr kumimoji="1" sz="2400" kern="1200">
+                <a:solidFill>
+                  <a:schemeClr val="tx1"/>
+                </a:solidFill>
+                <a:latin typeface="+mn-lt"/>
+                <a:ea typeface="+mn-ea"/>
+                <a:cs typeface="+mn-cs"/>
+              </a:defRPr>
+            </a:lvl1pPr>
+            <a:lvl2pPr marL="457200" indent="0" algn="ctr" defTabSz="914400" rtl="0" eaLnBrk="1" latinLnBrk="0" hangingPunct="1">
+              <a:lnSpc>
+                <a:spcPct val="90000"/>
+              </a:lnSpc>
+              <a:spcBef>
+                <a:spcPts val="500"/>
+              </a:spcBef>
+              <a:buFont typeface="Arial" panose="020B0604020202020204" pitchFamily="34" charset="0"/>
+              <a:buNone/>
+              <a:defRPr kumimoji="1" sz="2000" kern="1200">
+                <a:solidFill>
+                  <a:schemeClr val="tx1"/>
+                </a:solidFill>
+                <a:latin typeface="+mn-lt"/>
+                <a:ea typeface="+mn-ea"/>
+                <a:cs typeface="+mn-cs"/>
+              </a:defRPr>
+            </a:lvl2pPr>
+            <a:lvl3pPr marL="914400" indent="0" algn="ctr" defTabSz="914400" rtl="0" eaLnBrk="1" latinLnBrk="0" hangingPunct="1">
+              <a:lnSpc>
+                <a:spcPct val="90000"/>
+              </a:lnSpc>
+              <a:spcBef>
+                <a:spcPts val="500"/>
+              </a:spcBef>
+              <a:buFont typeface="Arial" panose="020B0604020202020204" pitchFamily="34" charset="0"/>
+              <a:buNone/>
+              <a:defRPr kumimoji="1" sz="1800" kern="1200">
+                <a:solidFill>
+                  <a:schemeClr val="tx1"/>
+                </a:solidFill>
+                <a:latin typeface="+mn-lt"/>
+                <a:ea typeface="+mn-ea"/>
+                <a:cs typeface="+mn-cs"/>
+              </a:defRPr>
+            </a:lvl3pPr>
+            <a:lvl4pPr marL="1371600" indent="0" algn="ctr" defTabSz="914400" rtl="0" eaLnBrk="1" latinLnBrk="0" hangingPunct="1">
+              <a:lnSpc>
+                <a:spcPct val="90000"/>
+              </a:lnSpc>
+              <a:spcBef>
+                <a:spcPts val="500"/>
+              </a:spcBef>
+              <a:buFont typeface="Arial" panose="020B0604020202020204" pitchFamily="34" charset="0"/>
+              <a:buNone/>
+              <a:defRPr kumimoji="1" sz="1600" kern="1200">
+                <a:solidFill>
+                  <a:schemeClr val="tx1"/>
+                </a:solidFill>
+                <a:latin typeface="+mn-lt"/>
+                <a:ea typeface="+mn-ea"/>
+                <a:cs typeface="+mn-cs"/>
+              </a:defRPr>
+            </a:lvl4pPr>
+            <a:lvl5pPr marL="1828800" indent="0" algn="ctr" defTabSz="914400" rtl="0" eaLnBrk="1" latinLnBrk="0" hangingPunct="1">
+              <a:lnSpc>
+                <a:spcPct val="90000"/>
+              </a:lnSpc>
+              <a:spcBef>
+                <a:spcPts val="500"/>
+              </a:spcBef>
+              <a:buFont typeface="Arial" panose="020B0604020202020204" pitchFamily="34" charset="0"/>
+              <a:buNone/>
+              <a:defRPr kumimoji="1" sz="1600" kern="1200">
+                <a:solidFill>
+                  <a:schemeClr val="tx1"/>
+                </a:solidFill>
+                <a:latin typeface="+mn-lt"/>
+                <a:ea typeface="+mn-ea"/>
+                <a:cs typeface="+mn-cs"/>
+              </a:defRPr>
+            </a:lvl5pPr>
+            <a:lvl6pPr marL="2286000" indent="0" algn="ctr" defTabSz="914400" rtl="0" eaLnBrk="1" latinLnBrk="0" hangingPunct="1">
+              <a:lnSpc>
+                <a:spcPct val="90000"/>
+              </a:lnSpc>
+              <a:spcBef>
+                <a:spcPts val="500"/>
+              </a:spcBef>
+              <a:buFont typeface="Arial" panose="020B0604020202020204" pitchFamily="34" charset="0"/>
+              <a:buNone/>
+              <a:defRPr kumimoji="1" sz="1600" kern="1200">
+                <a:solidFill>
+                  <a:schemeClr val="tx1"/>
+                </a:solidFill>
+                <a:latin typeface="+mn-lt"/>
+                <a:ea typeface="+mn-ea"/>
+                <a:cs typeface="+mn-cs"/>
+              </a:defRPr>
+            </a:lvl6pPr>
+            <a:lvl7pPr marL="2743200" indent="0" algn="ctr" defTabSz="914400" rtl="0" eaLnBrk="1" latinLnBrk="0" hangingPunct="1">
+              <a:lnSpc>
+                <a:spcPct val="90000"/>
+              </a:lnSpc>
+              <a:spcBef>
+                <a:spcPts val="500"/>
+              </a:spcBef>
+              <a:buFont typeface="Arial" panose="020B0604020202020204" pitchFamily="34" charset="0"/>
+              <a:buNone/>
+              <a:defRPr kumimoji="1" sz="1600" kern="1200">
+                <a:solidFill>
+                  <a:schemeClr val="tx1"/>
+                </a:solidFill>
+                <a:latin typeface="+mn-lt"/>
+                <a:ea typeface="+mn-ea"/>
+                <a:cs typeface="+mn-cs"/>
+              </a:defRPr>
+            </a:lvl7pPr>
+            <a:lvl8pPr marL="3200400" indent="0" algn="ctr" defTabSz="914400" rtl="0" eaLnBrk="1" latinLnBrk="0" hangingPunct="1">
+              <a:lnSpc>
+                <a:spcPct val="90000"/>
+              </a:lnSpc>
+              <a:spcBef>
+                <a:spcPts val="500"/>
+              </a:spcBef>
+              <a:buFont typeface="Arial" panose="020B0604020202020204" pitchFamily="34" charset="0"/>
+              <a:buNone/>
+              <a:defRPr kumimoji="1" sz="1600" kern="1200">
+                <a:solidFill>
+                  <a:schemeClr val="tx1"/>
+                </a:solidFill>
+                <a:latin typeface="+mn-lt"/>
+                <a:ea typeface="+mn-ea"/>
+                <a:cs typeface="+mn-cs"/>
+              </a:defRPr>
+            </a:lvl8pPr>
+            <a:lvl9pPr marL="3657600" indent="0" algn="ctr" defTabSz="914400" rtl="0" eaLnBrk="1" latinLnBrk="0" hangingPunct="1">
+              <a:lnSpc>
+                <a:spcPct val="90000"/>
+              </a:lnSpc>
+              <a:spcBef>
+                <a:spcPts val="500"/>
+              </a:spcBef>
+              <a:buFont typeface="Arial" panose="020B0604020202020204" pitchFamily="34" charset="0"/>
+              <a:buNone/>
+              <a:defRPr kumimoji="1" sz="1600" kern="1200">
+                <a:solidFill>
+                  <a:schemeClr val="tx1"/>
+                </a:solidFill>
+                <a:latin typeface="+mn-lt"/>
+                <a:ea typeface="+mn-ea"/>
+                <a:cs typeface="+mn-cs"/>
+              </a:defRPr>
+            </a:lvl9pPr>
+          </a:lstStyle>
+          <a:p>
+            <a:pPr algn="l"/>
+            <a:r>
+              <a:rPr lang="en-US" sz="3600" b="1" dirty="0">
+                <a:solidFill>
+                  <a:srgbClr val="0064B5"/>
+                </a:solidFill>
+              </a:rPr>
+              <a:t>HTML Elements continue..</a:t>
+            </a:r>
+          </a:p>
+        </p:txBody>
+      </p:sp>
+      <p:sp>
+        <p:nvSpPr>
+          <p:cNvPr id="10" name="Rectangle 9"/>
+          <p:cNvSpPr/>
+          <p:nvPr/>
+        </p:nvSpPr>
+        <p:spPr>
+          <a:xfrm>
+            <a:off x="355632" y="767535"/>
+            <a:ext cx="9236941" cy="5493812"/>
+          </a:xfrm>
+          <a:prstGeom prst="rect">
+            <a:avLst/>
+          </a:prstGeom>
+        </p:spPr>
+        <p:txBody>
+          <a:bodyPr wrap="square">
+            <a:spAutoFit/>
+          </a:bodyPr>
+          <a:lstStyle/>
+          <a:p>
+            <a:pPr marL="285750" indent="-285750">
+              <a:lnSpc>
+                <a:spcPct val="150000"/>
+              </a:lnSpc>
+            </a:pPr>
+            <a:r>
+              <a:rPr lang="en-IN" altLang="ja-JP" b="1" u="sng" dirty="0"/>
+              <a:t>HTML &lt;div&gt; Tag</a:t>
+            </a:r>
+          </a:p>
+          <a:p>
+            <a:pPr marL="285750" lvl="0" indent="-285750">
+              <a:lnSpc>
+                <a:spcPct val="150000"/>
+              </a:lnSpc>
+              <a:buFont typeface="Arial" pitchFamily="34" charset="0"/>
+              <a:buChar char="•"/>
+            </a:pPr>
+            <a:r>
+              <a:rPr lang="en-US" altLang="ja-JP" dirty="0"/>
+              <a:t>The &lt;div&gt; tag defines a division or a section in an HTML document.</a:t>
+            </a:r>
+          </a:p>
+          <a:p>
+            <a:pPr marL="285750" lvl="0" indent="-285750">
+              <a:lnSpc>
+                <a:spcPct val="150000"/>
+              </a:lnSpc>
+              <a:buFont typeface="Arial" pitchFamily="34" charset="0"/>
+              <a:buChar char="•"/>
+            </a:pPr>
+            <a:r>
+              <a:rPr lang="en-US" altLang="ja-JP" dirty="0"/>
+              <a:t>The &lt;div&gt; element is often used as a container for other HTML elements</a:t>
+            </a:r>
+          </a:p>
+          <a:p>
+            <a:pPr marL="285750" indent="-285750">
+              <a:lnSpc>
+                <a:spcPct val="150000"/>
+              </a:lnSpc>
+            </a:pPr>
+            <a:endParaRPr lang="en-IN" altLang="ja-JP" dirty="0"/>
+          </a:p>
+          <a:p>
+            <a:pPr marL="285750" indent="-285750">
+              <a:lnSpc>
+                <a:spcPct val="150000"/>
+              </a:lnSpc>
+            </a:pPr>
+            <a:endParaRPr lang="en-IN" altLang="ja-JP" dirty="0"/>
+          </a:p>
+          <a:p>
+            <a:pPr marL="285750" indent="-285750">
+              <a:lnSpc>
+                <a:spcPct val="150000"/>
+              </a:lnSpc>
+              <a:buFont typeface="Arial" panose="020B0604020202020204" pitchFamily="34" charset="0"/>
+              <a:buChar char="•"/>
+            </a:pPr>
+            <a:endParaRPr lang="en-IN" altLang="ja-JP" dirty="0"/>
+          </a:p>
+          <a:p>
+            <a:pPr marL="285750" indent="-285750">
+              <a:lnSpc>
+                <a:spcPct val="150000"/>
+              </a:lnSpc>
+            </a:pPr>
+            <a:endParaRPr lang="en-IN" altLang="ja-JP" b="1" u="sng" dirty="0"/>
+          </a:p>
+          <a:p>
+            <a:pPr marL="285750" indent="-285750">
+              <a:lnSpc>
+                <a:spcPct val="150000"/>
+              </a:lnSpc>
+            </a:pPr>
+            <a:r>
+              <a:rPr lang="en-IN" altLang="ja-JP" b="1" u="sng" dirty="0"/>
+              <a:t>HTML &lt;span&gt; Tag</a:t>
+            </a:r>
+          </a:p>
+          <a:p>
+            <a:pPr marL="457200" lvl="0" indent="-342900">
+              <a:buClr>
+                <a:schemeClr val="dk1"/>
+              </a:buClr>
+              <a:buSzPts val="1800"/>
+              <a:buFont typeface="Arial" pitchFamily="34" charset="0"/>
+              <a:buChar char="•"/>
+            </a:pPr>
+            <a:r>
+              <a:rPr lang="en-US" dirty="0">
+                <a:solidFill>
+                  <a:schemeClr val="dk1"/>
+                </a:solidFill>
+              </a:rPr>
+              <a:t>The &lt;span&gt; tag is used to group inline-elements in a document.</a:t>
+            </a:r>
+          </a:p>
+          <a:p>
+            <a:pPr marL="457200" lvl="0" indent="-342900">
+              <a:buClr>
+                <a:schemeClr val="dk1"/>
+              </a:buClr>
+              <a:buSzPts val="1800"/>
+              <a:buFont typeface="Arial" pitchFamily="34" charset="0"/>
+              <a:buChar char="•"/>
+            </a:pPr>
+            <a:r>
+              <a:rPr lang="en-US" dirty="0">
+                <a:solidFill>
+                  <a:schemeClr val="dk1"/>
+                </a:solidFill>
+              </a:rPr>
+              <a:t>The &lt;span&gt; tag provides no visual change by itself.</a:t>
+            </a:r>
+          </a:p>
+          <a:p>
+            <a:pPr marL="457200" lvl="0" indent="-342900">
+              <a:buClr>
+                <a:schemeClr val="dk1"/>
+              </a:buClr>
+              <a:buSzPts val="1800"/>
+              <a:buFont typeface="Arial" pitchFamily="34" charset="0"/>
+              <a:buChar char="•"/>
+            </a:pPr>
+            <a:r>
+              <a:rPr lang="en-US" dirty="0">
+                <a:solidFill>
+                  <a:schemeClr val="dk1"/>
+                </a:solidFill>
+              </a:rPr>
+              <a:t>The &lt;span&gt; tag provides a way to add a hook to a part of a text or a part of a document</a:t>
+            </a:r>
+            <a:endParaRPr lang="en-IN" altLang="ja-JP" b="1" u="sng" dirty="0"/>
+          </a:p>
+          <a:p>
+            <a:pPr marL="285750" indent="-285750">
+              <a:lnSpc>
+                <a:spcPct val="150000"/>
+              </a:lnSpc>
+            </a:pPr>
+            <a:endParaRPr lang="en-IN" altLang="ja-JP" dirty="0"/>
+          </a:p>
+          <a:p>
+            <a:pPr marL="285750" indent="-285750">
+              <a:lnSpc>
+                <a:spcPct val="150000"/>
+              </a:lnSpc>
+            </a:pPr>
+            <a:r>
+              <a:rPr lang="en-US" b="1" i="1" dirty="0"/>
+              <a:t> 								</a:t>
+            </a:r>
+            <a:endParaRPr lang="en-US" altLang="ja-JP" dirty="0"/>
+          </a:p>
+          <a:p>
+            <a:pPr marL="285750" indent="-285750">
+              <a:lnSpc>
+                <a:spcPct val="150000"/>
+              </a:lnSpc>
+              <a:buFont typeface="Arial" panose="020B0604020202020204" pitchFamily="34" charset="0"/>
+              <a:buChar char="•"/>
+            </a:pPr>
+            <a:endParaRPr lang="en-IN" altLang="ja-JP" dirty="0"/>
+          </a:p>
+        </p:txBody>
+      </p:sp>
+      <p:sp>
+        <p:nvSpPr>
+          <p:cNvPr id="12" name="Rectangle 11"/>
+          <p:cNvSpPr/>
+          <p:nvPr/>
+        </p:nvSpPr>
+        <p:spPr>
+          <a:xfrm>
+            <a:off x="569343" y="5089585"/>
+            <a:ext cx="7237563" cy="552091"/>
+          </a:xfrm>
+          <a:prstGeom prst="rect">
+            <a:avLst/>
+          </a:prstGeom>
+          <a:gradFill flip="none" rotWithShape="1">
+            <a:gsLst>
+              <a:gs pos="0">
+                <a:schemeClr val="bg2"/>
+              </a:gs>
+              <a:gs pos="50000">
+                <a:schemeClr val="accent3">
+                  <a:lumMod val="20000"/>
+                  <a:lumOff val="80000"/>
+                  <a:shade val="67500"/>
+                  <a:satMod val="115000"/>
+                </a:schemeClr>
+              </a:gs>
+              <a:gs pos="100000">
+                <a:schemeClr val="accent3">
+                  <a:lumMod val="20000"/>
+                  <a:lumOff val="80000"/>
+                  <a:shade val="100000"/>
+                  <a:satMod val="115000"/>
+                </a:schemeClr>
+              </a:gs>
+            </a:gsLst>
+            <a:lin ang="6600000" scaled="0"/>
+            <a:tileRect/>
+          </a:gradFill>
+          <a:ln>
+            <a:solidFill>
+              <a:schemeClr val="tx1">
+                <a:lumMod val="50000"/>
+                <a:lumOff val="50000"/>
+              </a:schemeClr>
+            </a:solidFill>
+          </a:ln>
+        </p:spPr>
+        <p:style>
+          <a:lnRef idx="2">
+            <a:schemeClr val="accent1">
+              <a:shade val="50000"/>
+            </a:schemeClr>
+          </a:lnRef>
+          <a:fillRef idx="1">
+            <a:schemeClr val="accent1"/>
+          </a:fillRef>
+          <a:effectRef idx="0">
+            <a:schemeClr val="accent1"/>
+          </a:effectRef>
+          <a:fontRef idx="minor">
+            <a:schemeClr val="lt1"/>
+          </a:fontRef>
+        </p:style>
+        <p:txBody>
+          <a:bodyPr rtlCol="0" anchor="ctr"/>
+          <a:lstStyle/>
+          <a:p>
+            <a:r>
+              <a:rPr lang="en-US" dirty="0">
+                <a:solidFill>
+                  <a:schemeClr val="tx1"/>
+                </a:solidFill>
+              </a:rPr>
+              <a:t>&lt;p&gt;My mother has &lt;span style="</a:t>
+            </a:r>
+            <a:r>
+              <a:rPr lang="en-US" dirty="0" err="1">
+                <a:solidFill>
+                  <a:schemeClr val="tx1"/>
+                </a:solidFill>
+              </a:rPr>
+              <a:t>color:blue</a:t>
+            </a:r>
+            <a:r>
+              <a:rPr lang="en-US" dirty="0">
+                <a:solidFill>
+                  <a:schemeClr val="tx1"/>
+                </a:solidFill>
+              </a:rPr>
+              <a:t>"&gt;blue&lt;/span&gt; eyes.&lt;/p&gt;</a:t>
+            </a:r>
+          </a:p>
+        </p:txBody>
+      </p:sp>
+      <p:sp>
+        <p:nvSpPr>
+          <p:cNvPr id="14" name="Rectangle 13"/>
+          <p:cNvSpPr/>
+          <p:nvPr/>
+        </p:nvSpPr>
+        <p:spPr>
+          <a:xfrm>
+            <a:off x="480205" y="2101968"/>
+            <a:ext cx="5428890" cy="1365850"/>
+          </a:xfrm>
+          <a:prstGeom prst="rect">
+            <a:avLst/>
+          </a:prstGeom>
+          <a:gradFill flip="none" rotWithShape="1">
+            <a:gsLst>
+              <a:gs pos="0">
+                <a:schemeClr val="bg2"/>
+              </a:gs>
+              <a:gs pos="50000">
+                <a:schemeClr val="accent3">
+                  <a:lumMod val="20000"/>
+                  <a:lumOff val="80000"/>
+                  <a:shade val="67500"/>
+                  <a:satMod val="115000"/>
+                </a:schemeClr>
+              </a:gs>
+              <a:gs pos="100000">
+                <a:schemeClr val="accent3">
+                  <a:lumMod val="20000"/>
+                  <a:lumOff val="80000"/>
+                  <a:shade val="100000"/>
+                  <a:satMod val="115000"/>
+                </a:schemeClr>
+              </a:gs>
+            </a:gsLst>
+            <a:lin ang="6600000" scaled="0"/>
+            <a:tileRect/>
+          </a:gradFill>
+          <a:ln>
+            <a:solidFill>
+              <a:schemeClr val="tx1">
+                <a:lumMod val="50000"/>
+                <a:lumOff val="50000"/>
+              </a:schemeClr>
+            </a:solidFill>
+          </a:ln>
+        </p:spPr>
+        <p:style>
+          <a:lnRef idx="2">
+            <a:schemeClr val="accent1">
+              <a:shade val="50000"/>
+            </a:schemeClr>
+          </a:lnRef>
+          <a:fillRef idx="1">
+            <a:schemeClr val="accent1"/>
+          </a:fillRef>
+          <a:effectRef idx="0">
+            <a:schemeClr val="accent1"/>
+          </a:effectRef>
+          <a:fontRef idx="minor">
+            <a:schemeClr val="lt1"/>
+          </a:fontRef>
+        </p:style>
+        <p:txBody>
+          <a:bodyPr rtlCol="0" anchor="ctr"/>
+          <a:lstStyle/>
+          <a:p>
+            <a:r>
+              <a:rPr lang="en-US" dirty="0">
+                <a:solidFill>
+                  <a:schemeClr val="tx1"/>
+                </a:solidFill>
+              </a:rPr>
+              <a:t>&lt;div style="background-</a:t>
+            </a:r>
+            <a:r>
+              <a:rPr lang="en-US" dirty="0" err="1">
+                <a:solidFill>
+                  <a:schemeClr val="tx1"/>
+                </a:solidFill>
+              </a:rPr>
+              <a:t>color:lightblue</a:t>
+            </a:r>
+            <a:r>
+              <a:rPr lang="en-US" dirty="0">
+                <a:solidFill>
+                  <a:schemeClr val="tx1"/>
+                </a:solidFill>
+              </a:rPr>
+              <a:t>"&gt;</a:t>
+            </a:r>
+            <a:br>
+              <a:rPr lang="en-US" dirty="0">
+                <a:solidFill>
+                  <a:schemeClr val="tx1"/>
+                </a:solidFill>
+              </a:rPr>
+            </a:br>
+            <a:r>
+              <a:rPr lang="en-US" dirty="0">
+                <a:solidFill>
+                  <a:schemeClr val="tx1"/>
+                </a:solidFill>
+              </a:rPr>
+              <a:t>  &lt;h3&gt;This is a heading&lt;/h3&gt;</a:t>
+            </a:r>
+            <a:br>
+              <a:rPr lang="en-US" dirty="0">
+                <a:solidFill>
+                  <a:schemeClr val="tx1"/>
+                </a:solidFill>
+              </a:rPr>
+            </a:br>
+            <a:r>
+              <a:rPr lang="en-US" dirty="0">
+                <a:solidFill>
+                  <a:schemeClr val="tx1"/>
+                </a:solidFill>
+              </a:rPr>
+              <a:t>  &lt;p&gt;This is a paragraph.&lt;/p&gt;</a:t>
+            </a:r>
+            <a:br>
+              <a:rPr lang="en-US" dirty="0">
+                <a:solidFill>
+                  <a:schemeClr val="tx1"/>
+                </a:solidFill>
+              </a:rPr>
+            </a:br>
+            <a:r>
+              <a:rPr lang="en-US" dirty="0">
+                <a:solidFill>
+                  <a:schemeClr val="tx1"/>
+                </a:solidFill>
+              </a:rPr>
+              <a:t>&lt;/div&gt;</a:t>
+            </a:r>
+          </a:p>
+        </p:txBody>
+      </p:sp>
+    </p:spTree>
+    <p:extLst>
+      <p:ext uri="{BB962C8B-B14F-4D97-AF65-F5344CB8AC3E}">
+        <p14:creationId xmlns:p14="http://schemas.microsoft.com/office/powerpoint/2010/main" xmlns="" val="1328577666"/>
+      </p:ext>
+    </p:extLst>
+  </p:cSld>
+  <p:clrMapOvr>
+    <a:masterClrMapping/>
+  </p:clrMapOvr>
+  <p:timing>
+    <p:tnLst>
+      <p:par>
+        <p:cTn id="1" dur="indefinite" restart="never" nodeType="tmRoot"/>
+      </p:par>
+    </p:tnLst>
+  </p:timing>
+</p:sld>
+</file>
+
+<file path=ppt/slides/slide21.xml><?xml version="1.0" encoding="utf-8"?>
+<p:sld xmlns:a="http://schemas.openxmlformats.org/drawingml/2006/main" xmlns:r="http://schemas.openxmlformats.org/officeDocument/2006/relationships" xmlns:p="http://schemas.openxmlformats.org/presentationml/2006/main">
+  <p:cSld>
+    <p:spTree>
+      <p:nvGrpSpPr>
+        <p:cNvPr id="1" name=""/>
+        <p:cNvGrpSpPr/>
+        <p:nvPr/>
+      </p:nvGrpSpPr>
+      <p:grpSpPr>
+        <a:xfrm>
+          <a:off x="0" y="0"/>
+          <a:ext cx="0" cy="0"/>
+          <a:chOff x="0" y="0"/>
+          <a:chExt cx="0" cy="0"/>
+        </a:xfrm>
+      </p:grpSpPr>
+      <p:sp>
+        <p:nvSpPr>
+          <p:cNvPr id="2" name="Title 1"/>
+          <p:cNvSpPr>
+            <a:spLocks noGrp="1"/>
+          </p:cNvSpPr>
+          <p:nvPr>
+            <p:ph type="title"/>
+          </p:nvPr>
+        </p:nvSpPr>
+        <p:spPr/>
+        <p:txBody>
+          <a:bodyPr/>
+          <a:lstStyle/>
+          <a:p>
+            <a:r>
+              <a:rPr lang="en-IN" dirty="0" smtClean="0"/>
+              <a:t>QUESTION</a:t>
+            </a:r>
+            <a:endParaRPr lang="en-US" dirty="0"/>
+          </a:p>
+        </p:txBody>
+      </p:sp>
+      <p:sp>
+        <p:nvSpPr>
+          <p:cNvPr id="4" name="Content Placeholder 3"/>
+          <p:cNvSpPr>
+            <a:spLocks noGrp="1"/>
+          </p:cNvSpPr>
+          <p:nvPr>
+            <p:ph idx="1"/>
+          </p:nvPr>
+        </p:nvSpPr>
+        <p:spPr/>
+        <p:txBody>
+          <a:bodyPr/>
+          <a:lstStyle/>
+          <a:p>
+            <a:endParaRPr lang="en-US"/>
+          </a:p>
+        </p:txBody>
+      </p:sp>
+      <p:pic>
+        <p:nvPicPr>
+          <p:cNvPr id="10242" name="Picture 2"/>
+          <p:cNvPicPr>
+            <a:picLocks noChangeAspect="1" noChangeArrowheads="1"/>
+          </p:cNvPicPr>
+          <p:nvPr/>
+        </p:nvPicPr>
+        <p:blipFill>
+          <a:blip r:embed="rId2"/>
+          <a:srcRect/>
+          <a:stretch>
+            <a:fillRect/>
+          </a:stretch>
+        </p:blipFill>
+        <p:spPr bwMode="auto">
+          <a:xfrm>
+            <a:off x="278945" y="1610951"/>
+            <a:ext cx="11438437" cy="4802912"/>
+          </a:xfrm>
+          <a:prstGeom prst="rect">
+            <a:avLst/>
+          </a:prstGeom>
+          <a:noFill/>
+          <a:ln w="9525">
+            <a:noFill/>
+            <a:miter lim="800000"/>
+            <a:headEnd/>
+            <a:tailEnd/>
+          </a:ln>
+          <a:effectLst/>
+        </p:spPr>
+      </p:pic>
+    </p:spTree>
+  </p:cSld>
+  <p:clrMapOvr>
+    <a:masterClrMapping/>
+  </p:clrMapOvr>
+</p:sld>
+</file>
+
+<file path=ppt/slides/slide22.xml><?xml version="1.0" encoding="utf-8"?>
+<p:sld xmlns:a="http://schemas.openxmlformats.org/drawingml/2006/main" xmlns:r="http://schemas.openxmlformats.org/officeDocument/2006/relationships" xmlns:p="http://schemas.openxmlformats.org/presentationml/2006/main">
+  <p:cSld>
+    <p:spTree>
+      <p:nvGrpSpPr>
+        <p:cNvPr id="1" name=""/>
+        <p:cNvGrpSpPr/>
+        <p:nvPr/>
+      </p:nvGrpSpPr>
+      <p:grpSpPr>
+        <a:xfrm>
+          <a:off x="0" y="0"/>
+          <a:ext cx="0" cy="0"/>
+          <a:chOff x="0" y="0"/>
+          <a:chExt cx="0" cy="0"/>
+        </a:xfrm>
+      </p:grpSpPr>
+      <p:sp>
+        <p:nvSpPr>
+          <p:cNvPr id="2" name="Title 1"/>
+          <p:cNvSpPr>
+            <a:spLocks noGrp="1"/>
+          </p:cNvSpPr>
+          <p:nvPr>
+            <p:ph type="title"/>
+          </p:nvPr>
+        </p:nvSpPr>
+        <p:spPr/>
+        <p:txBody>
+          <a:bodyPr/>
+          <a:lstStyle/>
+          <a:p>
+            <a:r>
+              <a:rPr lang="en-IN" dirty="0" smtClean="0"/>
+              <a:t>QUESTION</a:t>
+            </a:r>
+            <a:endParaRPr lang="en-US" dirty="0"/>
+          </a:p>
+        </p:txBody>
+      </p:sp>
+      <p:sp>
+        <p:nvSpPr>
+          <p:cNvPr id="4" name="Content Placeholder 3"/>
+          <p:cNvSpPr>
+            <a:spLocks noGrp="1"/>
+          </p:cNvSpPr>
+          <p:nvPr>
+            <p:ph idx="1"/>
+          </p:nvPr>
+        </p:nvSpPr>
+        <p:spPr/>
+        <p:txBody>
+          <a:bodyPr/>
+          <a:lstStyle/>
+          <a:p>
+            <a:endParaRPr lang="en-US"/>
+          </a:p>
+        </p:txBody>
+      </p:sp>
+      <p:pic>
+        <p:nvPicPr>
+          <p:cNvPr id="11266" name="Picture 2"/>
+          <p:cNvPicPr>
+            <a:picLocks noChangeAspect="1" noChangeArrowheads="1"/>
+          </p:cNvPicPr>
+          <p:nvPr/>
+        </p:nvPicPr>
+        <p:blipFill>
+          <a:blip r:embed="rId2"/>
+          <a:srcRect/>
+          <a:stretch>
+            <a:fillRect/>
+          </a:stretch>
+        </p:blipFill>
+        <p:spPr bwMode="auto">
+          <a:xfrm>
+            <a:off x="757646" y="1449977"/>
+            <a:ext cx="10907485" cy="4898572"/>
+          </a:xfrm>
+          <a:prstGeom prst="rect">
+            <a:avLst/>
+          </a:prstGeom>
+          <a:noFill/>
+          <a:ln w="9525">
+            <a:noFill/>
+            <a:miter lim="800000"/>
+            <a:headEnd/>
+            <a:tailEnd/>
+          </a:ln>
+          <a:effectLst/>
+        </p:spPr>
+      </p:pic>
+    </p:spTree>
+  </p:cSld>
+  <p:clrMapOvr>
+    <a:masterClrMapping/>
+  </p:clrMapOvr>
+</p:sld>
+</file>
+
+<file path=ppt/slides/slide23.xml><?xml version="1.0" encoding="utf-8"?>
+<p:sld xmlns:a="http://schemas.openxmlformats.org/drawingml/2006/main" xmlns:r="http://schemas.openxmlformats.org/officeDocument/2006/relationships" xmlns:p="http://schemas.openxmlformats.org/presentationml/2006/main">
+  <p:cSld>
+    <p:spTree>
+      <p:nvGrpSpPr>
+        <p:cNvPr id="1" name=""/>
+        <p:cNvGrpSpPr/>
+        <p:nvPr/>
+      </p:nvGrpSpPr>
+      <p:grpSpPr>
+        <a:xfrm>
+          <a:off x="0" y="0"/>
+          <a:ext cx="0" cy="0"/>
+          <a:chOff x="0" y="0"/>
+          <a:chExt cx="0" cy="0"/>
+        </a:xfrm>
+      </p:grpSpPr>
+      <p:sp>
+        <p:nvSpPr>
+          <p:cNvPr id="2" name="Title 1"/>
+          <p:cNvSpPr>
+            <a:spLocks noGrp="1"/>
+          </p:cNvSpPr>
+          <p:nvPr>
+            <p:ph type="title"/>
+          </p:nvPr>
+        </p:nvSpPr>
+        <p:spPr/>
+        <p:txBody>
+          <a:bodyPr/>
+          <a:lstStyle/>
+          <a:p>
+            <a:r>
+              <a:rPr lang="en-IN" dirty="0" smtClean="0"/>
+              <a:t>USEFULL TAGS</a:t>
+            </a:r>
+            <a:endParaRPr lang="en-US" dirty="0"/>
+          </a:p>
+        </p:txBody>
+      </p:sp>
+      <p:pic>
+        <p:nvPicPr>
+          <p:cNvPr id="1026" name="Picture 2"/>
+          <p:cNvPicPr>
+            <a:picLocks noGrp="1" noChangeAspect="1" noChangeArrowheads="1"/>
+          </p:cNvPicPr>
+          <p:nvPr>
+            <p:ph idx="1"/>
+          </p:nvPr>
+        </p:nvPicPr>
+        <p:blipFill>
+          <a:blip r:embed="rId2"/>
+          <a:srcRect/>
+          <a:stretch>
+            <a:fillRect/>
+          </a:stretch>
+        </p:blipFill>
+        <p:spPr bwMode="auto">
+          <a:xfrm>
+            <a:off x="1998617" y="1619794"/>
+            <a:ext cx="7432765" cy="4794069"/>
+          </a:xfrm>
+          <a:prstGeom prst="rect">
+            <a:avLst/>
+          </a:prstGeom>
+          <a:noFill/>
+          <a:ln w="9525">
+            <a:noFill/>
+            <a:miter lim="800000"/>
+            <a:headEnd/>
+            <a:tailEnd/>
+          </a:ln>
+          <a:effectLst/>
+        </p:spPr>
+      </p:pic>
+    </p:spTree>
+  </p:cSld>
+  <p:clrMapOvr>
+    <a:masterClrMapping/>
+  </p:clrMapOvr>
+</p:sld>
+</file>
+
+<file path=ppt/slides/slide24.xml><?xml version="1.0" encoding="utf-8"?>
+<p:sld xmlns:a="http://schemas.openxmlformats.org/drawingml/2006/main" xmlns:r="http://schemas.openxmlformats.org/officeDocument/2006/relationships" xmlns:p="http://schemas.openxmlformats.org/presentationml/2006/main">
+  <p:cSld>
+    <p:spTree>
+      <p:nvGrpSpPr>
+        <p:cNvPr id="1" name=""/>
+        <p:cNvGrpSpPr/>
+        <p:nvPr/>
+      </p:nvGrpSpPr>
+      <p:grpSpPr>
+        <a:xfrm>
+          <a:off x="0" y="0"/>
+          <a:ext cx="0" cy="0"/>
+          <a:chOff x="0" y="0"/>
+          <a:chExt cx="0" cy="0"/>
+        </a:xfrm>
+      </p:grpSpPr>
+      <p:sp>
+        <p:nvSpPr>
+          <p:cNvPr id="2" name="Title 1"/>
+          <p:cNvSpPr>
+            <a:spLocks noGrp="1"/>
+          </p:cNvSpPr>
+          <p:nvPr>
+            <p:ph type="title"/>
+          </p:nvPr>
+        </p:nvSpPr>
+        <p:spPr/>
+        <p:txBody>
+          <a:bodyPr/>
+          <a:lstStyle/>
+          <a:p>
+            <a:r>
+              <a:rPr lang="en-IN" dirty="0" smtClean="0"/>
+              <a:t>QUESTION</a:t>
+            </a:r>
+            <a:endParaRPr lang="en-US" dirty="0"/>
+          </a:p>
+        </p:txBody>
+      </p:sp>
+      <p:pic>
+        <p:nvPicPr>
+          <p:cNvPr id="12290" name="Picture 2"/>
+          <p:cNvPicPr>
+            <a:picLocks noGrp="1" noChangeAspect="1" noChangeArrowheads="1"/>
+          </p:cNvPicPr>
+          <p:nvPr>
+            <p:ph idx="1"/>
+          </p:nvPr>
+        </p:nvPicPr>
+        <p:blipFill>
+          <a:blip r:embed="rId2"/>
+          <a:srcRect/>
+          <a:stretch>
+            <a:fillRect/>
+          </a:stretch>
+        </p:blipFill>
+        <p:spPr bwMode="auto">
+          <a:xfrm>
+            <a:off x="716824" y="1609431"/>
+            <a:ext cx="3390900" cy="1047750"/>
+          </a:xfrm>
+          <a:prstGeom prst="rect">
+            <a:avLst/>
+          </a:prstGeom>
+          <a:noFill/>
+          <a:ln w="9525">
+            <a:noFill/>
+            <a:miter lim="800000"/>
+            <a:headEnd/>
+            <a:tailEnd/>
+          </a:ln>
+          <a:effectLst/>
+        </p:spPr>
+      </p:pic>
+      <p:pic>
+        <p:nvPicPr>
+          <p:cNvPr id="12291" name="Picture 3"/>
+          <p:cNvPicPr>
+            <a:picLocks noChangeAspect="1" noChangeArrowheads="1"/>
+          </p:cNvPicPr>
+          <p:nvPr/>
+        </p:nvPicPr>
+        <p:blipFill>
+          <a:blip r:embed="rId3"/>
+          <a:srcRect/>
+          <a:stretch>
+            <a:fillRect/>
+          </a:stretch>
+        </p:blipFill>
+        <p:spPr bwMode="auto">
+          <a:xfrm>
+            <a:off x="888275" y="2872740"/>
+            <a:ext cx="2860766" cy="784860"/>
+          </a:xfrm>
+          <a:prstGeom prst="rect">
+            <a:avLst/>
+          </a:prstGeom>
+          <a:noFill/>
+          <a:ln w="9525">
+            <a:noFill/>
+            <a:miter lim="800000"/>
+            <a:headEnd/>
+            <a:tailEnd/>
+          </a:ln>
+          <a:effectLst/>
+        </p:spPr>
+      </p:pic>
+      <p:pic>
+        <p:nvPicPr>
+          <p:cNvPr id="12292" name="Picture 4"/>
+          <p:cNvPicPr>
+            <a:picLocks noChangeAspect="1" noChangeArrowheads="1"/>
+          </p:cNvPicPr>
+          <p:nvPr/>
+        </p:nvPicPr>
+        <p:blipFill>
+          <a:blip r:embed="rId4"/>
+          <a:srcRect/>
+          <a:stretch>
+            <a:fillRect/>
+          </a:stretch>
+        </p:blipFill>
+        <p:spPr bwMode="auto">
+          <a:xfrm>
+            <a:off x="180023" y="3833268"/>
+            <a:ext cx="9820275" cy="2352675"/>
+          </a:xfrm>
+          <a:prstGeom prst="rect">
+            <a:avLst/>
+          </a:prstGeom>
+          <a:noFill/>
+          <a:ln w="9525">
+            <a:noFill/>
+            <a:miter lim="800000"/>
+            <a:headEnd/>
+            <a:tailEnd/>
+          </a:ln>
+          <a:effectLst/>
+        </p:spPr>
+      </p:pic>
+    </p:spTree>
+  </p:cSld>
+  <p:clrMapOvr>
+    <a:masterClrMapping/>
+  </p:clrMapOvr>
+</p:sld>
+</file>
+
+<file path=ppt/slides/slide25.xml><?xml version="1.0" encoding="utf-8"?>
+<p:sld xmlns:a="http://schemas.openxmlformats.org/drawingml/2006/main" xmlns:r="http://schemas.openxmlformats.org/officeDocument/2006/relationships" xmlns:p="http://schemas.openxmlformats.org/presentationml/2006/main">
+  <p:cSld>
+    <p:spTree>
+      <p:nvGrpSpPr>
+        <p:cNvPr id="1" name=""/>
+        <p:cNvGrpSpPr/>
+        <p:nvPr/>
+      </p:nvGrpSpPr>
+      <p:grpSpPr>
+        <a:xfrm>
+          <a:off x="0" y="0"/>
+          <a:ext cx="0" cy="0"/>
+          <a:chOff x="0" y="0"/>
+          <a:chExt cx="0" cy="0"/>
+        </a:xfrm>
+      </p:grpSpPr>
+      <p:sp>
+        <p:nvSpPr>
+          <p:cNvPr id="2" name="Title 1"/>
+          <p:cNvSpPr>
+            <a:spLocks noGrp="1"/>
+          </p:cNvSpPr>
+          <p:nvPr>
+            <p:ph type="title"/>
+          </p:nvPr>
+        </p:nvSpPr>
+        <p:spPr/>
+        <p:txBody>
+          <a:bodyPr/>
+          <a:lstStyle/>
+          <a:p>
+            <a:endParaRPr lang="en-US" dirty="0"/>
+          </a:p>
+        </p:txBody>
+      </p:sp>
+      <p:pic>
+        <p:nvPicPr>
+          <p:cNvPr id="13314" name="Picture 2"/>
+          <p:cNvPicPr>
+            <a:picLocks noGrp="1" noChangeAspect="1" noChangeArrowheads="1"/>
+          </p:cNvPicPr>
+          <p:nvPr>
+            <p:ph idx="1"/>
+          </p:nvPr>
+        </p:nvPicPr>
+        <p:blipFill>
+          <a:blip r:embed="rId2"/>
+          <a:srcRect/>
+          <a:stretch>
+            <a:fillRect/>
+          </a:stretch>
+        </p:blipFill>
+        <p:spPr bwMode="auto">
+          <a:xfrm>
+            <a:off x="248193" y="222069"/>
+            <a:ext cx="11652069" cy="2990850"/>
+          </a:xfrm>
+          <a:prstGeom prst="rect">
+            <a:avLst/>
+          </a:prstGeom>
+          <a:noFill/>
+          <a:ln w="9525">
+            <a:noFill/>
+            <a:miter lim="800000"/>
+            <a:headEnd/>
+            <a:tailEnd/>
+          </a:ln>
+          <a:effectLst/>
+        </p:spPr>
+      </p:pic>
+      <p:pic>
+        <p:nvPicPr>
+          <p:cNvPr id="13315" name="Picture 3"/>
+          <p:cNvPicPr>
+            <a:picLocks noChangeAspect="1" noChangeArrowheads="1"/>
+          </p:cNvPicPr>
+          <p:nvPr/>
+        </p:nvPicPr>
+        <p:blipFill>
+          <a:blip r:embed="rId3"/>
+          <a:srcRect/>
+          <a:stretch>
+            <a:fillRect/>
+          </a:stretch>
+        </p:blipFill>
+        <p:spPr bwMode="auto">
+          <a:xfrm>
+            <a:off x="485639" y="3694476"/>
+            <a:ext cx="6753225" cy="2238375"/>
+          </a:xfrm>
+          <a:prstGeom prst="rect">
+            <a:avLst/>
+          </a:prstGeom>
+          <a:noFill/>
+          <a:ln w="9525">
+            <a:noFill/>
+            <a:miter lim="800000"/>
+            <a:headEnd/>
+            <a:tailEnd/>
+          </a:ln>
+          <a:effectLst/>
+        </p:spPr>
+      </p:pic>
+    </p:spTree>
+  </p:cSld>
+  <p:clrMapOvr>
+    <a:masterClrMapping/>
+  </p:clrMapOvr>
+</p:sld>
+</file>
+
+<file path=ppt/slides/slide26.xml><?xml version="1.0" encoding="utf-8"?>
+<p:sld xmlns:a="http://schemas.openxmlformats.org/drawingml/2006/main" xmlns:r="http://schemas.openxmlformats.org/officeDocument/2006/relationships" xmlns:p="http://schemas.openxmlformats.org/presentationml/2006/main">
+  <p:cSld>
+    <p:spTree>
+      <p:nvGrpSpPr>
+        <p:cNvPr id="1" name=""/>
+        <p:cNvGrpSpPr/>
+        <p:nvPr/>
+      </p:nvGrpSpPr>
+      <p:grpSpPr>
+        <a:xfrm>
+          <a:off x="0" y="0"/>
+          <a:ext cx="0" cy="0"/>
+          <a:chOff x="0" y="0"/>
+          <a:chExt cx="0" cy="0"/>
+        </a:xfrm>
+      </p:grpSpPr>
+      <p:sp>
+        <p:nvSpPr>
+          <p:cNvPr id="2" name="Title 1"/>
+          <p:cNvSpPr>
+            <a:spLocks noGrp="1"/>
+          </p:cNvSpPr>
+          <p:nvPr>
+            <p:ph type="title"/>
+          </p:nvPr>
+        </p:nvSpPr>
+        <p:spPr/>
+        <p:txBody>
+          <a:bodyPr/>
+          <a:lstStyle/>
+          <a:p>
+            <a:endParaRPr lang="en-US"/>
+          </a:p>
+        </p:txBody>
+      </p:sp>
+      <p:sp>
+        <p:nvSpPr>
+          <p:cNvPr id="3" name="Content Placeholder 2"/>
+          <p:cNvSpPr>
+            <a:spLocks noGrp="1"/>
+          </p:cNvSpPr>
+          <p:nvPr>
+            <p:ph idx="1"/>
+          </p:nvPr>
+        </p:nvSpPr>
+        <p:spPr/>
+        <p:txBody>
+          <a:bodyPr/>
+          <a:lstStyle/>
+          <a:p>
+            <a:endParaRPr lang="en-US" dirty="0"/>
+          </a:p>
+        </p:txBody>
+      </p:sp>
+      <p:pic>
+        <p:nvPicPr>
+          <p:cNvPr id="2050" name="Picture 2"/>
+          <p:cNvPicPr>
+            <a:picLocks noChangeAspect="1" noChangeArrowheads="1"/>
+          </p:cNvPicPr>
+          <p:nvPr/>
+        </p:nvPicPr>
+        <p:blipFill>
+          <a:blip r:embed="rId2"/>
+          <a:srcRect/>
+          <a:stretch>
+            <a:fillRect/>
+          </a:stretch>
+        </p:blipFill>
+        <p:spPr bwMode="auto">
+          <a:xfrm>
+            <a:off x="901337" y="352697"/>
+            <a:ext cx="9052560" cy="5747657"/>
+          </a:xfrm>
+          <a:prstGeom prst="rect">
+            <a:avLst/>
+          </a:prstGeom>
+          <a:noFill/>
+          <a:ln w="9525">
+            <a:noFill/>
+            <a:miter lim="800000"/>
+            <a:headEnd/>
+            <a:tailEnd/>
+          </a:ln>
+          <a:effectLst/>
+        </p:spPr>
+      </p:pic>
+      <p:pic>
+        <p:nvPicPr>
+          <p:cNvPr id="16386" name="Picture 2"/>
+          <p:cNvPicPr>
+            <a:picLocks noChangeAspect="1" noChangeArrowheads="1"/>
+          </p:cNvPicPr>
+          <p:nvPr/>
+        </p:nvPicPr>
+        <p:blipFill>
+          <a:blip r:embed="rId3"/>
+          <a:srcRect/>
+          <a:stretch>
+            <a:fillRect/>
+          </a:stretch>
+        </p:blipFill>
+        <p:spPr bwMode="auto">
+          <a:xfrm>
+            <a:off x="8911862" y="5870258"/>
+            <a:ext cx="742950" cy="238125"/>
+          </a:xfrm>
+          <a:prstGeom prst="rect">
+            <a:avLst/>
+          </a:prstGeom>
+          <a:noFill/>
+          <a:ln w="9525">
+            <a:noFill/>
+            <a:miter lim="800000"/>
+            <a:headEnd/>
+            <a:tailEnd/>
+          </a:ln>
+          <a:effectLst/>
+        </p:spPr>
+      </p:pic>
+    </p:spTree>
+  </p:cSld>
+  <p:clrMapOvr>
+    <a:masterClrMapping/>
+  </p:clrMapOvr>
+</p:sld>
+</file>
+
+<file path=ppt/slides/slide27.xml><?xml version="1.0" encoding="utf-8"?>
+<p:sld xmlns:a="http://schemas.openxmlformats.org/drawingml/2006/main" xmlns:r="http://schemas.openxmlformats.org/officeDocument/2006/relationships" xmlns:p="http://schemas.openxmlformats.org/presentationml/2006/main">
+  <p:cSld>
+    <p:spTree>
+      <p:nvGrpSpPr>
+        <p:cNvPr id="1" name=""/>
+        <p:cNvGrpSpPr/>
+        <p:nvPr/>
+      </p:nvGrpSpPr>
+      <p:grpSpPr>
+        <a:xfrm>
+          <a:off x="0" y="0"/>
+          <a:ext cx="0" cy="0"/>
+          <a:chOff x="0" y="0"/>
+          <a:chExt cx="0" cy="0"/>
+        </a:xfrm>
+      </p:grpSpPr>
+      <p:sp>
+        <p:nvSpPr>
+          <p:cNvPr id="2" name="Title 1"/>
+          <p:cNvSpPr>
+            <a:spLocks noGrp="1"/>
+          </p:cNvSpPr>
+          <p:nvPr>
+            <p:ph type="title"/>
+          </p:nvPr>
+        </p:nvSpPr>
+        <p:spPr/>
+        <p:txBody>
+          <a:bodyPr/>
+          <a:lstStyle/>
+          <a:p>
+            <a:r>
+              <a:rPr lang="en-IN" dirty="0" smtClean="0"/>
+              <a:t>QUESTION</a:t>
+            </a:r>
+            <a:endParaRPr lang="en-US" dirty="0"/>
+          </a:p>
+        </p:txBody>
+      </p:sp>
+      <p:pic>
+        <p:nvPicPr>
+          <p:cNvPr id="15362" name="Picture 2"/>
+          <p:cNvPicPr>
+            <a:picLocks noGrp="1" noChangeAspect="1" noChangeArrowheads="1"/>
+          </p:cNvPicPr>
+          <p:nvPr>
+            <p:ph idx="1"/>
+          </p:nvPr>
+        </p:nvPicPr>
+        <p:blipFill>
+          <a:blip r:embed="rId2"/>
+          <a:srcRect/>
+          <a:stretch>
+            <a:fillRect/>
+          </a:stretch>
+        </p:blipFill>
+        <p:spPr bwMode="auto">
+          <a:xfrm>
+            <a:off x="1554072" y="1964168"/>
+            <a:ext cx="4276725" cy="713718"/>
+          </a:xfrm>
+          <a:prstGeom prst="rect">
+            <a:avLst/>
+          </a:prstGeom>
+          <a:noFill/>
+          <a:ln w="9525">
+            <a:noFill/>
+            <a:miter lim="800000"/>
+            <a:headEnd/>
+            <a:tailEnd/>
+          </a:ln>
+          <a:effectLst/>
+        </p:spPr>
+      </p:pic>
+      <p:pic>
+        <p:nvPicPr>
+          <p:cNvPr id="15363" name="Picture 3"/>
+          <p:cNvPicPr>
+            <a:picLocks noChangeAspect="1" noChangeArrowheads="1"/>
+          </p:cNvPicPr>
+          <p:nvPr/>
+        </p:nvPicPr>
+        <p:blipFill>
+          <a:blip r:embed="rId3"/>
+          <a:srcRect/>
+          <a:stretch>
+            <a:fillRect/>
+          </a:stretch>
+        </p:blipFill>
+        <p:spPr bwMode="auto">
+          <a:xfrm>
+            <a:off x="1788387" y="2983774"/>
+            <a:ext cx="3802516" cy="1562100"/>
+          </a:xfrm>
+          <a:prstGeom prst="rect">
+            <a:avLst/>
+          </a:prstGeom>
+          <a:noFill/>
+          <a:ln w="9525">
+            <a:noFill/>
+            <a:miter lim="800000"/>
+            <a:headEnd/>
+            <a:tailEnd/>
+          </a:ln>
+          <a:effectLst/>
+        </p:spPr>
+      </p:pic>
+    </p:spTree>
+  </p:cSld>
+  <p:clrMapOvr>
+    <a:masterClrMapping/>
+  </p:clrMapOvr>
+</p:sld>
+</file>
+
+<file path=ppt/slides/slide28.xml><?xml version="1.0" encoding="utf-8"?>
+<p:sld xmlns:a="http://schemas.openxmlformats.org/drawingml/2006/main" xmlns:r="http://schemas.openxmlformats.org/officeDocument/2006/relationships" xmlns:p="http://schemas.openxmlformats.org/presentationml/2006/main">
+  <p:cSld>
+    <p:spTree>
+      <p:nvGrpSpPr>
+        <p:cNvPr id="1" name=""/>
+        <p:cNvGrpSpPr/>
+        <p:nvPr/>
+      </p:nvGrpSpPr>
+      <p:grpSpPr>
+        <a:xfrm>
+          <a:off x="0" y="0"/>
+          <a:ext cx="0" cy="0"/>
+          <a:chOff x="0" y="0"/>
+          <a:chExt cx="0" cy="0"/>
+        </a:xfrm>
+      </p:grpSpPr>
+      <p:sp>
+        <p:nvSpPr>
+          <p:cNvPr id="4" name="Content Placeholder 13"/>
+          <p:cNvSpPr txBox="1">
+            <a:spLocks/>
+          </p:cNvSpPr>
+          <p:nvPr/>
+        </p:nvSpPr>
+        <p:spPr>
+          <a:xfrm>
             <a:off x="321126" y="135993"/>
             <a:ext cx="9791700" cy="630192"/>
           </a:xfrm>
@@ -3819,7 +8421,7 @@
 </p:sld>
 </file>
 
-<file path=ppt/slides/slide11.xml><?xml version="1.0" encoding="utf-8"?>
+<file path=ppt/slides/slide29.xml><?xml version="1.0" encoding="utf-8"?>
 <p:sld xmlns:a="http://schemas.openxmlformats.org/drawingml/2006/main" xmlns:r="http://schemas.openxmlformats.org/officeDocument/2006/relationships" xmlns:p="http://schemas.openxmlformats.org/presentationml/2006/main">
   <p:cSld>
     <p:spTree>
@@ -3853,7 +8455,7 @@
           <a:p>
             <a:r>
               <a:rPr lang="en-IN" dirty="0" smtClean="0"/>
-              <a:t>Semantic elements</a:t>
+              <a:t>ASSIGNMENT</a:t>
             </a:r>
             <a:endParaRPr lang="en-US" dirty="0"/>
           </a:p>
@@ -3861,7 +8463,7 @@
       </p:sp>
       <p:pic>
         <p:nvPicPr>
-          <p:cNvPr id="2050" name="Picture 2"/>
+          <p:cNvPr id="1027" name="Picture 3"/>
           <p:cNvPicPr>
             <a:picLocks noGrp="1" noChangeAspect="1" noChangeArrowheads="1"/>
           </p:cNvPicPr>
@@ -3878,8 +8480,8 @@
         </p:blipFill>
         <p:spPr bwMode="auto">
           <a:xfrm>
-            <a:off x="3025684" y="1777478"/>
-            <a:ext cx="5203915" cy="3324225"/>
+            <a:off x="923925" y="1737360"/>
+            <a:ext cx="10344150" cy="4545874"/>
           </a:xfrm>
           <a:prstGeom prst="rect">
             <a:avLst/>
@@ -3902,7 +8504,7 @@
 </p:sld>
 </file>
 
-<file path=ppt/slides/slide12.xml><?xml version="1.0" encoding="utf-8"?>
+<file path=ppt/slides/slide3.xml><?xml version="1.0" encoding="utf-8"?>
 <p:sld xmlns:a="http://schemas.openxmlformats.org/drawingml/2006/main" xmlns:r="http://schemas.openxmlformats.org/officeDocument/2006/relationships" xmlns:p="http://schemas.openxmlformats.org/presentationml/2006/main">
   <p:cSld>
     <p:spTree>
@@ -4112,21 +8714,37 @@
                   <a:srgbClr val="0064B5"/>
                 </a:solidFill>
               </a:rPr>
-              <a:t>HTML Elements continue..</a:t>
-            </a:r>
-          </a:p>
-        </p:txBody>
-      </p:sp>
-      <p:sp>
-        <p:nvSpPr>
-          <p:cNvPr id="10" name="Rectangle 9"/>
+              <a:t>What is </a:t>
+            </a:r>
+            <a:r>
+              <a:rPr lang="en-US" sz="3600" b="1" dirty="0" smtClean="0">
+                <a:solidFill>
+                  <a:srgbClr val="0064B5"/>
+                </a:solidFill>
+              </a:rPr>
+              <a:t>Hypertext </a:t>
+            </a:r>
+            <a:r>
+              <a:rPr lang="en-US" sz="3600" b="1" dirty="0">
+                <a:solidFill>
+                  <a:srgbClr val="0064B5"/>
+                </a:solidFill>
+              </a:rPr>
+              <a:t>&amp; Markup?</a:t>
+            </a:r>
+          </a:p>
+        </p:txBody>
+      </p:sp>
+      <p:sp>
+        <p:nvSpPr>
+          <p:cNvPr id="8" name="Rectangle 7"/>
           <p:cNvSpPr/>
           <p:nvPr/>
         </p:nvSpPr>
         <p:spPr>
           <a:xfrm>
             <a:off x="338379" y="1077598"/>
-            <a:ext cx="9236941" cy="2185214"/>
+            <a:ext cx="9236941" cy="2126864"/>
           </a:xfrm>
           <a:prstGeom prst="rect">
             <a:avLst/>
@@ -4142,337 +8760,56 @@
               <a:lnSpc>
                 <a:spcPct val="150000"/>
               </a:lnSpc>
-            </a:pPr>
-            <a:r>
-              <a:rPr lang="en-US" b="1" u="sng" dirty="0"/>
-              <a:t>HTML Lists</a:t>
-            </a:r>
-          </a:p>
-          <a:p>
-            <a:pPr marL="457200" lvl="0" indent="-346075">
-              <a:spcBef>
-                <a:spcPts val="1200"/>
-              </a:spcBef>
-              <a:buClr>
-                <a:schemeClr val="dk1"/>
-              </a:buClr>
-              <a:buSzPts val="1850"/>
-              <a:buFont typeface="Arial" pitchFamily="34" charset="0"/>
+              <a:buFont typeface="Arial" panose="020B0604020202020204" pitchFamily="34" charset="0"/>
               <a:buChar char="•"/>
             </a:pPr>
             <a:r>
-              <a:rPr lang="en-US" dirty="0">
-                <a:solidFill>
-                  <a:schemeClr val="dk1"/>
-                </a:solidFill>
-              </a:rPr>
-              <a:t>HTML lists are defined with the &lt;</a:t>
-            </a:r>
-            <a:r>
-              <a:rPr lang="en-US" dirty="0" err="1">
-                <a:solidFill>
-                  <a:schemeClr val="dk1"/>
-                </a:solidFill>
-              </a:rPr>
-              <a:t>ul</a:t>
-            </a:r>
-            <a:r>
-              <a:rPr lang="en-US" dirty="0">
-                <a:solidFill>
-                  <a:schemeClr val="dk1"/>
-                </a:solidFill>
-              </a:rPr>
-              <a:t>&gt; (unordered/bullet list) or the &lt;</a:t>
-            </a:r>
-            <a:r>
-              <a:rPr lang="en-US" dirty="0" err="1">
-                <a:solidFill>
-                  <a:schemeClr val="dk1"/>
-                </a:solidFill>
-              </a:rPr>
-              <a:t>ol</a:t>
-            </a:r>
-            <a:r>
-              <a:rPr lang="en-US" dirty="0">
-                <a:solidFill>
-                  <a:schemeClr val="dk1"/>
-                </a:solidFill>
-              </a:rPr>
-              <a:t>&gt; (ordered/numbered list) tag, followed by &lt;</a:t>
-            </a:r>
-            <a:r>
-              <a:rPr lang="en-US" dirty="0" err="1">
-                <a:solidFill>
-                  <a:schemeClr val="dk1"/>
-                </a:solidFill>
-              </a:rPr>
-              <a:t>li</a:t>
-            </a:r>
-            <a:r>
-              <a:rPr lang="en-US" dirty="0">
-                <a:solidFill>
-                  <a:schemeClr val="dk1"/>
-                </a:solidFill>
-              </a:rPr>
-              <a:t>&gt; tags (list items):</a:t>
-            </a:r>
-          </a:p>
-          <a:p>
-            <a:pPr marL="457200" lvl="0" indent="-346075">
-              <a:buClr>
-                <a:schemeClr val="dk1"/>
-              </a:buClr>
-              <a:buSzPts val="1850"/>
+              <a:rPr lang="en-US" altLang="ja-JP" dirty="0"/>
+              <a:t>Hypertext is a text which references to other text.</a:t>
+            </a:r>
+          </a:p>
+          <a:p>
+            <a:pPr marL="285750" indent="-285750">
+              <a:lnSpc>
+                <a:spcPct val="150000"/>
+              </a:lnSpc>
+              <a:buFont typeface="Arial" panose="020B0604020202020204" pitchFamily="34" charset="0"/>
+              <a:buChar char="•"/>
             </a:pPr>
-            <a:endParaRPr lang="en-IN" dirty="0">
-              <a:solidFill>
-                <a:schemeClr val="dk1"/>
-              </a:solidFill>
-            </a:endParaRPr>
-          </a:p>
-          <a:p>
-            <a:pPr marL="457200" lvl="0" indent="-346075">
-              <a:buClr>
-                <a:schemeClr val="dk1"/>
-              </a:buClr>
-              <a:buSzPts val="1850"/>
+            <a:r>
+              <a:rPr lang="en-US" altLang="ja-JP" dirty="0"/>
+              <a:t>Hypertext means machine readable text and Markup means to structure it in a specific format.</a:t>
+            </a:r>
+          </a:p>
+          <a:p>
+            <a:pPr marL="285750" indent="-285750">
+              <a:lnSpc>
+                <a:spcPct val="150000"/>
+              </a:lnSpc>
+              <a:buFont typeface="Arial" panose="020B0604020202020204" pitchFamily="34" charset="0"/>
+              <a:buChar char="•"/>
             </a:pPr>
-            <a:endParaRPr lang="en-US" dirty="0">
-              <a:solidFill>
-                <a:schemeClr val="dk1"/>
-              </a:solidFill>
-            </a:endParaRPr>
+            <a:r>
+              <a:rPr lang="en-US" altLang="ja-JP" dirty="0"/>
+              <a:t>So, HTML is called hypertext markup language because it is a language that allows users to organize, improve the appearance of, and link text with data on the internet.</a:t>
+            </a:r>
           </a:p>
           <a:p>
             <a:pPr marL="285750" indent="-285750">
               <a:lnSpc>
                 <a:spcPct val="150000"/>
               </a:lnSpc>
+              <a:buFont typeface="Arial" panose="020B0604020202020204" pitchFamily="34" charset="0"/>
+              <a:buChar char="•"/>
             </a:pPr>
-            <a:endParaRPr lang="en-US" b="1" u="sng" dirty="0"/>
-          </a:p>
-        </p:txBody>
-      </p:sp>
-      <p:sp>
-        <p:nvSpPr>
-          <p:cNvPr id="7" name="Rectangle 6"/>
-          <p:cNvSpPr/>
-          <p:nvPr/>
-        </p:nvSpPr>
-        <p:spPr>
-          <a:xfrm>
-            <a:off x="628778" y="2389099"/>
-            <a:ext cx="8176028" cy="3338004"/>
-          </a:xfrm>
-          <a:prstGeom prst="rect">
-            <a:avLst/>
-          </a:prstGeom>
-          <a:gradFill flip="none" rotWithShape="1">
-            <a:gsLst>
-              <a:gs pos="0">
-                <a:schemeClr val="bg2"/>
-              </a:gs>
-              <a:gs pos="50000">
-                <a:schemeClr val="accent3">
-                  <a:lumMod val="20000"/>
-                  <a:lumOff val="80000"/>
-                  <a:shade val="67500"/>
-                  <a:satMod val="115000"/>
-                </a:schemeClr>
-              </a:gs>
-              <a:gs pos="100000">
-                <a:schemeClr val="accent3">
-                  <a:lumMod val="20000"/>
-                  <a:lumOff val="80000"/>
-                  <a:shade val="100000"/>
-                  <a:satMod val="115000"/>
-                </a:schemeClr>
-              </a:gs>
-            </a:gsLst>
-            <a:lin ang="6600000" scaled="0"/>
-            <a:tileRect/>
-          </a:gradFill>
-          <a:ln>
-            <a:solidFill>
-              <a:schemeClr val="tx1">
-                <a:lumMod val="50000"/>
-                <a:lumOff val="50000"/>
-              </a:schemeClr>
-            </a:solidFill>
-          </a:ln>
-        </p:spPr>
-        <p:style>
-          <a:lnRef idx="2">
-            <a:schemeClr val="accent1">
-              <a:shade val="50000"/>
-            </a:schemeClr>
-          </a:lnRef>
-          <a:fillRef idx="1">
-            <a:schemeClr val="accent1"/>
-          </a:fillRef>
-          <a:effectRef idx="0">
-            <a:schemeClr val="accent1"/>
-          </a:effectRef>
-          <a:fontRef idx="minor">
-            <a:schemeClr val="lt1"/>
-          </a:fontRef>
-        </p:style>
-        <p:txBody>
-          <a:bodyPr rtlCol="0" anchor="ctr"/>
-          <a:lstStyle/>
-          <a:p>
-            <a:r>
-              <a:rPr lang="it-IT" dirty="0">
-                <a:solidFill>
-                  <a:schemeClr val="tx1"/>
-                </a:solidFill>
-              </a:rPr>
-              <a:t>&lt;ul&gt;</a:t>
-            </a:r>
-            <a:br>
-              <a:rPr lang="it-IT" dirty="0">
-                <a:solidFill>
-                  <a:schemeClr val="tx1"/>
-                </a:solidFill>
-              </a:rPr>
-            </a:br>
-            <a:r>
-              <a:rPr lang="it-IT" dirty="0">
-                <a:solidFill>
-                  <a:schemeClr val="tx1"/>
-                </a:solidFill>
-              </a:rPr>
-              <a:t>  &lt;li&gt;Coffee&lt;/li&gt;</a:t>
-            </a:r>
-            <a:br>
-              <a:rPr lang="it-IT" dirty="0">
-                <a:solidFill>
-                  <a:schemeClr val="tx1"/>
-                </a:solidFill>
-              </a:rPr>
-            </a:br>
-            <a:r>
-              <a:rPr lang="it-IT" dirty="0">
-                <a:solidFill>
-                  <a:schemeClr val="tx1"/>
-                </a:solidFill>
-              </a:rPr>
-              <a:t>  &lt;li&gt;Tea&lt;/li&gt;</a:t>
-            </a:r>
-            <a:br>
-              <a:rPr lang="it-IT" dirty="0">
-                <a:solidFill>
-                  <a:schemeClr val="tx1"/>
-                </a:solidFill>
-              </a:rPr>
-            </a:br>
-            <a:r>
-              <a:rPr lang="it-IT" dirty="0">
-                <a:solidFill>
-                  <a:schemeClr val="tx1"/>
-                </a:solidFill>
-              </a:rPr>
-              <a:t>  &lt;li&gt;Milk&lt;/li&gt;</a:t>
-            </a:r>
-            <a:br>
-              <a:rPr lang="it-IT" dirty="0">
-                <a:solidFill>
-                  <a:schemeClr val="tx1"/>
-                </a:solidFill>
-              </a:rPr>
-            </a:br>
-            <a:r>
-              <a:rPr lang="it-IT" dirty="0">
-                <a:solidFill>
-                  <a:schemeClr val="tx1"/>
-                </a:solidFill>
-              </a:rPr>
-              <a:t>&lt;/ul&gt;</a:t>
-            </a:r>
-          </a:p>
-          <a:p>
-            <a:endParaRPr lang="it-IT" dirty="0">
-              <a:solidFill>
-                <a:schemeClr val="tx1"/>
-              </a:solidFill>
-            </a:endParaRPr>
-          </a:p>
-          <a:p>
-            <a:r>
-              <a:rPr lang="it-IT" dirty="0">
-                <a:solidFill>
-                  <a:schemeClr val="tx1"/>
-                </a:solidFill>
-              </a:rPr>
-              <a:t>&lt;ol&gt;</a:t>
-            </a:r>
-            <a:br>
-              <a:rPr lang="it-IT" dirty="0">
-                <a:solidFill>
-                  <a:schemeClr val="tx1"/>
-                </a:solidFill>
-              </a:rPr>
-            </a:br>
-            <a:r>
-              <a:rPr lang="it-IT" dirty="0">
-                <a:solidFill>
-                  <a:schemeClr val="tx1"/>
-                </a:solidFill>
-              </a:rPr>
-              <a:t>  &lt;li&gt;Coffee&lt;/li&gt;</a:t>
-            </a:r>
-            <a:br>
-              <a:rPr lang="it-IT" dirty="0">
-                <a:solidFill>
-                  <a:schemeClr val="tx1"/>
-                </a:solidFill>
-              </a:rPr>
-            </a:br>
-            <a:r>
-              <a:rPr lang="it-IT" dirty="0">
-                <a:solidFill>
-                  <a:schemeClr val="tx1"/>
-                </a:solidFill>
-              </a:rPr>
-              <a:t>  &lt;li&gt;Tea&lt;/li&gt;</a:t>
-            </a:r>
-            <a:br>
-              <a:rPr lang="it-IT" dirty="0">
-                <a:solidFill>
-                  <a:schemeClr val="tx1"/>
-                </a:solidFill>
-              </a:rPr>
-            </a:br>
-            <a:r>
-              <a:rPr lang="it-IT" dirty="0">
-                <a:solidFill>
-                  <a:schemeClr val="tx1"/>
-                </a:solidFill>
-              </a:rPr>
-              <a:t>  &lt;li&gt;Milk&lt;/li&gt;</a:t>
-            </a:r>
-            <a:br>
-              <a:rPr lang="it-IT" dirty="0">
-                <a:solidFill>
-                  <a:schemeClr val="tx1"/>
-                </a:solidFill>
-              </a:rPr>
-            </a:br>
-            <a:r>
-              <a:rPr lang="it-IT" dirty="0">
-                <a:solidFill>
-                  <a:schemeClr val="tx1"/>
-                </a:solidFill>
-              </a:rPr>
-              <a:t>&lt;/ol&gt;</a:t>
-            </a:r>
+            <a:endParaRPr lang="en-US" altLang="ja-JP" dirty="0"/>
           </a:p>
         </p:txBody>
       </p:sp>
     </p:spTree>
     <p:extLst>
       <p:ext uri="{BB962C8B-B14F-4D97-AF65-F5344CB8AC3E}">
-        <p14:creationId xmlns:p14="http://schemas.microsoft.com/office/powerpoint/2010/main" xmlns="" val="1328577666"/>
+        <p14:creationId xmlns="" xmlns:p14="http://schemas.microsoft.com/office/powerpoint/2010/main" val="1328577666"/>
       </p:ext>
     </p:extLst>
   </p:cSld>
@@ -4489,7 +8826,7 @@
 </p:sld>
 </file>
 
-<file path=ppt/slides/slide13.xml><?xml version="1.0" encoding="utf-8"?>
+<file path=ppt/slides/slide30.xml><?xml version="1.0" encoding="utf-8"?>
 <p:sld xmlns:a="http://schemas.openxmlformats.org/drawingml/2006/main" xmlns:r="http://schemas.openxmlformats.org/officeDocument/2006/relationships" xmlns:p="http://schemas.openxmlformats.org/presentationml/2006/main">
   <p:cSld>
     <p:spTree>
@@ -4523,7 +8860,7 @@
           <a:p>
             <a:r>
               <a:rPr lang="en-IN" dirty="0" smtClean="0"/>
-              <a:t>Media tag</a:t>
+              <a:t>HTML ATTRIBUTE  Q&amp;A</a:t>
             </a:r>
             <a:endParaRPr lang="en-US" dirty="0"/>
           </a:p>
@@ -4531,7 +8868,7 @@
       </p:sp>
       <p:pic>
         <p:nvPicPr>
-          <p:cNvPr id="1026" name="Picture 2"/>
+          <p:cNvPr id="2050" name="Picture 2"/>
           <p:cNvPicPr>
             <a:picLocks noGrp="1" noChangeAspect="1" noChangeArrowheads="1"/>
           </p:cNvPicPr>
@@ -4548,74 +8885,8 @@
         </p:blipFill>
         <p:spPr bwMode="auto">
           <a:xfrm>
-            <a:off x="726213" y="1719920"/>
-            <a:ext cx="6219825" cy="1924050"/>
-          </a:xfrm>
-          <a:prstGeom prst="rect">
-            <a:avLst/>
-          </a:prstGeom>
-          <a:noFill/>
-          <a:ln w="9525">
-            <a:noFill/>
-            <a:miter lim="800000"/>
-            <a:headEnd/>
-            <a:tailEnd/>
-          </a:ln>
-          <a:effectLst/>
-        </p:spPr>
-      </p:pic>
-      <p:pic>
-        <p:nvPicPr>
-          <p:cNvPr id="1027" name="Picture 3"/>
-          <p:cNvPicPr>
-            <a:picLocks noChangeAspect="1" noChangeArrowheads="1"/>
-          </p:cNvPicPr>
-          <p:nvPr/>
-        </p:nvPicPr>
-        <p:blipFill>
-          <a:blip r:embed="rId3"/>
-          <a:srcRect/>
-          <a:stretch>
-            <a:fillRect/>
-          </a:stretch>
-        </p:blipFill>
-        <p:spPr bwMode="auto">
-          <a:xfrm>
-            <a:off x="768259" y="3864156"/>
-            <a:ext cx="5848350" cy="1428750"/>
-          </a:xfrm>
-          <a:prstGeom prst="rect">
-            <a:avLst/>
-          </a:prstGeom>
-          <a:noFill/>
-          <a:ln w="9525">
-            <a:noFill/>
-            <a:miter lim="800000"/>
-            <a:headEnd/>
-            <a:tailEnd/>
-          </a:ln>
-          <a:effectLst/>
-        </p:spPr>
-      </p:pic>
-      <p:pic>
-        <p:nvPicPr>
-          <p:cNvPr id="1028" name="Picture 4"/>
-          <p:cNvPicPr>
-            <a:picLocks noChangeAspect="1" noChangeArrowheads="1"/>
-          </p:cNvPicPr>
-          <p:nvPr/>
-        </p:nvPicPr>
-        <p:blipFill>
-          <a:blip r:embed="rId4"/>
-          <a:srcRect/>
-          <a:stretch>
-            <a:fillRect/>
-          </a:stretch>
-        </p:blipFill>
-        <p:spPr bwMode="auto">
-          <a:xfrm>
-            <a:off x="819014" y="5377271"/>
-            <a:ext cx="5172075" cy="1276350"/>
+            <a:off x="888274" y="1515291"/>
+            <a:ext cx="11521440" cy="5016138"/>
           </a:xfrm>
           <a:prstGeom prst="rect">
             <a:avLst/>
@@ -4638,7 +8909,7 @@
 </p:sld>
 </file>
 
-<file path=ppt/slides/slide2.xml><?xml version="1.0" encoding="utf-8"?>
+<file path=ppt/slides/slide31.xml><?xml version="1.0" encoding="utf-8"?>
 <p:sld xmlns:a="http://schemas.openxmlformats.org/drawingml/2006/main" xmlns:r="http://schemas.openxmlformats.org/officeDocument/2006/relationships" xmlns:p="http://schemas.openxmlformats.org/presentationml/2006/main">
   <p:cSld>
     <p:spTree>
@@ -4657,466 +8928,6 @@
       </p:grpSpPr>
       <p:sp>
         <p:nvSpPr>
-          <p:cNvPr id="4" name="Content Placeholder 13"/>
-          <p:cNvSpPr txBox="1">
-            <a:spLocks/>
-          </p:cNvSpPr>
-          <p:nvPr/>
-        </p:nvSpPr>
-        <p:spPr>
-          <a:xfrm>
-            <a:off x="269367" y="222257"/>
-            <a:ext cx="9791700" cy="630192"/>
-          </a:xfrm>
-          <a:prstGeom prst="rect">
-            <a:avLst/>
-          </a:prstGeom>
-        </p:spPr>
-        <p:txBody>
-          <a:bodyPr vert="horz" lIns="91440" tIns="45720" rIns="91440" bIns="45720" rtlCol="0">
-            <a:noAutofit/>
-          </a:bodyPr>
-          <a:lstStyle>
-            <a:lvl1pPr marL="0" indent="0" algn="ctr" defTabSz="914400" rtl="0" eaLnBrk="1" latinLnBrk="0" hangingPunct="1">
-              <a:lnSpc>
-                <a:spcPct val="90000"/>
-              </a:lnSpc>
-              <a:spcBef>
-                <a:spcPts val="1000"/>
-              </a:spcBef>
-              <a:buFont typeface="Arial" panose="020B0604020202020204" pitchFamily="34" charset="0"/>
-              <a:buNone/>
-              <a:defRPr kumimoji="1" sz="2400" kern="1200">
-                <a:solidFill>
-                  <a:schemeClr val="tx1"/>
-                </a:solidFill>
-                <a:latin typeface="+mn-lt"/>
-                <a:ea typeface="+mn-ea"/>
-                <a:cs typeface="+mn-cs"/>
-              </a:defRPr>
-            </a:lvl1pPr>
-            <a:lvl2pPr marL="457200" indent="0" algn="ctr" defTabSz="914400" rtl="0" eaLnBrk="1" latinLnBrk="0" hangingPunct="1">
-              <a:lnSpc>
-                <a:spcPct val="90000"/>
-              </a:lnSpc>
-              <a:spcBef>
-                <a:spcPts val="500"/>
-              </a:spcBef>
-              <a:buFont typeface="Arial" panose="020B0604020202020204" pitchFamily="34" charset="0"/>
-              <a:buNone/>
-              <a:defRPr kumimoji="1" sz="2000" kern="1200">
-                <a:solidFill>
-                  <a:schemeClr val="tx1"/>
-                </a:solidFill>
-                <a:latin typeface="+mn-lt"/>
-                <a:ea typeface="+mn-ea"/>
-                <a:cs typeface="+mn-cs"/>
-              </a:defRPr>
-            </a:lvl2pPr>
-            <a:lvl3pPr marL="914400" indent="0" algn="ctr" defTabSz="914400" rtl="0" eaLnBrk="1" latinLnBrk="0" hangingPunct="1">
-              <a:lnSpc>
-                <a:spcPct val="90000"/>
-              </a:lnSpc>
-              <a:spcBef>
-                <a:spcPts val="500"/>
-              </a:spcBef>
-              <a:buFont typeface="Arial" panose="020B0604020202020204" pitchFamily="34" charset="0"/>
-              <a:buNone/>
-              <a:defRPr kumimoji="1" sz="1800" kern="1200">
-                <a:solidFill>
-                  <a:schemeClr val="tx1"/>
-                </a:solidFill>
-                <a:latin typeface="+mn-lt"/>
-                <a:ea typeface="+mn-ea"/>
-                <a:cs typeface="+mn-cs"/>
-              </a:defRPr>
-            </a:lvl3pPr>
-            <a:lvl4pPr marL="1371600" indent="0" algn="ctr" defTabSz="914400" rtl="0" eaLnBrk="1" latinLnBrk="0" hangingPunct="1">
-              <a:lnSpc>
-                <a:spcPct val="90000"/>
-              </a:lnSpc>
-              <a:spcBef>
-                <a:spcPts val="500"/>
-              </a:spcBef>
-              <a:buFont typeface="Arial" panose="020B0604020202020204" pitchFamily="34" charset="0"/>
-              <a:buNone/>
-              <a:defRPr kumimoji="1" sz="1600" kern="1200">
-                <a:solidFill>
-                  <a:schemeClr val="tx1"/>
-                </a:solidFill>
-                <a:latin typeface="+mn-lt"/>
-                <a:ea typeface="+mn-ea"/>
-                <a:cs typeface="+mn-cs"/>
-              </a:defRPr>
-            </a:lvl4pPr>
-            <a:lvl5pPr marL="1828800" indent="0" algn="ctr" defTabSz="914400" rtl="0" eaLnBrk="1" latinLnBrk="0" hangingPunct="1">
-              <a:lnSpc>
-                <a:spcPct val="90000"/>
-              </a:lnSpc>
-              <a:spcBef>
-                <a:spcPts val="500"/>
-              </a:spcBef>
-              <a:buFont typeface="Arial" panose="020B0604020202020204" pitchFamily="34" charset="0"/>
-              <a:buNone/>
-              <a:defRPr kumimoji="1" sz="1600" kern="1200">
-                <a:solidFill>
-                  <a:schemeClr val="tx1"/>
-                </a:solidFill>
-                <a:latin typeface="+mn-lt"/>
-                <a:ea typeface="+mn-ea"/>
-                <a:cs typeface="+mn-cs"/>
-              </a:defRPr>
-            </a:lvl5pPr>
-            <a:lvl6pPr marL="2286000" indent="0" algn="ctr" defTabSz="914400" rtl="0" eaLnBrk="1" latinLnBrk="0" hangingPunct="1">
-              <a:lnSpc>
-                <a:spcPct val="90000"/>
-              </a:lnSpc>
-              <a:spcBef>
-                <a:spcPts val="500"/>
-              </a:spcBef>
-              <a:buFont typeface="Arial" panose="020B0604020202020204" pitchFamily="34" charset="0"/>
-              <a:buNone/>
-              <a:defRPr kumimoji="1" sz="1600" kern="1200">
-                <a:solidFill>
-                  <a:schemeClr val="tx1"/>
-                </a:solidFill>
-                <a:latin typeface="+mn-lt"/>
-                <a:ea typeface="+mn-ea"/>
-                <a:cs typeface="+mn-cs"/>
-              </a:defRPr>
-            </a:lvl6pPr>
-            <a:lvl7pPr marL="2743200" indent="0" algn="ctr" defTabSz="914400" rtl="0" eaLnBrk="1" latinLnBrk="0" hangingPunct="1">
-              <a:lnSpc>
-                <a:spcPct val="90000"/>
-              </a:lnSpc>
-              <a:spcBef>
-                <a:spcPts val="500"/>
-              </a:spcBef>
-              <a:buFont typeface="Arial" panose="020B0604020202020204" pitchFamily="34" charset="0"/>
-              <a:buNone/>
-              <a:defRPr kumimoji="1" sz="1600" kern="1200">
-                <a:solidFill>
-                  <a:schemeClr val="tx1"/>
-                </a:solidFill>
-                <a:latin typeface="+mn-lt"/>
-                <a:ea typeface="+mn-ea"/>
-                <a:cs typeface="+mn-cs"/>
-              </a:defRPr>
-            </a:lvl7pPr>
-            <a:lvl8pPr marL="3200400" indent="0" algn="ctr" defTabSz="914400" rtl="0" eaLnBrk="1" latinLnBrk="0" hangingPunct="1">
-              <a:lnSpc>
-                <a:spcPct val="90000"/>
-              </a:lnSpc>
-              <a:spcBef>
-                <a:spcPts val="500"/>
-              </a:spcBef>
-              <a:buFont typeface="Arial" panose="020B0604020202020204" pitchFamily="34" charset="0"/>
-              <a:buNone/>
-              <a:defRPr kumimoji="1" sz="1600" kern="1200">
-                <a:solidFill>
-                  <a:schemeClr val="tx1"/>
-                </a:solidFill>
-                <a:latin typeface="+mn-lt"/>
-                <a:ea typeface="+mn-ea"/>
-                <a:cs typeface="+mn-cs"/>
-              </a:defRPr>
-            </a:lvl8pPr>
-            <a:lvl9pPr marL="3657600" indent="0" algn="ctr" defTabSz="914400" rtl="0" eaLnBrk="1" latinLnBrk="0" hangingPunct="1">
-              <a:lnSpc>
-                <a:spcPct val="90000"/>
-              </a:lnSpc>
-              <a:spcBef>
-                <a:spcPts val="500"/>
-              </a:spcBef>
-              <a:buFont typeface="Arial" panose="020B0604020202020204" pitchFamily="34" charset="0"/>
-              <a:buNone/>
-              <a:defRPr kumimoji="1" sz="1600" kern="1200">
-                <a:solidFill>
-                  <a:schemeClr val="tx1"/>
-                </a:solidFill>
-                <a:latin typeface="+mn-lt"/>
-                <a:ea typeface="+mn-ea"/>
-                <a:cs typeface="+mn-cs"/>
-              </a:defRPr>
-            </a:lvl9pPr>
-          </a:lstStyle>
-          <a:p>
-            <a:pPr algn="l"/>
-            <a:r>
-              <a:rPr lang="en-IN" sz="3600" b="1" dirty="0" smtClean="0">
-                <a:solidFill>
-                  <a:srgbClr val="0064B5"/>
-                </a:solidFill>
-              </a:rPr>
-              <a:t>What is Meta tag</a:t>
-            </a:r>
-            <a:endParaRPr lang="en-US" sz="3600" b="1" dirty="0">
-              <a:solidFill>
-                <a:srgbClr val="0064B5"/>
-              </a:solidFill>
-            </a:endParaRPr>
-          </a:p>
-        </p:txBody>
-      </p:sp>
-      <p:sp>
-        <p:nvSpPr>
-          <p:cNvPr id="8" name="Rectangle 7"/>
-          <p:cNvSpPr/>
-          <p:nvPr/>
-        </p:nvSpPr>
-        <p:spPr>
-          <a:xfrm>
-            <a:off x="312499" y="870564"/>
-            <a:ext cx="10806950" cy="5201424"/>
-          </a:xfrm>
-          <a:prstGeom prst="rect">
-            <a:avLst/>
-          </a:prstGeom>
-        </p:spPr>
-        <p:txBody>
-          <a:bodyPr wrap="square">
-            <a:spAutoFit/>
-          </a:bodyPr>
-          <a:lstStyle/>
-          <a:p>
-            <a:pPr marL="285750" indent="-285750">
-              <a:lnSpc>
-                <a:spcPct val="150000"/>
-              </a:lnSpc>
-            </a:pPr>
-            <a:r>
-              <a:rPr lang="en-US" altLang="ja-JP" b="1" u="sng" dirty="0"/>
-              <a:t>The &lt;meta&gt; Element</a:t>
-            </a:r>
-          </a:p>
-          <a:p>
-            <a:pPr marL="285750" lvl="0" indent="-285750">
-              <a:lnSpc>
-                <a:spcPct val="150000"/>
-              </a:lnSpc>
-              <a:buFont typeface="Arial" panose="020B0604020202020204" pitchFamily="34" charset="0"/>
-              <a:buChar char="•"/>
-            </a:pPr>
-            <a:r>
-              <a:rPr lang="en-US" altLang="ja-JP" dirty="0"/>
-              <a:t>The &lt;meta&gt; element is typically used to specify the character set, page description, keywords, author of the document, and viewport settings.</a:t>
-            </a:r>
-          </a:p>
-          <a:p>
-            <a:pPr lvl="0">
-              <a:spcBef>
-                <a:spcPts val="1200"/>
-              </a:spcBef>
-            </a:pPr>
-            <a:r>
-              <a:rPr lang="en-GB" b="1" dirty="0">
-                <a:solidFill>
-                  <a:schemeClr val="dk1"/>
-                </a:solidFill>
-              </a:rPr>
-              <a:t>Define the character set used:</a:t>
-            </a:r>
-          </a:p>
-          <a:p>
-            <a:pPr lvl="0">
-              <a:spcBef>
-                <a:spcPts val="1200"/>
-              </a:spcBef>
-            </a:pPr>
-            <a:r>
-              <a:rPr lang="en-GB" dirty="0">
-                <a:solidFill>
-                  <a:schemeClr val="dk1"/>
-                </a:solidFill>
-              </a:rPr>
-              <a:t>&lt;meta </a:t>
-            </a:r>
-            <a:r>
-              <a:rPr lang="en-GB" dirty="0" err="1">
-                <a:solidFill>
-                  <a:schemeClr val="dk1"/>
-                </a:solidFill>
-              </a:rPr>
-              <a:t>charset</a:t>
-            </a:r>
-            <a:r>
-              <a:rPr lang="en-GB" dirty="0">
-                <a:solidFill>
-                  <a:schemeClr val="dk1"/>
-                </a:solidFill>
-              </a:rPr>
-              <a:t>="UTF-8"&gt;</a:t>
-            </a:r>
-          </a:p>
-          <a:p>
-            <a:pPr lvl="0">
-              <a:spcBef>
-                <a:spcPts val="1200"/>
-              </a:spcBef>
-            </a:pPr>
-            <a:r>
-              <a:rPr lang="en-GB" b="1" dirty="0">
-                <a:solidFill>
-                  <a:schemeClr val="dk1"/>
-                </a:solidFill>
-              </a:rPr>
-              <a:t>Define a description of your web page:</a:t>
-            </a:r>
-          </a:p>
-          <a:p>
-            <a:pPr lvl="0">
-              <a:spcBef>
-                <a:spcPts val="1200"/>
-              </a:spcBef>
-            </a:pPr>
-            <a:r>
-              <a:rPr lang="en-GB" dirty="0">
-                <a:solidFill>
-                  <a:schemeClr val="dk1"/>
-                </a:solidFill>
-              </a:rPr>
-              <a:t>&lt;meta name="description" content=“Web Development Training"&gt;</a:t>
-            </a:r>
-          </a:p>
-          <a:p>
-            <a:pPr lvl="0">
-              <a:spcBef>
-                <a:spcPts val="1200"/>
-              </a:spcBef>
-            </a:pPr>
-            <a:r>
-              <a:rPr lang="en-GB" b="1" dirty="0">
-                <a:solidFill>
-                  <a:schemeClr val="dk1"/>
-                </a:solidFill>
-              </a:rPr>
-              <a:t>Define the author of a page:</a:t>
-            </a:r>
-          </a:p>
-          <a:p>
-            <a:pPr lvl="0">
-              <a:spcBef>
-                <a:spcPts val="1200"/>
-              </a:spcBef>
-            </a:pPr>
-            <a:r>
-              <a:rPr lang="en-GB" dirty="0">
-                <a:solidFill>
-                  <a:schemeClr val="dk1"/>
-                </a:solidFill>
-              </a:rPr>
-              <a:t>&lt;meta name="author" content</a:t>
-            </a:r>
-            <a:r>
-              <a:rPr lang="en-GB" dirty="0" smtClean="0">
-                <a:solidFill>
-                  <a:schemeClr val="dk1"/>
-                </a:solidFill>
-              </a:rPr>
-              <a:t>=“</a:t>
-            </a:r>
-            <a:r>
-              <a:rPr lang="en-GB" dirty="0" err="1" smtClean="0">
-                <a:solidFill>
-                  <a:schemeClr val="dk1"/>
-                </a:solidFill>
-              </a:rPr>
-              <a:t>Amol</a:t>
-            </a:r>
-            <a:r>
-              <a:rPr lang="en-GB" dirty="0" smtClean="0">
-                <a:solidFill>
-                  <a:schemeClr val="dk1"/>
-                </a:solidFill>
-              </a:rPr>
-              <a:t>"&gt;</a:t>
-            </a:r>
-            <a:endParaRPr lang="en-GB" dirty="0">
-              <a:solidFill>
-                <a:schemeClr val="dk1"/>
-              </a:solidFill>
-            </a:endParaRPr>
-          </a:p>
-          <a:p>
-            <a:pPr lvl="0">
-              <a:spcBef>
-                <a:spcPts val="1200"/>
-              </a:spcBef>
-            </a:pPr>
-            <a:r>
-              <a:rPr lang="en-GB" b="1" dirty="0">
-                <a:solidFill>
-                  <a:schemeClr val="dk1"/>
-                </a:solidFill>
-              </a:rPr>
-              <a:t>Setting the viewport to make your website look good on all devices:</a:t>
-            </a:r>
-          </a:p>
-          <a:p>
-            <a:pPr lvl="0">
-              <a:spcBef>
-                <a:spcPts val="1200"/>
-              </a:spcBef>
-            </a:pPr>
-            <a:r>
-              <a:rPr lang="en-GB" dirty="0">
-                <a:solidFill>
-                  <a:schemeClr val="dk1"/>
-                </a:solidFill>
-              </a:rPr>
-              <a:t>&lt;meta name="viewport" content="width=device-width, initial-scale=1.0"&gt;</a:t>
-            </a:r>
-            <a:endParaRPr lang="en-US" altLang="ja-JP" dirty="0"/>
-          </a:p>
-          <a:p>
-            <a:pPr marL="285750" indent="-285750">
-              <a:lnSpc>
-                <a:spcPct val="150000"/>
-              </a:lnSpc>
-            </a:pPr>
-            <a:endParaRPr lang="en-US" altLang="ja-JP" dirty="0"/>
-          </a:p>
-        </p:txBody>
-      </p:sp>
-    </p:spTree>
-    <p:extLst>
-      <p:ext uri="{BB962C8B-B14F-4D97-AF65-F5344CB8AC3E}">
-        <p14:creationId xmlns:p14="http://schemas.microsoft.com/office/powerpoint/2010/main" xmlns="" val="1328577666"/>
-      </p:ext>
-    </p:extLst>
-  </p:cSld>
-  <p:clrMapOvr>
-    <a:masterClrMapping/>
-  </p:clrMapOvr>
-  <p:timing>
-    <p:tnLst>
-      <p:par>
-        <p:cTn id="1" dur="indefinite" restart="never" nodeType="tmRoot"/>
-      </p:par>
-    </p:tnLst>
-  </p:timing>
-</p:sld>
-</file>
-
-<file path=ppt/slides/slide3.xml><?xml version="1.0" encoding="utf-8"?>
-<p:sld xmlns:a="http://schemas.openxmlformats.org/drawingml/2006/main" xmlns:r="http://schemas.openxmlformats.org/officeDocument/2006/relationships" xmlns:p="http://schemas.openxmlformats.org/presentationml/2006/main">
-  <p:cSld>
-    <p:spTree>
-      <p:nvGrpSpPr>
-        <p:cNvPr id="1" name=""/>
-        <p:cNvGrpSpPr/>
-        <p:nvPr/>
-      </p:nvGrpSpPr>
-      <p:grpSpPr>
-        <a:xfrm>
-          <a:off x="0" y="0"/>
-          <a:ext cx="0" cy="0"/>
-          <a:chOff x="0" y="0"/>
-          <a:chExt cx="0" cy="0"/>
-        </a:xfrm>
-      </p:grpSpPr>
-      <p:sp>
-        <p:nvSpPr>
           <p:cNvPr id="2" name="Title 1"/>
           <p:cNvSpPr>
             <a:spLocks noGrp="1"/>
@@ -5132,7 +8943,7 @@
           <a:p>
             <a:r>
               <a:rPr lang="en-IN" dirty="0" smtClean="0"/>
-              <a:t>Open graph</a:t>
+              <a:t>QUESTION?</a:t>
             </a:r>
             <a:endParaRPr lang="en-US" dirty="0"/>
           </a:p>
@@ -5153,13 +8964,13 @@
           <a:bodyPr/>
           <a:lstStyle/>
           <a:p>
-            <a:endParaRPr lang="en-US"/>
+            <a:endParaRPr lang="en-US" dirty="0"/>
           </a:p>
         </p:txBody>
       </p:sp>
       <p:pic>
         <p:nvPicPr>
-          <p:cNvPr id="1026" name="Picture 2"/>
+          <p:cNvPr id="4099" name="Picture 3"/>
           <p:cNvPicPr>
             <a:picLocks noChangeAspect="1" noChangeArrowheads="1"/>
           </p:cNvPicPr>
@@ -5174,41 +8985,8 @@
         </p:blipFill>
         <p:spPr bwMode="auto">
           <a:xfrm>
-            <a:off x="1750287" y="2279333"/>
-            <a:ext cx="7724775" cy="3762375"/>
-          </a:xfrm>
-          <a:prstGeom prst="rect">
-            <a:avLst/>
-          </a:prstGeom>
-          <a:noFill/>
-          <a:ln w="9525">
-            <a:noFill/>
-            <a:miter lim="800000"/>
-            <a:headEnd/>
-            <a:tailEnd/>
-          </a:ln>
-          <a:effectLst/>
-        </p:spPr>
-      </p:pic>
-      <p:pic>
-        <p:nvPicPr>
-          <p:cNvPr id="1027" name="Picture 3"/>
-          <p:cNvPicPr>
-            <a:picLocks noChangeAspect="1" noChangeArrowheads="1"/>
-          </p:cNvPicPr>
-          <p:nvPr/>
-        </p:nvPicPr>
-        <p:blipFill>
-          <a:blip r:embed="rId3"/>
-          <a:srcRect/>
-          <a:stretch>
-            <a:fillRect/>
-          </a:stretch>
-        </p:blipFill>
-        <p:spPr bwMode="auto">
-          <a:xfrm>
-            <a:off x="5498374" y="347663"/>
-            <a:ext cx="5715000" cy="1590675"/>
+            <a:off x="679268" y="1737360"/>
+            <a:ext cx="10411097" cy="4694480"/>
           </a:xfrm>
           <a:prstGeom prst="rect">
             <a:avLst/>
@@ -5436,222 +9214,49 @@
           <a:p>
             <a:pPr algn="l"/>
             <a:r>
-              <a:rPr lang="en-US" sz="3600" b="1" dirty="0">
+              <a:rPr lang="en-US" sz="3600" b="1" dirty="0" smtClean="0">
                 <a:solidFill>
                   <a:srgbClr val="0064B5"/>
                 </a:solidFill>
               </a:rPr>
-              <a:t>Main Categories of Elements and Attributes</a:t>
-            </a:r>
-          </a:p>
-        </p:txBody>
-      </p:sp>
-      <p:sp>
-        <p:nvSpPr>
-          <p:cNvPr id="10" name="Rectangle 9"/>
-          <p:cNvSpPr/>
+              <a:t>History of HTML</a:t>
+            </a:r>
+            <a:endParaRPr lang="en-US" sz="3600" b="1" dirty="0">
+              <a:solidFill>
+                <a:srgbClr val="0064B5"/>
+              </a:solidFill>
+            </a:endParaRPr>
+          </a:p>
+        </p:txBody>
+      </p:sp>
+      <p:pic>
+        <p:nvPicPr>
+          <p:cNvPr id="9" name="Picture 8" descr="wh.png"/>
+          <p:cNvPicPr>
+            <a:picLocks noChangeAspect="1"/>
+          </p:cNvPicPr>
           <p:nvPr/>
-        </p:nvSpPr>
+        </p:nvPicPr>
+        <p:blipFill>
+          <a:blip r:embed="rId2"/>
+          <a:stretch>
+            <a:fillRect/>
+          </a:stretch>
+        </p:blipFill>
         <p:spPr>
           <a:xfrm>
-            <a:off x="338379" y="1077598"/>
-            <a:ext cx="9236941" cy="5493812"/>
+            <a:off x="2239945" y="2011557"/>
+            <a:ext cx="7712109" cy="2834886"/>
           </a:xfrm>
           <a:prstGeom prst="rect">
             <a:avLst/>
           </a:prstGeom>
         </p:spPr>
-        <p:txBody>
-          <a:bodyPr wrap="square">
-            <a:spAutoFit/>
-          </a:bodyPr>
-          <a:lstStyle/>
-          <a:p>
-            <a:pPr marL="285750" indent="-285750">
-              <a:lnSpc>
-                <a:spcPct val="150000"/>
-              </a:lnSpc>
-            </a:pPr>
-            <a:r>
-              <a:rPr lang="en-US" altLang="ja-JP" dirty="0"/>
-              <a:t>The main categories of elements are mentioned below:</a:t>
-            </a:r>
-          </a:p>
-          <a:p>
-            <a:pPr marL="285750" indent="-285750">
-              <a:lnSpc>
-                <a:spcPct val="150000"/>
-              </a:lnSpc>
-              <a:buFont typeface="Arial" pitchFamily="34" charset="0"/>
-              <a:buChar char="•"/>
-            </a:pPr>
-            <a:r>
-              <a:rPr lang="en-US" altLang="ja-JP" dirty="0"/>
-              <a:t>Block level elements </a:t>
-            </a:r>
-            <a:r>
-              <a:rPr lang="en-US" altLang="ja-JP" dirty="0" smtClean="0"/>
-              <a:t>:</a:t>
-            </a:r>
-          </a:p>
-          <a:p>
-            <a:pPr marL="285750" indent="-285750">
-              <a:lnSpc>
-                <a:spcPct val="150000"/>
-              </a:lnSpc>
-            </a:pPr>
-            <a:r>
-              <a:rPr lang="en-US" altLang="ja-JP" dirty="0" smtClean="0"/>
-              <a:t>	 </a:t>
-            </a:r>
-            <a:r>
-              <a:rPr lang="en-US" altLang="ja-JP" dirty="0"/>
-              <a:t>&lt;div&gt;, &lt;p&gt;, &lt;h1&gt; to &lt;h6&gt;, &lt;form&gt;, &lt;table&gt; etc.,</a:t>
-            </a:r>
-          </a:p>
-          <a:p>
-            <a:pPr marL="285750" indent="-285750">
-              <a:lnSpc>
-                <a:spcPct val="150000"/>
-              </a:lnSpc>
-              <a:buFont typeface="Arial" pitchFamily="34" charset="0"/>
-              <a:buChar char="•"/>
-            </a:pPr>
-            <a:r>
-              <a:rPr lang="en-US" altLang="ja-JP" dirty="0"/>
-              <a:t>Inline elements : </a:t>
-            </a:r>
-            <a:endParaRPr lang="en-US" altLang="ja-JP" dirty="0" smtClean="0"/>
-          </a:p>
-          <a:p>
-            <a:pPr marL="742950" lvl="1" indent="-285750">
-              <a:lnSpc>
-                <a:spcPct val="150000"/>
-              </a:lnSpc>
-            </a:pPr>
-            <a:r>
-              <a:rPr lang="en-US" altLang="ja-JP" dirty="0" smtClean="0"/>
-              <a:t>&lt;</a:t>
-            </a:r>
-            <a:r>
-              <a:rPr lang="en-US" altLang="ja-JP" dirty="0" err="1"/>
-              <a:t>img</a:t>
-            </a:r>
-            <a:r>
-              <a:rPr lang="en-US" altLang="ja-JP" dirty="0"/>
-              <a:t>&gt;, &lt;a&gt;, &lt;span&gt;, &lt;input&gt; etc.,</a:t>
-            </a:r>
-          </a:p>
-          <a:p>
-            <a:pPr marL="285750" indent="-285750">
-              <a:lnSpc>
-                <a:spcPct val="150000"/>
-              </a:lnSpc>
-            </a:pPr>
-            <a:endParaRPr lang="en-IN" altLang="ja-JP" dirty="0" smtClean="0"/>
-          </a:p>
-          <a:p>
-            <a:pPr marL="285750" indent="-285750">
-              <a:lnSpc>
-                <a:spcPct val="150000"/>
-              </a:lnSpc>
-            </a:pPr>
-            <a:endParaRPr lang="en-IN" altLang="ja-JP" dirty="0"/>
-          </a:p>
-          <a:p>
-            <a:pPr marL="285750" lvl="0" indent="-285750">
-              <a:lnSpc>
-                <a:spcPct val="150000"/>
-              </a:lnSpc>
-            </a:pPr>
-            <a:r>
-              <a:rPr lang="en-GB" b="1" u="sng" dirty="0"/>
-              <a:t>Attributes:</a:t>
-            </a:r>
-          </a:p>
-          <a:p>
-            <a:pPr marL="285750" indent="-285750">
-              <a:lnSpc>
-                <a:spcPct val="150000"/>
-              </a:lnSpc>
-              <a:buFont typeface="Arial" pitchFamily="34" charset="0"/>
-              <a:buChar char="•"/>
-            </a:pPr>
-            <a:r>
-              <a:rPr lang="en-US" dirty="0"/>
-              <a:t>Attributes are something </a:t>
-            </a:r>
-            <a:r>
-              <a:rPr lang="en-US" dirty="0" smtClean="0"/>
-              <a:t>which </a:t>
-            </a:r>
-            <a:r>
-              <a:rPr lang="en-US" dirty="0"/>
-              <a:t>give the additional information of the element. </a:t>
-            </a:r>
-            <a:endParaRPr lang="en-US" dirty="0" smtClean="0"/>
-          </a:p>
-          <a:p>
-            <a:pPr marL="285750" indent="-285750">
-              <a:lnSpc>
-                <a:spcPct val="150000"/>
-              </a:lnSpc>
-            </a:pPr>
-            <a:r>
-              <a:rPr lang="en-US" i="1" dirty="0" smtClean="0"/>
-              <a:t>	Ex</a:t>
-            </a:r>
-            <a:r>
-              <a:rPr lang="en-US" i="1" dirty="0"/>
-              <a:t>. name, width, height, alt, </a:t>
-            </a:r>
-            <a:r>
-              <a:rPr lang="en-US" i="1" dirty="0" smtClean="0"/>
-              <a:t>title, </a:t>
-            </a:r>
-            <a:r>
-              <a:rPr lang="en-US" i="1" dirty="0" err="1" smtClean="0"/>
-              <a:t>href</a:t>
-            </a:r>
-            <a:r>
-              <a:rPr lang="en-US" i="1" dirty="0" smtClean="0"/>
-              <a:t>, id</a:t>
-            </a:r>
-            <a:r>
-              <a:rPr lang="en-US" i="1" dirty="0"/>
-              <a:t>, class, etc.,</a:t>
-            </a:r>
-          </a:p>
-          <a:p>
-            <a:pPr marL="285750" lvl="0" indent="-285750">
-              <a:lnSpc>
-                <a:spcPct val="150000"/>
-              </a:lnSpc>
-            </a:pPr>
-            <a:endParaRPr lang="en-GB" b="1" u="sng" dirty="0"/>
-          </a:p>
-          <a:p>
-            <a:pPr marL="285750" indent="-285750">
-              <a:lnSpc>
-                <a:spcPct val="150000"/>
-              </a:lnSpc>
-            </a:pPr>
-            <a:endParaRPr lang="en-US" altLang="ja-JP" dirty="0"/>
-          </a:p>
-          <a:p>
-            <a:pPr marL="285750" indent="-285750">
-              <a:lnSpc>
-                <a:spcPct val="150000"/>
-              </a:lnSpc>
-            </a:pPr>
-            <a:endParaRPr lang="en-US" altLang="ja-JP" dirty="0"/>
-          </a:p>
-        </p:txBody>
-      </p:sp>
+      </p:pic>
     </p:spTree>
     <p:extLst>
       <p:ext uri="{BB962C8B-B14F-4D97-AF65-F5344CB8AC3E}">
-        <p14:creationId xmlns:p14="http://schemas.microsoft.com/office/powerpoint/2010/main" xmlns="" val="1328577666"/>
+        <p14:creationId xmlns="" xmlns:p14="http://schemas.microsoft.com/office/powerpoint/2010/main" val="1328577666"/>
       </p:ext>
     </p:extLst>
   </p:cSld>
@@ -5878,21 +9483,21 @@
                   <a:srgbClr val="0064B5"/>
                 </a:solidFill>
               </a:rPr>
-              <a:t>HTML Block and Inline Elements</a:t>
-            </a:r>
-          </a:p>
-        </p:txBody>
-      </p:sp>
-      <p:sp>
-        <p:nvSpPr>
-          <p:cNvPr id="10" name="Rectangle 9"/>
+              <a:t>Structure of HTML</a:t>
+            </a:r>
+          </a:p>
+        </p:txBody>
+      </p:sp>
+      <p:sp>
+        <p:nvSpPr>
+          <p:cNvPr id="8" name="Rectangle 7"/>
           <p:cNvSpPr/>
           <p:nvPr/>
         </p:nvSpPr>
         <p:spPr>
           <a:xfrm>
             <a:off x="338379" y="1077598"/>
-            <a:ext cx="9236941" cy="4247317"/>
+            <a:ext cx="9236941" cy="923330"/>
           </a:xfrm>
           <a:prstGeom prst="rect">
             <a:avLst/>
@@ -5908,122 +9513,60 @@
               <a:lnSpc>
                 <a:spcPct val="150000"/>
               </a:lnSpc>
-            </a:pPr>
-            <a:r>
-              <a:rPr lang="en-US" dirty="0"/>
-              <a:t>Every HTML element has a default display value, depending on what type of element it is.</a:t>
-            </a:r>
-          </a:p>
-          <a:p>
-            <a:pPr marL="285750" indent="-285750">
-              <a:lnSpc>
-                <a:spcPct val="150000"/>
-              </a:lnSpc>
               <a:buFont typeface="Arial" panose="020B0604020202020204" pitchFamily="34" charset="0"/>
               <a:buChar char="•"/>
             </a:pPr>
-            <a:r>
-              <a:rPr lang="en-US" dirty="0"/>
-              <a:t>There are two display values: block and inline.</a:t>
-            </a:r>
+            <a:endParaRPr lang="en-IN" altLang="ja-JP" dirty="0"/>
           </a:p>
           <a:p>
             <a:pPr marL="285750" indent="-285750">
               <a:lnSpc>
                 <a:spcPct val="150000"/>
               </a:lnSpc>
-            </a:pPr>
-            <a:endParaRPr lang="en-IN" dirty="0"/>
-          </a:p>
-          <a:p>
-            <a:pPr marL="285750" indent="-285750">
-              <a:lnSpc>
-                <a:spcPct val="150000"/>
-              </a:lnSpc>
-            </a:pPr>
-            <a:r>
-              <a:rPr lang="en-US" b="1" u="sng" dirty="0"/>
-              <a:t>Block-level Elements:</a:t>
-            </a:r>
-          </a:p>
-          <a:p>
-            <a:pPr marL="285750" indent="-285750">
-              <a:lnSpc>
-                <a:spcPct val="150000"/>
-              </a:lnSpc>
-              <a:buFont typeface="Arial" pitchFamily="34" charset="0"/>
+              <a:buFont typeface="Arial" panose="020B0604020202020204" pitchFamily="34" charset="0"/>
               <a:buChar char="•"/>
             </a:pPr>
-            <a:r>
-              <a:rPr lang="en-US" dirty="0"/>
-              <a:t>A block-level element always begins a new line on a web page.</a:t>
-            </a:r>
-          </a:p>
-          <a:p>
-            <a:pPr marL="285750" indent="-285750">
-              <a:lnSpc>
-                <a:spcPct val="150000"/>
-              </a:lnSpc>
-              <a:buFont typeface="Arial" pitchFamily="34" charset="0"/>
-              <a:buChar char="•"/>
-            </a:pPr>
-            <a:r>
-              <a:rPr lang="en-US" dirty="0"/>
-              <a:t>It extends the full width of the available horizontal space of its parent element.</a:t>
-            </a:r>
-          </a:p>
-          <a:p>
-            <a:pPr marL="285750" indent="-285750">
-              <a:lnSpc>
-                <a:spcPct val="150000"/>
-              </a:lnSpc>
-              <a:buFont typeface="Arial" pitchFamily="34" charset="0"/>
-              <a:buChar char="•"/>
-            </a:pPr>
-            <a:r>
-              <a:rPr lang="en-US" dirty="0"/>
-              <a:t>A block level element has a top and a bottom margin, whereas an inline element does not.</a:t>
-            </a:r>
-          </a:p>
-          <a:p>
-            <a:pPr marL="285750" indent="-285750">
-              <a:lnSpc>
-                <a:spcPct val="150000"/>
-              </a:lnSpc>
-              <a:buFont typeface="Arial" pitchFamily="34" charset="0"/>
-              <a:buChar char="•"/>
-            </a:pPr>
-            <a:r>
-              <a:rPr lang="en-US" dirty="0" err="1"/>
-              <a:t>Eg</a:t>
-            </a:r>
-            <a:r>
-              <a:rPr lang="en-US" dirty="0"/>
-              <a:t>: &lt;div&gt;&lt;/div&gt;</a:t>
-            </a:r>
-          </a:p>
-          <a:p>
-            <a:pPr marL="285750" indent="-285750">
-              <a:lnSpc>
-                <a:spcPct val="150000"/>
-              </a:lnSpc>
-            </a:pPr>
-            <a:endParaRPr lang="en-US" dirty="0"/>
-          </a:p>
-          <a:p>
-            <a:pPr marL="285750" indent="-285750">
-              <a:lnSpc>
-                <a:spcPct val="150000"/>
-              </a:lnSpc>
-            </a:pPr>
-            <a:endParaRPr lang="en-US" dirty="0"/>
-          </a:p>
-        </p:txBody>
-      </p:sp>
+            <a:endParaRPr lang="en-US" altLang="ja-JP" dirty="0"/>
+          </a:p>
+        </p:txBody>
+      </p:sp>
+      <p:pic>
+        <p:nvPicPr>
+          <p:cNvPr id="1028" name="Picture 4"/>
+          <p:cNvPicPr>
+            <a:picLocks noChangeAspect="1" noChangeArrowheads="1"/>
+          </p:cNvPicPr>
+          <p:nvPr/>
+        </p:nvPicPr>
+        <p:blipFill>
+          <a:blip r:embed="rId2"/>
+          <a:srcRect/>
+          <a:stretch>
+            <a:fillRect/>
+          </a:stretch>
+        </p:blipFill>
+        <p:spPr bwMode="auto">
+          <a:xfrm>
+            <a:off x="418652" y="1086937"/>
+            <a:ext cx="7928577" cy="4769240"/>
+          </a:xfrm>
+          <a:prstGeom prst="rect">
+            <a:avLst/>
+          </a:prstGeom>
+          <a:noFill/>
+          <a:ln w="9525">
+            <a:noFill/>
+            <a:miter lim="800000"/>
+            <a:headEnd/>
+            <a:tailEnd/>
+          </a:ln>
+          <a:effectLst/>
+        </p:spPr>
+      </p:pic>
     </p:spTree>
     <p:extLst>
       <p:ext uri="{BB962C8B-B14F-4D97-AF65-F5344CB8AC3E}">
-        <p14:creationId xmlns:p14="http://schemas.microsoft.com/office/powerpoint/2010/main" xmlns="" val="1328577666"/>
+        <p14:creationId xmlns="" xmlns:p14="http://schemas.microsoft.com/office/powerpoint/2010/main" val="1328577666"/>
       </p:ext>
     </p:extLst>
   </p:cSld>
@@ -6250,21 +9793,37 @@
                   <a:srgbClr val="0064B5"/>
                 </a:solidFill>
               </a:rPr>
-              <a:t>HTML Block and Inline Elements continue..</a:t>
-            </a:r>
-          </a:p>
-        </p:txBody>
-      </p:sp>
-      <p:sp>
-        <p:nvSpPr>
-          <p:cNvPr id="10" name="Rectangle 9"/>
+              <a:t>&lt;!</a:t>
+            </a:r>
+            <a:r>
+              <a:rPr lang="en-US" sz="3600" b="1" dirty="0" err="1">
+                <a:solidFill>
+                  <a:srgbClr val="0064B5"/>
+                </a:solidFill>
+              </a:rPr>
+              <a:t>Doctype</a:t>
+            </a:r>
+            <a:r>
+              <a:rPr lang="en-US" sz="3600" b="1" dirty="0">
+                <a:solidFill>
+                  <a:srgbClr val="0064B5"/>
+                </a:solidFill>
+              </a:rPr>
+              <a:t> html&gt; Declaration</a:t>
+            </a:r>
+          </a:p>
+        </p:txBody>
+      </p:sp>
+      <p:sp>
+        <p:nvSpPr>
+          <p:cNvPr id="8" name="Rectangle 7"/>
           <p:cNvSpPr/>
           <p:nvPr/>
         </p:nvSpPr>
         <p:spPr>
           <a:xfrm>
             <a:off x="338379" y="1077598"/>
-            <a:ext cx="9236941" cy="2746906"/>
+            <a:ext cx="9236941" cy="923330"/>
           </a:xfrm>
           <a:prstGeom prst="rect">
             <a:avLst/>
@@ -6280,141 +9839,55 @@
               <a:lnSpc>
                 <a:spcPct val="150000"/>
               </a:lnSpc>
-            </a:pPr>
-            <a:r>
-              <a:rPr lang="en-US" b="1" u="sng" dirty="0"/>
-              <a:t>Inline Elements</a:t>
-            </a:r>
-          </a:p>
-          <a:p>
-            <a:pPr marL="457200" lvl="0" indent="-346075">
-              <a:spcBef>
-                <a:spcPts val="1200"/>
-              </a:spcBef>
-              <a:buClr>
-                <a:schemeClr val="dk1"/>
-              </a:buClr>
-              <a:buSzPts val="1850"/>
-              <a:buFont typeface="Arial" pitchFamily="34" charset="0"/>
+              <a:buFont typeface="Arial" panose="020B0604020202020204" pitchFamily="34" charset="0"/>
               <a:buChar char="•"/>
             </a:pPr>
-            <a:r>
-              <a:rPr lang="en-US" dirty="0">
-                <a:solidFill>
-                  <a:schemeClr val="dk1"/>
-                </a:solidFill>
-              </a:rPr>
-              <a:t>An inline element does not start on a new line.</a:t>
-            </a:r>
-          </a:p>
-          <a:p>
-            <a:pPr marL="457200" lvl="0" indent="-346075">
-              <a:buClr>
-                <a:schemeClr val="dk1"/>
-              </a:buClr>
-              <a:buSzPts val="1850"/>
-              <a:buFont typeface="Arial" pitchFamily="34" charset="0"/>
+            <a:endParaRPr lang="en-IN" altLang="ja-JP" dirty="0"/>
+          </a:p>
+          <a:p>
+            <a:pPr marL="285750" indent="-285750">
+              <a:lnSpc>
+                <a:spcPct val="150000"/>
+              </a:lnSpc>
+              <a:buFont typeface="Arial" panose="020B0604020202020204" pitchFamily="34" charset="0"/>
               <a:buChar char="•"/>
             </a:pPr>
-            <a:r>
-              <a:rPr lang="en-US" dirty="0">
-                <a:solidFill>
-                  <a:schemeClr val="dk1"/>
-                </a:solidFill>
-              </a:rPr>
-              <a:t>An inline element only takes up as much width as necessary.</a:t>
-            </a:r>
-          </a:p>
-          <a:p>
-            <a:pPr marL="457200" lvl="0" indent="-346075">
-              <a:buClr>
-                <a:schemeClr val="dk1"/>
-              </a:buClr>
-              <a:buSzPts val="1850"/>
-              <a:buFont typeface="Arial" pitchFamily="34" charset="0"/>
-              <a:buChar char="•"/>
-            </a:pPr>
-            <a:r>
-              <a:rPr lang="en-US" dirty="0" err="1">
-                <a:solidFill>
-                  <a:schemeClr val="dk1"/>
-                </a:solidFill>
-              </a:rPr>
-              <a:t>Eg</a:t>
-            </a:r>
-            <a:r>
-              <a:rPr lang="en-US" dirty="0">
-                <a:solidFill>
-                  <a:schemeClr val="dk1"/>
-                </a:solidFill>
-              </a:rPr>
-              <a:t>: &lt;span&gt;&lt;/span&gt;</a:t>
-            </a:r>
-          </a:p>
-          <a:p>
-            <a:pPr marL="457200" lvl="0" indent="-346075">
-              <a:buClr>
-                <a:schemeClr val="dk1"/>
-              </a:buClr>
-              <a:buSzPts val="1850"/>
-            </a:pPr>
-            <a:endParaRPr lang="en-IN" dirty="0">
-              <a:solidFill>
-                <a:schemeClr val="dk1"/>
-              </a:solidFill>
-            </a:endParaRPr>
-          </a:p>
-          <a:p>
-            <a:pPr marL="457200" indent="-346075">
-              <a:buClr>
-                <a:schemeClr val="dk1"/>
-              </a:buClr>
-              <a:buSzPts val="1850"/>
-            </a:pPr>
-            <a:r>
-              <a:rPr lang="en-US" b="1" dirty="0">
-                <a:solidFill>
-                  <a:schemeClr val="dk1"/>
-                </a:solidFill>
-              </a:rPr>
-              <a:t>Note</a:t>
-            </a:r>
-            <a:r>
-              <a:rPr lang="en-US" dirty="0">
-                <a:solidFill>
-                  <a:schemeClr val="dk1"/>
-                </a:solidFill>
-              </a:rPr>
-              <a:t>: An inline element cannot contain a block-level element!</a:t>
-            </a:r>
-          </a:p>
-          <a:p>
-            <a:pPr marL="457200" lvl="0" indent="-346075">
-              <a:buClr>
-                <a:schemeClr val="dk1"/>
-              </a:buClr>
-              <a:buSzPts val="1850"/>
-            </a:pPr>
-            <a:endParaRPr lang="en-US" dirty="0">
-              <a:solidFill>
-                <a:schemeClr val="dk1"/>
-              </a:solidFill>
-            </a:endParaRPr>
-          </a:p>
-          <a:p>
-            <a:pPr marL="285750" indent="-285750">
-              <a:lnSpc>
-                <a:spcPct val="150000"/>
-              </a:lnSpc>
-            </a:pPr>
-            <a:endParaRPr lang="en-US" b="1" u="sng" dirty="0"/>
-          </a:p>
-        </p:txBody>
-      </p:sp>
+            <a:endParaRPr lang="en-US" altLang="ja-JP" dirty="0"/>
+          </a:p>
+        </p:txBody>
+      </p:sp>
+      <p:pic>
+        <p:nvPicPr>
+          <p:cNvPr id="10" name="Google Shape;163;p28"/>
+          <p:cNvPicPr preferRelativeResize="0"/>
+          <p:nvPr/>
+        </p:nvPicPr>
+        <p:blipFill>
+          <a:blip r:embed="rId2">
+            <a:alphaModFix/>
+          </a:blip>
+          <a:stretch>
+            <a:fillRect/>
+          </a:stretch>
+        </p:blipFill>
+        <p:spPr>
+          <a:xfrm>
+            <a:off x="112144" y="1159798"/>
+            <a:ext cx="11277906" cy="3989251"/>
+          </a:xfrm>
+          <a:prstGeom prst="rect">
+            <a:avLst/>
+          </a:prstGeom>
+          <a:noFill/>
+          <a:ln>
+            <a:noFill/>
+          </a:ln>
+        </p:spPr>
+      </p:pic>
     </p:spTree>
     <p:extLst>
       <p:ext uri="{BB962C8B-B14F-4D97-AF65-F5344CB8AC3E}">
-        <p14:creationId xmlns:p14="http://schemas.microsoft.com/office/powerpoint/2010/main" xmlns="" val="1328577666"/>
+        <p14:creationId xmlns="" xmlns:p14="http://schemas.microsoft.com/office/powerpoint/2010/main" val="1328577666"/>
       </p:ext>
     </p:extLst>
   </p:cSld>
@@ -6458,7 +9931,7 @@
         </p:nvSpPr>
         <p:spPr>
           <a:xfrm>
-            <a:off x="321126" y="153246"/>
+            <a:off x="208984" y="120769"/>
             <a:ext cx="9791700" cy="630192"/>
           </a:xfrm>
           <a:prstGeom prst="rect">
@@ -6636,26 +10109,31 @@
           <a:p>
             <a:pPr algn="l"/>
             <a:r>
-              <a:rPr lang="en-US" sz="3600" b="1" dirty="0">
+              <a:rPr lang="en-US" sz="3600" b="1" dirty="0" smtClean="0">
                 <a:solidFill>
                   <a:srgbClr val="0064B5"/>
                 </a:solidFill>
               </a:rPr>
-              <a:t>HTML Elements continue..</a:t>
-            </a:r>
-          </a:p>
-        </p:txBody>
-      </p:sp>
-      <p:sp>
-        <p:nvSpPr>
-          <p:cNvPr id="10" name="Rectangle 9"/>
+              <a:t>HTML – Head Tag Containers</a:t>
+            </a:r>
+            <a:endParaRPr lang="en-US" sz="3600" b="1" dirty="0">
+              <a:solidFill>
+                <a:srgbClr val="0064B5"/>
+              </a:solidFill>
+            </a:endParaRPr>
+          </a:p>
+        </p:txBody>
+      </p:sp>
+      <p:sp>
+        <p:nvSpPr>
+          <p:cNvPr id="8" name="Rectangle 7"/>
           <p:cNvSpPr/>
           <p:nvPr/>
         </p:nvSpPr>
         <p:spPr>
           <a:xfrm>
-            <a:off x="355632" y="767535"/>
-            <a:ext cx="9236941" cy="5493812"/>
+            <a:off x="312499" y="870564"/>
+            <a:ext cx="10806950" cy="3000821"/>
           </a:xfrm>
           <a:prstGeom prst="rect">
             <a:avLst/>
@@ -6673,12 +10151,16 @@
               </a:lnSpc>
             </a:pPr>
             <a:r>
-              <a:rPr lang="en-IN" altLang="ja-JP" b="1" u="sng" dirty="0"/>
-              <a:t>HTML &lt;div&gt; Tag</a:t>
-            </a:r>
-          </a:p>
-          <a:p>
-            <a:pPr marL="285750" lvl="0" indent="-285750">
+              <a:rPr lang="en-US" altLang="ja-JP" b="1" u="sng" dirty="0"/>
+              <a:t>The Head </a:t>
+            </a:r>
+            <a:r>
+              <a:rPr lang="en-US" altLang="ja-JP" b="1" u="sng" dirty="0" smtClean="0"/>
+              <a:t>Element</a:t>
+            </a:r>
+          </a:p>
+          <a:p>
+            <a:pPr marL="285750" indent="-285750">
               <a:lnSpc>
                 <a:spcPct val="150000"/>
               </a:lnSpc>
@@ -6686,12 +10168,12 @@
               <a:buChar char="•"/>
             </a:pPr>
             <a:r>
-              <a:rPr lang="en-US" altLang="ja-JP" dirty="0"/>
-              <a:t>The &lt;div&gt; tag defines a division or a section in an HTML document.</a:t>
-            </a:r>
-          </a:p>
-          <a:p>
-            <a:pPr marL="285750" lvl="0" indent="-285750">
+              <a:rPr lang="en-IN" altLang="ja-JP" dirty="0" smtClean="0"/>
+              <a:t>Title tag</a:t>
+            </a:r>
+          </a:p>
+          <a:p>
+            <a:pPr marL="285750" indent="-285750">
               <a:lnSpc>
                 <a:spcPct val="150000"/>
               </a:lnSpc>
@@ -6699,8 +10181,8 @@
               <a:buChar char="•"/>
             </a:pPr>
             <a:r>
-              <a:rPr lang="en-US" altLang="ja-JP" dirty="0"/>
-              <a:t>The &lt;div&gt; element is often used as a container for other HTML elements</a:t>
+              <a:rPr lang="en-IN" altLang="ja-JP" dirty="0" smtClean="0"/>
+              <a:t>Style tag</a:t>
             </a:r>
           </a:p>
           <a:p>
@@ -6708,100 +10190,39 @@
               <a:lnSpc>
                 <a:spcPct val="150000"/>
               </a:lnSpc>
-            </a:pPr>
-            <a:endParaRPr lang="en-IN" altLang="ja-JP" dirty="0"/>
-          </a:p>
-          <a:p>
-            <a:pPr marL="285750" indent="-285750">
-              <a:lnSpc>
-                <a:spcPct val="150000"/>
-              </a:lnSpc>
-            </a:pPr>
-            <a:endParaRPr lang="en-IN" altLang="ja-JP" dirty="0"/>
-          </a:p>
-          <a:p>
-            <a:pPr marL="285750" indent="-285750">
-              <a:lnSpc>
-                <a:spcPct val="150000"/>
-              </a:lnSpc>
-              <a:buFont typeface="Arial" panose="020B0604020202020204" pitchFamily="34" charset="0"/>
-              <a:buChar char="•"/>
-            </a:pPr>
-            <a:endParaRPr lang="en-IN" altLang="ja-JP" dirty="0"/>
-          </a:p>
-          <a:p>
-            <a:pPr marL="285750" indent="-285750">
-              <a:lnSpc>
-                <a:spcPct val="150000"/>
-              </a:lnSpc>
-            </a:pPr>
-            <a:endParaRPr lang="en-IN" altLang="ja-JP" b="1" u="sng" dirty="0"/>
-          </a:p>
-          <a:p>
-            <a:pPr marL="285750" indent="-285750">
-              <a:lnSpc>
-                <a:spcPct val="150000"/>
-              </a:lnSpc>
-            </a:pPr>
-            <a:r>
-              <a:rPr lang="en-IN" altLang="ja-JP" b="1" u="sng" dirty="0"/>
-              <a:t>HTML &lt;span&gt; Tag</a:t>
-            </a:r>
-          </a:p>
-          <a:p>
-            <a:pPr marL="457200" lvl="0" indent="-342900">
-              <a:buClr>
-                <a:schemeClr val="dk1"/>
-              </a:buClr>
-              <a:buSzPts val="1800"/>
               <a:buFont typeface="Arial" pitchFamily="34" charset="0"/>
               <a:buChar char="•"/>
             </a:pPr>
             <a:r>
-              <a:rPr lang="en-US" dirty="0">
-                <a:solidFill>
-                  <a:schemeClr val="dk1"/>
-                </a:solidFill>
-              </a:rPr>
-              <a:t>The &lt;span&gt; tag is used to group inline-elements in a document.</a:t>
-            </a:r>
-          </a:p>
-          <a:p>
-            <a:pPr marL="457200" lvl="0" indent="-342900">
-              <a:buClr>
-                <a:schemeClr val="dk1"/>
-              </a:buClr>
-              <a:buSzPts val="1800"/>
+              <a:rPr lang="en-IN" altLang="ja-JP" dirty="0" smtClean="0"/>
+              <a:t>Link tag</a:t>
+            </a:r>
+          </a:p>
+          <a:p>
+            <a:pPr marL="285750" indent="-285750">
+              <a:lnSpc>
+                <a:spcPct val="150000"/>
+              </a:lnSpc>
               <a:buFont typeface="Arial" pitchFamily="34" charset="0"/>
               <a:buChar char="•"/>
             </a:pPr>
             <a:r>
-              <a:rPr lang="en-US" dirty="0">
-                <a:solidFill>
-                  <a:schemeClr val="dk1"/>
-                </a:solidFill>
-              </a:rPr>
-              <a:t>The &lt;span&gt; tag provides no visual change by itself.</a:t>
-            </a:r>
-          </a:p>
-          <a:p>
-            <a:pPr marL="457200" lvl="0" indent="-342900">
-              <a:buClr>
-                <a:schemeClr val="dk1"/>
-              </a:buClr>
-              <a:buSzPts val="1800"/>
+              <a:rPr lang="en-IN" altLang="ja-JP" dirty="0" smtClean="0"/>
+              <a:t>Script tag</a:t>
+            </a:r>
+          </a:p>
+          <a:p>
+            <a:pPr marL="285750" indent="-285750">
+              <a:lnSpc>
+                <a:spcPct val="150000"/>
+              </a:lnSpc>
               <a:buFont typeface="Arial" pitchFamily="34" charset="0"/>
               <a:buChar char="•"/>
             </a:pPr>
             <a:r>
-              <a:rPr lang="en-US" dirty="0">
-                <a:solidFill>
-                  <a:schemeClr val="dk1"/>
-                </a:solidFill>
-              </a:rPr>
-              <a:t>The &lt;span&gt; tag provides a way to add a hook to a part of a text or a part of a document</a:t>
-            </a:r>
-            <a:endParaRPr lang="en-IN" altLang="ja-JP" b="1" u="sng" dirty="0"/>
+              <a:rPr lang="en-IN" altLang="ja-JP" dirty="0" smtClean="0"/>
+              <a:t>Meta tag</a:t>
+            </a:r>
           </a:p>
           <a:p>
             <a:pPr marL="285750" indent="-285750">
@@ -6809,264 +10230,7 @@
                 <a:spcPct val="150000"/>
               </a:lnSpc>
             </a:pPr>
-            <a:endParaRPr lang="en-IN" altLang="ja-JP" dirty="0"/>
-          </a:p>
-          <a:p>
-            <a:pPr marL="285750" indent="-285750">
-              <a:lnSpc>
-                <a:spcPct val="150000"/>
-              </a:lnSpc>
-            </a:pPr>
-            <a:r>
-              <a:rPr lang="en-US" b="1" i="1" dirty="0"/>
-              <a:t> 								</a:t>
-            </a:r>
             <a:endParaRPr lang="en-US" altLang="ja-JP" dirty="0"/>
-          </a:p>
-          <a:p>
-            <a:pPr marL="285750" indent="-285750">
-              <a:lnSpc>
-                <a:spcPct val="150000"/>
-              </a:lnSpc>
-              <a:buFont typeface="Arial" panose="020B0604020202020204" pitchFamily="34" charset="0"/>
-              <a:buChar char="•"/>
-            </a:pPr>
-            <a:endParaRPr lang="en-IN" altLang="ja-JP" dirty="0"/>
-          </a:p>
-        </p:txBody>
-      </p:sp>
-      <p:sp>
-        <p:nvSpPr>
-          <p:cNvPr id="12" name="Rectangle 11"/>
-          <p:cNvSpPr/>
-          <p:nvPr/>
-        </p:nvSpPr>
-        <p:spPr>
-          <a:xfrm>
-            <a:off x="569343" y="5089585"/>
-            <a:ext cx="7237563" cy="552091"/>
-          </a:xfrm>
-          <a:prstGeom prst="rect">
-            <a:avLst/>
-          </a:prstGeom>
-          <a:gradFill flip="none" rotWithShape="1">
-            <a:gsLst>
-              <a:gs pos="0">
-                <a:schemeClr val="bg2"/>
-              </a:gs>
-              <a:gs pos="50000">
-                <a:schemeClr val="accent3">
-                  <a:lumMod val="20000"/>
-                  <a:lumOff val="80000"/>
-                  <a:shade val="67500"/>
-                  <a:satMod val="115000"/>
-                </a:schemeClr>
-              </a:gs>
-              <a:gs pos="100000">
-                <a:schemeClr val="accent3">
-                  <a:lumMod val="20000"/>
-                  <a:lumOff val="80000"/>
-                  <a:shade val="100000"/>
-                  <a:satMod val="115000"/>
-                </a:schemeClr>
-              </a:gs>
-            </a:gsLst>
-            <a:lin ang="6600000" scaled="0"/>
-            <a:tileRect/>
-          </a:gradFill>
-          <a:ln>
-            <a:solidFill>
-              <a:schemeClr val="tx1">
-                <a:lumMod val="50000"/>
-                <a:lumOff val="50000"/>
-              </a:schemeClr>
-            </a:solidFill>
-          </a:ln>
-        </p:spPr>
-        <p:style>
-          <a:lnRef idx="2">
-            <a:schemeClr val="accent1">
-              <a:shade val="50000"/>
-            </a:schemeClr>
-          </a:lnRef>
-          <a:fillRef idx="1">
-            <a:schemeClr val="accent1"/>
-          </a:fillRef>
-          <a:effectRef idx="0">
-            <a:schemeClr val="accent1"/>
-          </a:effectRef>
-          <a:fontRef idx="minor">
-            <a:schemeClr val="lt1"/>
-          </a:fontRef>
-        </p:style>
-        <p:txBody>
-          <a:bodyPr rtlCol="0" anchor="ctr"/>
-          <a:lstStyle/>
-          <a:p>
-            <a:r>
-              <a:rPr lang="en-US" dirty="0">
-                <a:solidFill>
-                  <a:schemeClr val="tx1"/>
-                </a:solidFill>
-              </a:rPr>
-              <a:t>&lt;p&gt;My mother has &lt;span style="</a:t>
-            </a:r>
-            <a:r>
-              <a:rPr lang="en-US" dirty="0" err="1">
-                <a:solidFill>
-                  <a:schemeClr val="tx1"/>
-                </a:solidFill>
-              </a:rPr>
-              <a:t>color:blue</a:t>
-            </a:r>
-            <a:r>
-              <a:rPr lang="en-US" dirty="0">
-                <a:solidFill>
-                  <a:schemeClr val="tx1"/>
-                </a:solidFill>
-              </a:rPr>
-              <a:t>"&gt;blue&lt;/span&gt; eyes.&lt;/p&gt;</a:t>
-            </a:r>
-          </a:p>
-        </p:txBody>
-      </p:sp>
-      <p:sp>
-        <p:nvSpPr>
-          <p:cNvPr id="14" name="Rectangle 13"/>
-          <p:cNvSpPr/>
-          <p:nvPr/>
-        </p:nvSpPr>
-        <p:spPr>
-          <a:xfrm>
-            <a:off x="480205" y="2101968"/>
-            <a:ext cx="5428890" cy="1365850"/>
-          </a:xfrm>
-          <a:prstGeom prst="rect">
-            <a:avLst/>
-          </a:prstGeom>
-          <a:gradFill flip="none" rotWithShape="1">
-            <a:gsLst>
-              <a:gs pos="0">
-                <a:schemeClr val="bg2"/>
-              </a:gs>
-              <a:gs pos="50000">
-                <a:schemeClr val="accent3">
-                  <a:lumMod val="20000"/>
-                  <a:lumOff val="80000"/>
-                  <a:shade val="67500"/>
-                  <a:satMod val="115000"/>
-                </a:schemeClr>
-              </a:gs>
-              <a:gs pos="100000">
-                <a:schemeClr val="accent3">
-                  <a:lumMod val="20000"/>
-                  <a:lumOff val="80000"/>
-                  <a:shade val="100000"/>
-                  <a:satMod val="115000"/>
-                </a:schemeClr>
-              </a:gs>
-            </a:gsLst>
-            <a:lin ang="6600000" scaled="0"/>
-            <a:tileRect/>
-          </a:gradFill>
-          <a:ln>
-            <a:solidFill>
-              <a:schemeClr val="tx1">
-                <a:lumMod val="50000"/>
-                <a:lumOff val="50000"/>
-              </a:schemeClr>
-            </a:solidFill>
-          </a:ln>
-        </p:spPr>
-        <p:style>
-          <a:lnRef idx="2">
-            <a:schemeClr val="accent1">
-              <a:shade val="50000"/>
-            </a:schemeClr>
-          </a:lnRef>
-          <a:fillRef idx="1">
-            <a:schemeClr val="accent1"/>
-          </a:fillRef>
-          <a:effectRef idx="0">
-            <a:schemeClr val="accent1"/>
-          </a:effectRef>
-          <a:fontRef idx="minor">
-            <a:schemeClr val="lt1"/>
-          </a:fontRef>
-        </p:style>
-        <p:txBody>
-          <a:bodyPr rtlCol="0" anchor="ctr"/>
-          <a:lstStyle/>
-          <a:p>
-            <a:r>
-              <a:rPr lang="en-US" dirty="0">
-                <a:solidFill>
-                  <a:schemeClr val="tx1"/>
-                </a:solidFill>
-              </a:rPr>
-              <a:t>&lt;div style="background-</a:t>
-            </a:r>
-            <a:r>
-              <a:rPr lang="en-US" dirty="0" err="1">
-                <a:solidFill>
-                  <a:schemeClr val="tx1"/>
-                </a:solidFill>
-              </a:rPr>
-              <a:t>color:lightblue</a:t>
-            </a:r>
-            <a:r>
-              <a:rPr lang="en-US" dirty="0">
-                <a:solidFill>
-                  <a:schemeClr val="tx1"/>
-                </a:solidFill>
-              </a:rPr>
-              <a:t>"&gt;</a:t>
-            </a:r>
-            <a:br>
-              <a:rPr lang="en-US" dirty="0">
-                <a:solidFill>
-                  <a:schemeClr val="tx1"/>
-                </a:solidFill>
-              </a:rPr>
-            </a:br>
-            <a:r>
-              <a:rPr lang="en-US" dirty="0">
-                <a:solidFill>
-                  <a:schemeClr val="tx1"/>
-                </a:solidFill>
-              </a:rPr>
-              <a:t>  &lt;h3&gt;This is a heading&lt;/h3&gt;</a:t>
-            </a:r>
-            <a:br>
-              <a:rPr lang="en-US" dirty="0">
-                <a:solidFill>
-                  <a:schemeClr val="tx1"/>
-                </a:solidFill>
-              </a:rPr>
-            </a:br>
-            <a:r>
-              <a:rPr lang="en-US" dirty="0">
-                <a:solidFill>
-                  <a:schemeClr val="tx1"/>
-                </a:solidFill>
-              </a:rPr>
-              <a:t>  &lt;p&gt;This is a paragraph.&lt;/p&gt;</a:t>
-            </a:r>
-            <a:br>
-              <a:rPr lang="en-US" dirty="0">
-                <a:solidFill>
-                  <a:schemeClr val="tx1"/>
-                </a:solidFill>
-              </a:rPr>
-            </a:br>
-            <a:r>
-              <a:rPr lang="en-US" dirty="0">
-                <a:solidFill>
-                  <a:schemeClr val="tx1"/>
-                </a:solidFill>
-              </a:rPr>
-              <a:t>&lt;/div&gt;</a:t>
-            </a:r>
           </a:p>
         </p:txBody>
       </p:sp>
@@ -7109,67 +10273,370 @@
       </p:grpSpPr>
       <p:sp>
         <p:nvSpPr>
-          <p:cNvPr id="2" name="Title 1"/>
-          <p:cNvSpPr>
-            <a:spLocks noGrp="1"/>
+          <p:cNvPr id="4" name="Content Placeholder 13"/>
+          <p:cNvSpPr txBox="1">
+            <a:spLocks/>
           </p:cNvSpPr>
-          <p:nvPr>
-            <p:ph type="title"/>
-          </p:nvPr>
-        </p:nvSpPr>
-        <p:spPr/>
-        <p:txBody>
-          <a:bodyPr/>
-          <a:lstStyle/>
-          <a:p>
-            <a:r>
-              <a:rPr lang="en-IN" dirty="0" smtClean="0"/>
-              <a:t>USEFULL TAGS</a:t>
-            </a:r>
-            <a:endParaRPr lang="en-US" dirty="0"/>
-          </a:p>
-        </p:txBody>
-      </p:sp>
-      <p:pic>
-        <p:nvPicPr>
-          <p:cNvPr id="1026" name="Picture 2"/>
-          <p:cNvPicPr>
-            <a:picLocks noGrp="1" noChangeAspect="1" noChangeArrowheads="1"/>
-          </p:cNvPicPr>
-          <p:nvPr>
-            <p:ph idx="1"/>
-          </p:nvPr>
-        </p:nvPicPr>
-        <p:blipFill>
-          <a:blip r:embed="rId2"/>
-          <a:srcRect/>
-          <a:stretch>
-            <a:fillRect/>
-          </a:stretch>
-        </p:blipFill>
-        <p:spPr bwMode="auto">
+          <p:nvPr/>
+        </p:nvSpPr>
+        <p:spPr>
           <a:xfrm>
-            <a:off x="1998617" y="1619794"/>
-            <a:ext cx="7432765" cy="4794069"/>
+            <a:off x="208984" y="120769"/>
+            <a:ext cx="9791700" cy="630192"/>
           </a:xfrm>
           <a:prstGeom prst="rect">
             <a:avLst/>
           </a:prstGeom>
-          <a:noFill/>
-          <a:ln w="9525">
-            <a:noFill/>
-            <a:miter lim="800000"/>
-            <a:headEnd/>
-            <a:tailEnd/>
-          </a:ln>
-          <a:effectLst/>
         </p:spPr>
-      </p:pic>
+        <p:txBody>
+          <a:bodyPr vert="horz" lIns="91440" tIns="45720" rIns="91440" bIns="45720" rtlCol="0">
+            <a:noAutofit/>
+          </a:bodyPr>
+          <a:lstStyle>
+            <a:lvl1pPr marL="0" indent="0" algn="ctr" defTabSz="914400" rtl="0" eaLnBrk="1" latinLnBrk="0" hangingPunct="1">
+              <a:lnSpc>
+                <a:spcPct val="90000"/>
+              </a:lnSpc>
+              <a:spcBef>
+                <a:spcPts val="1000"/>
+              </a:spcBef>
+              <a:buFont typeface="Arial" panose="020B0604020202020204" pitchFamily="34" charset="0"/>
+              <a:buNone/>
+              <a:defRPr kumimoji="1" sz="2400" kern="1200">
+                <a:solidFill>
+                  <a:schemeClr val="tx1"/>
+                </a:solidFill>
+                <a:latin typeface="+mn-lt"/>
+                <a:ea typeface="+mn-ea"/>
+                <a:cs typeface="+mn-cs"/>
+              </a:defRPr>
+            </a:lvl1pPr>
+            <a:lvl2pPr marL="457200" indent="0" algn="ctr" defTabSz="914400" rtl="0" eaLnBrk="1" latinLnBrk="0" hangingPunct="1">
+              <a:lnSpc>
+                <a:spcPct val="90000"/>
+              </a:lnSpc>
+              <a:spcBef>
+                <a:spcPts val="500"/>
+              </a:spcBef>
+              <a:buFont typeface="Arial" panose="020B0604020202020204" pitchFamily="34" charset="0"/>
+              <a:buNone/>
+              <a:defRPr kumimoji="1" sz="2000" kern="1200">
+                <a:solidFill>
+                  <a:schemeClr val="tx1"/>
+                </a:solidFill>
+                <a:latin typeface="+mn-lt"/>
+                <a:ea typeface="+mn-ea"/>
+                <a:cs typeface="+mn-cs"/>
+              </a:defRPr>
+            </a:lvl2pPr>
+            <a:lvl3pPr marL="914400" indent="0" algn="ctr" defTabSz="914400" rtl="0" eaLnBrk="1" latinLnBrk="0" hangingPunct="1">
+              <a:lnSpc>
+                <a:spcPct val="90000"/>
+              </a:lnSpc>
+              <a:spcBef>
+                <a:spcPts val="500"/>
+              </a:spcBef>
+              <a:buFont typeface="Arial" panose="020B0604020202020204" pitchFamily="34" charset="0"/>
+              <a:buNone/>
+              <a:defRPr kumimoji="1" sz="1800" kern="1200">
+                <a:solidFill>
+                  <a:schemeClr val="tx1"/>
+                </a:solidFill>
+                <a:latin typeface="+mn-lt"/>
+                <a:ea typeface="+mn-ea"/>
+                <a:cs typeface="+mn-cs"/>
+              </a:defRPr>
+            </a:lvl3pPr>
+            <a:lvl4pPr marL="1371600" indent="0" algn="ctr" defTabSz="914400" rtl="0" eaLnBrk="1" latinLnBrk="0" hangingPunct="1">
+              <a:lnSpc>
+                <a:spcPct val="90000"/>
+              </a:lnSpc>
+              <a:spcBef>
+                <a:spcPts val="500"/>
+              </a:spcBef>
+              <a:buFont typeface="Arial" panose="020B0604020202020204" pitchFamily="34" charset="0"/>
+              <a:buNone/>
+              <a:defRPr kumimoji="1" sz="1600" kern="1200">
+                <a:solidFill>
+                  <a:schemeClr val="tx1"/>
+                </a:solidFill>
+                <a:latin typeface="+mn-lt"/>
+                <a:ea typeface="+mn-ea"/>
+                <a:cs typeface="+mn-cs"/>
+              </a:defRPr>
+            </a:lvl4pPr>
+            <a:lvl5pPr marL="1828800" indent="0" algn="ctr" defTabSz="914400" rtl="0" eaLnBrk="1" latinLnBrk="0" hangingPunct="1">
+              <a:lnSpc>
+                <a:spcPct val="90000"/>
+              </a:lnSpc>
+              <a:spcBef>
+                <a:spcPts val="500"/>
+              </a:spcBef>
+              <a:buFont typeface="Arial" panose="020B0604020202020204" pitchFamily="34" charset="0"/>
+              <a:buNone/>
+              <a:defRPr kumimoji="1" sz="1600" kern="1200">
+                <a:solidFill>
+                  <a:schemeClr val="tx1"/>
+                </a:solidFill>
+                <a:latin typeface="+mn-lt"/>
+                <a:ea typeface="+mn-ea"/>
+                <a:cs typeface="+mn-cs"/>
+              </a:defRPr>
+            </a:lvl5pPr>
+            <a:lvl6pPr marL="2286000" indent="0" algn="ctr" defTabSz="914400" rtl="0" eaLnBrk="1" latinLnBrk="0" hangingPunct="1">
+              <a:lnSpc>
+                <a:spcPct val="90000"/>
+              </a:lnSpc>
+              <a:spcBef>
+                <a:spcPts val="500"/>
+              </a:spcBef>
+              <a:buFont typeface="Arial" panose="020B0604020202020204" pitchFamily="34" charset="0"/>
+              <a:buNone/>
+              <a:defRPr kumimoji="1" sz="1600" kern="1200">
+                <a:solidFill>
+                  <a:schemeClr val="tx1"/>
+                </a:solidFill>
+                <a:latin typeface="+mn-lt"/>
+                <a:ea typeface="+mn-ea"/>
+                <a:cs typeface="+mn-cs"/>
+              </a:defRPr>
+            </a:lvl6pPr>
+            <a:lvl7pPr marL="2743200" indent="0" algn="ctr" defTabSz="914400" rtl="0" eaLnBrk="1" latinLnBrk="0" hangingPunct="1">
+              <a:lnSpc>
+                <a:spcPct val="90000"/>
+              </a:lnSpc>
+              <a:spcBef>
+                <a:spcPts val="500"/>
+              </a:spcBef>
+              <a:buFont typeface="Arial" panose="020B0604020202020204" pitchFamily="34" charset="0"/>
+              <a:buNone/>
+              <a:defRPr kumimoji="1" sz="1600" kern="1200">
+                <a:solidFill>
+                  <a:schemeClr val="tx1"/>
+                </a:solidFill>
+                <a:latin typeface="+mn-lt"/>
+                <a:ea typeface="+mn-ea"/>
+                <a:cs typeface="+mn-cs"/>
+              </a:defRPr>
+            </a:lvl7pPr>
+            <a:lvl8pPr marL="3200400" indent="0" algn="ctr" defTabSz="914400" rtl="0" eaLnBrk="1" latinLnBrk="0" hangingPunct="1">
+              <a:lnSpc>
+                <a:spcPct val="90000"/>
+              </a:lnSpc>
+              <a:spcBef>
+                <a:spcPts val="500"/>
+              </a:spcBef>
+              <a:buFont typeface="Arial" panose="020B0604020202020204" pitchFamily="34" charset="0"/>
+              <a:buNone/>
+              <a:defRPr kumimoji="1" sz="1600" kern="1200">
+                <a:solidFill>
+                  <a:schemeClr val="tx1"/>
+                </a:solidFill>
+                <a:latin typeface="+mn-lt"/>
+                <a:ea typeface="+mn-ea"/>
+                <a:cs typeface="+mn-cs"/>
+              </a:defRPr>
+            </a:lvl8pPr>
+            <a:lvl9pPr marL="3657600" indent="0" algn="ctr" defTabSz="914400" rtl="0" eaLnBrk="1" latinLnBrk="0" hangingPunct="1">
+              <a:lnSpc>
+                <a:spcPct val="90000"/>
+              </a:lnSpc>
+              <a:spcBef>
+                <a:spcPts val="500"/>
+              </a:spcBef>
+              <a:buFont typeface="Arial" panose="020B0604020202020204" pitchFamily="34" charset="0"/>
+              <a:buNone/>
+              <a:defRPr kumimoji="1" sz="1600" kern="1200">
+                <a:solidFill>
+                  <a:schemeClr val="tx1"/>
+                </a:solidFill>
+                <a:latin typeface="+mn-lt"/>
+                <a:ea typeface="+mn-ea"/>
+                <a:cs typeface="+mn-cs"/>
+              </a:defRPr>
+            </a:lvl9pPr>
+          </a:lstStyle>
+          <a:p>
+            <a:pPr algn="l"/>
+            <a:r>
+              <a:rPr lang="en-US" sz="3600" b="1" dirty="0">
+                <a:solidFill>
+                  <a:srgbClr val="0064B5"/>
+                </a:solidFill>
+              </a:rPr>
+              <a:t>Structure of HTML continue..</a:t>
+            </a:r>
+          </a:p>
+        </p:txBody>
+      </p:sp>
+      <p:sp>
+        <p:nvSpPr>
+          <p:cNvPr id="8" name="Rectangle 7"/>
+          <p:cNvSpPr/>
+          <p:nvPr/>
+        </p:nvSpPr>
+        <p:spPr>
+          <a:xfrm>
+            <a:off x="312499" y="870564"/>
+            <a:ext cx="10806950" cy="4662815"/>
+          </a:xfrm>
+          <a:prstGeom prst="rect">
+            <a:avLst/>
+          </a:prstGeom>
+        </p:spPr>
+        <p:txBody>
+          <a:bodyPr wrap="square">
+            <a:spAutoFit/>
+          </a:bodyPr>
+          <a:lstStyle/>
+          <a:p>
+            <a:pPr marL="285750" indent="-285750">
+              <a:lnSpc>
+                <a:spcPct val="150000"/>
+              </a:lnSpc>
+            </a:pPr>
+            <a:r>
+              <a:rPr lang="en-US" altLang="ja-JP" b="1" u="sng" dirty="0"/>
+              <a:t>The Head Element</a:t>
+            </a:r>
+          </a:p>
+          <a:p>
+            <a:pPr marL="285750" indent="-285750">
+              <a:lnSpc>
+                <a:spcPct val="150000"/>
+              </a:lnSpc>
+              <a:buFont typeface="Arial" panose="020B0604020202020204" pitchFamily="34" charset="0"/>
+              <a:buChar char="•"/>
+            </a:pPr>
+            <a:r>
+              <a:rPr lang="en-US" altLang="ja-JP" dirty="0"/>
+              <a:t>The &lt;head&gt; element is a container for metadata and is placed between the &lt;html&gt; tag and the &lt;body&gt; tag.</a:t>
+            </a:r>
+          </a:p>
+          <a:p>
+            <a:pPr marL="285750" indent="-285750">
+              <a:lnSpc>
+                <a:spcPct val="150000"/>
+              </a:lnSpc>
+              <a:buFont typeface="Arial" panose="020B0604020202020204" pitchFamily="34" charset="0"/>
+              <a:buChar char="•"/>
+            </a:pPr>
+            <a:r>
+              <a:rPr lang="en-US" altLang="ja-JP" dirty="0"/>
+              <a:t>HTML metadata is data about the HTML document. </a:t>
+            </a:r>
+          </a:p>
+          <a:p>
+            <a:pPr marL="285750" indent="-285750">
+              <a:lnSpc>
+                <a:spcPct val="150000"/>
+              </a:lnSpc>
+              <a:buFont typeface="Arial" panose="020B0604020202020204" pitchFamily="34" charset="0"/>
+              <a:buChar char="•"/>
+            </a:pPr>
+            <a:r>
+              <a:rPr lang="en-US" altLang="ja-JP" dirty="0"/>
+              <a:t>Metadata typically define the document title, character set, styles, scripts, and other meta information.</a:t>
+            </a:r>
+          </a:p>
+          <a:p>
+            <a:pPr marL="285750" indent="-285750">
+              <a:lnSpc>
+                <a:spcPct val="150000"/>
+              </a:lnSpc>
+            </a:pPr>
+            <a:endParaRPr lang="en-US" altLang="ja-JP" b="1" u="sng" dirty="0"/>
+          </a:p>
+          <a:p>
+            <a:pPr marL="285750" indent="-285750">
+              <a:lnSpc>
+                <a:spcPct val="150000"/>
+              </a:lnSpc>
+            </a:pPr>
+            <a:r>
+              <a:rPr lang="en-US" altLang="ja-JP" b="1" u="sng" dirty="0"/>
+              <a:t>The &lt;title&gt; Element</a:t>
+            </a:r>
+          </a:p>
+          <a:p>
+            <a:pPr marL="285750" indent="-285750">
+              <a:lnSpc>
+                <a:spcPct val="150000"/>
+              </a:lnSpc>
+              <a:buFont typeface="Arial" pitchFamily="34" charset="0"/>
+              <a:buChar char="•"/>
+            </a:pPr>
+            <a:r>
+              <a:rPr lang="en-US" altLang="ja-JP" dirty="0"/>
+              <a:t>The &lt;title&gt; element defines the title of the document.</a:t>
+            </a:r>
+          </a:p>
+          <a:p>
+            <a:pPr marL="285750" indent="-285750">
+              <a:lnSpc>
+                <a:spcPct val="150000"/>
+              </a:lnSpc>
+              <a:buFont typeface="Arial" pitchFamily="34" charset="0"/>
+              <a:buChar char="•"/>
+            </a:pPr>
+            <a:r>
+              <a:rPr lang="en-US" altLang="ja-JP" dirty="0"/>
+              <a:t>Defines a title in the browser toolbar</a:t>
+            </a:r>
+          </a:p>
+          <a:p>
+            <a:pPr marL="285750" indent="-285750">
+              <a:lnSpc>
+                <a:spcPct val="150000"/>
+              </a:lnSpc>
+              <a:buFont typeface="Arial" pitchFamily="34" charset="0"/>
+              <a:buChar char="•"/>
+            </a:pPr>
+            <a:r>
+              <a:rPr lang="en-US" altLang="ja-JP" dirty="0"/>
+              <a:t>Provides a title for the page when it is added to favorites</a:t>
+            </a:r>
+          </a:p>
+          <a:p>
+            <a:pPr marL="285750" indent="-285750">
+              <a:lnSpc>
+                <a:spcPct val="150000"/>
+              </a:lnSpc>
+              <a:buFont typeface="Arial" pitchFamily="34" charset="0"/>
+              <a:buChar char="•"/>
+            </a:pPr>
+            <a:r>
+              <a:rPr lang="en-US" altLang="ja-JP" dirty="0"/>
+              <a:t>Displays a title for the page in search engine-results</a:t>
+            </a:r>
+          </a:p>
+          <a:p>
+            <a:pPr marL="285750" indent="-285750">
+              <a:lnSpc>
+                <a:spcPct val="150000"/>
+              </a:lnSpc>
+            </a:pPr>
+            <a:endParaRPr lang="en-US" altLang="ja-JP" dirty="0"/>
+          </a:p>
+        </p:txBody>
+      </p:sp>
     </p:spTree>
+    <p:extLst>
+      <p:ext uri="{BB962C8B-B14F-4D97-AF65-F5344CB8AC3E}">
+        <p14:creationId xmlns="" xmlns:p14="http://schemas.microsoft.com/office/powerpoint/2010/main" val="1328577666"/>
+      </p:ext>
+    </p:extLst>
   </p:cSld>
   <p:clrMapOvr>
     <a:masterClrMapping/>
   </p:clrMapOvr>
+  <p:timing>
+    <p:tnLst>
+      <p:par>
+        <p:cTn id="1" dur="indefinite" restart="never" nodeType="tmRoot"/>
+      </p:par>
+    </p:tnLst>
+  </p:timing>
 </p:sld>
 </file>
 
@@ -7192,80 +10659,880 @@
       </p:grpSpPr>
       <p:sp>
         <p:nvSpPr>
-          <p:cNvPr id="2" name="Title 1"/>
-          <p:cNvSpPr>
-            <a:spLocks noGrp="1"/>
+          <p:cNvPr id="4" name="Content Placeholder 13"/>
+          <p:cNvSpPr txBox="1">
+            <a:spLocks/>
           </p:cNvSpPr>
-          <p:nvPr>
-            <p:ph type="title"/>
-          </p:nvPr>
-        </p:nvSpPr>
-        <p:spPr/>
-        <p:txBody>
-          <a:bodyPr/>
-          <a:lstStyle/>
-          <a:p>
-            <a:endParaRPr lang="en-US"/>
-          </a:p>
-        </p:txBody>
-      </p:sp>
-      <p:sp>
-        <p:nvSpPr>
-          <p:cNvPr id="3" name="Content Placeholder 2"/>
-          <p:cNvSpPr>
-            <a:spLocks noGrp="1"/>
-          </p:cNvSpPr>
-          <p:nvPr>
-            <p:ph idx="1"/>
-          </p:nvPr>
-        </p:nvSpPr>
-        <p:spPr/>
-        <p:txBody>
-          <a:bodyPr/>
-          <a:lstStyle/>
-          <a:p>
-            <a:endParaRPr lang="en-US" dirty="0"/>
-          </a:p>
-        </p:txBody>
-      </p:sp>
-      <p:pic>
-        <p:nvPicPr>
-          <p:cNvPr id="2050" name="Picture 2"/>
-          <p:cNvPicPr>
-            <a:picLocks noChangeAspect="1" noChangeArrowheads="1"/>
-          </p:cNvPicPr>
           <p:nvPr/>
-        </p:nvPicPr>
-        <p:blipFill>
-          <a:blip r:embed="rId2"/>
-          <a:srcRect/>
-          <a:stretch>
-            <a:fillRect/>
-          </a:stretch>
-        </p:blipFill>
-        <p:spPr bwMode="auto">
+        </p:nvSpPr>
+        <p:spPr>
           <a:xfrm>
-            <a:off x="901337" y="352697"/>
-            <a:ext cx="9052560" cy="5747657"/>
+            <a:off x="321126" y="334401"/>
+            <a:ext cx="9791700" cy="630192"/>
           </a:xfrm>
           <a:prstGeom prst="rect">
             <a:avLst/>
           </a:prstGeom>
-          <a:noFill/>
-          <a:ln w="9525">
-            <a:noFill/>
-            <a:miter lim="800000"/>
-            <a:headEnd/>
-            <a:tailEnd/>
-          </a:ln>
-          <a:effectLst/>
         </p:spPr>
-      </p:pic>
+        <p:txBody>
+          <a:bodyPr vert="horz" lIns="91440" tIns="45720" rIns="91440" bIns="45720" rtlCol="0">
+            <a:noAutofit/>
+          </a:bodyPr>
+          <a:lstStyle>
+            <a:lvl1pPr marL="0" indent="0" algn="ctr" defTabSz="914400" rtl="0" eaLnBrk="1" latinLnBrk="0" hangingPunct="1">
+              <a:lnSpc>
+                <a:spcPct val="90000"/>
+              </a:lnSpc>
+              <a:spcBef>
+                <a:spcPts val="1000"/>
+              </a:spcBef>
+              <a:buFont typeface="Arial" panose="020B0604020202020204" pitchFamily="34" charset="0"/>
+              <a:buNone/>
+              <a:defRPr kumimoji="1" sz="2400" kern="1200">
+                <a:solidFill>
+                  <a:schemeClr val="tx1"/>
+                </a:solidFill>
+                <a:latin typeface="+mn-lt"/>
+                <a:ea typeface="+mn-ea"/>
+                <a:cs typeface="+mn-cs"/>
+              </a:defRPr>
+            </a:lvl1pPr>
+            <a:lvl2pPr marL="457200" indent="0" algn="ctr" defTabSz="914400" rtl="0" eaLnBrk="1" latinLnBrk="0" hangingPunct="1">
+              <a:lnSpc>
+                <a:spcPct val="90000"/>
+              </a:lnSpc>
+              <a:spcBef>
+                <a:spcPts val="500"/>
+              </a:spcBef>
+              <a:buFont typeface="Arial" panose="020B0604020202020204" pitchFamily="34" charset="0"/>
+              <a:buNone/>
+              <a:defRPr kumimoji="1" sz="2000" kern="1200">
+                <a:solidFill>
+                  <a:schemeClr val="tx1"/>
+                </a:solidFill>
+                <a:latin typeface="+mn-lt"/>
+                <a:ea typeface="+mn-ea"/>
+                <a:cs typeface="+mn-cs"/>
+              </a:defRPr>
+            </a:lvl2pPr>
+            <a:lvl3pPr marL="914400" indent="0" algn="ctr" defTabSz="914400" rtl="0" eaLnBrk="1" latinLnBrk="0" hangingPunct="1">
+              <a:lnSpc>
+                <a:spcPct val="90000"/>
+              </a:lnSpc>
+              <a:spcBef>
+                <a:spcPts val="500"/>
+              </a:spcBef>
+              <a:buFont typeface="Arial" panose="020B0604020202020204" pitchFamily="34" charset="0"/>
+              <a:buNone/>
+              <a:defRPr kumimoji="1" sz="1800" kern="1200">
+                <a:solidFill>
+                  <a:schemeClr val="tx1"/>
+                </a:solidFill>
+                <a:latin typeface="+mn-lt"/>
+                <a:ea typeface="+mn-ea"/>
+                <a:cs typeface="+mn-cs"/>
+              </a:defRPr>
+            </a:lvl3pPr>
+            <a:lvl4pPr marL="1371600" indent="0" algn="ctr" defTabSz="914400" rtl="0" eaLnBrk="1" latinLnBrk="0" hangingPunct="1">
+              <a:lnSpc>
+                <a:spcPct val="90000"/>
+              </a:lnSpc>
+              <a:spcBef>
+                <a:spcPts val="500"/>
+              </a:spcBef>
+              <a:buFont typeface="Arial" panose="020B0604020202020204" pitchFamily="34" charset="0"/>
+              <a:buNone/>
+              <a:defRPr kumimoji="1" sz="1600" kern="1200">
+                <a:solidFill>
+                  <a:schemeClr val="tx1"/>
+                </a:solidFill>
+                <a:latin typeface="+mn-lt"/>
+                <a:ea typeface="+mn-ea"/>
+                <a:cs typeface="+mn-cs"/>
+              </a:defRPr>
+            </a:lvl4pPr>
+            <a:lvl5pPr marL="1828800" indent="0" algn="ctr" defTabSz="914400" rtl="0" eaLnBrk="1" latinLnBrk="0" hangingPunct="1">
+              <a:lnSpc>
+                <a:spcPct val="90000"/>
+              </a:lnSpc>
+              <a:spcBef>
+                <a:spcPts val="500"/>
+              </a:spcBef>
+              <a:buFont typeface="Arial" panose="020B0604020202020204" pitchFamily="34" charset="0"/>
+              <a:buNone/>
+              <a:defRPr kumimoji="1" sz="1600" kern="1200">
+                <a:solidFill>
+                  <a:schemeClr val="tx1"/>
+                </a:solidFill>
+                <a:latin typeface="+mn-lt"/>
+                <a:ea typeface="+mn-ea"/>
+                <a:cs typeface="+mn-cs"/>
+              </a:defRPr>
+            </a:lvl5pPr>
+            <a:lvl6pPr marL="2286000" indent="0" algn="ctr" defTabSz="914400" rtl="0" eaLnBrk="1" latinLnBrk="0" hangingPunct="1">
+              <a:lnSpc>
+                <a:spcPct val="90000"/>
+              </a:lnSpc>
+              <a:spcBef>
+                <a:spcPts val="500"/>
+              </a:spcBef>
+              <a:buFont typeface="Arial" panose="020B0604020202020204" pitchFamily="34" charset="0"/>
+              <a:buNone/>
+              <a:defRPr kumimoji="1" sz="1600" kern="1200">
+                <a:solidFill>
+                  <a:schemeClr val="tx1"/>
+                </a:solidFill>
+                <a:latin typeface="+mn-lt"/>
+                <a:ea typeface="+mn-ea"/>
+                <a:cs typeface="+mn-cs"/>
+              </a:defRPr>
+            </a:lvl6pPr>
+            <a:lvl7pPr marL="2743200" indent="0" algn="ctr" defTabSz="914400" rtl="0" eaLnBrk="1" latinLnBrk="0" hangingPunct="1">
+              <a:lnSpc>
+                <a:spcPct val="90000"/>
+              </a:lnSpc>
+              <a:spcBef>
+                <a:spcPts val="500"/>
+              </a:spcBef>
+              <a:buFont typeface="Arial" panose="020B0604020202020204" pitchFamily="34" charset="0"/>
+              <a:buNone/>
+              <a:defRPr kumimoji="1" sz="1600" kern="1200">
+                <a:solidFill>
+                  <a:schemeClr val="tx1"/>
+                </a:solidFill>
+                <a:latin typeface="+mn-lt"/>
+                <a:ea typeface="+mn-ea"/>
+                <a:cs typeface="+mn-cs"/>
+              </a:defRPr>
+            </a:lvl7pPr>
+            <a:lvl8pPr marL="3200400" indent="0" algn="ctr" defTabSz="914400" rtl="0" eaLnBrk="1" latinLnBrk="0" hangingPunct="1">
+              <a:lnSpc>
+                <a:spcPct val="90000"/>
+              </a:lnSpc>
+              <a:spcBef>
+                <a:spcPts val="500"/>
+              </a:spcBef>
+              <a:buFont typeface="Arial" panose="020B0604020202020204" pitchFamily="34" charset="0"/>
+              <a:buNone/>
+              <a:defRPr kumimoji="1" sz="1600" kern="1200">
+                <a:solidFill>
+                  <a:schemeClr val="tx1"/>
+                </a:solidFill>
+                <a:latin typeface="+mn-lt"/>
+                <a:ea typeface="+mn-ea"/>
+                <a:cs typeface="+mn-cs"/>
+              </a:defRPr>
+            </a:lvl8pPr>
+            <a:lvl9pPr marL="3657600" indent="0" algn="ctr" defTabSz="914400" rtl="0" eaLnBrk="1" latinLnBrk="0" hangingPunct="1">
+              <a:lnSpc>
+                <a:spcPct val="90000"/>
+              </a:lnSpc>
+              <a:spcBef>
+                <a:spcPts val="500"/>
+              </a:spcBef>
+              <a:buFont typeface="Arial" panose="020B0604020202020204" pitchFamily="34" charset="0"/>
+              <a:buNone/>
+              <a:defRPr kumimoji="1" sz="1600" kern="1200">
+                <a:solidFill>
+                  <a:schemeClr val="tx1"/>
+                </a:solidFill>
+                <a:latin typeface="+mn-lt"/>
+                <a:ea typeface="+mn-ea"/>
+                <a:cs typeface="+mn-cs"/>
+              </a:defRPr>
+            </a:lvl9pPr>
+          </a:lstStyle>
+          <a:p>
+            <a:pPr algn="l"/>
+            <a:r>
+              <a:rPr lang="en-US" sz="3600" b="1" dirty="0">
+                <a:solidFill>
+                  <a:srgbClr val="0064B5"/>
+                </a:solidFill>
+              </a:rPr>
+              <a:t>HTML </a:t>
+            </a:r>
+            <a:r>
+              <a:rPr lang="en-US" sz="3600" b="1" dirty="0" smtClean="0">
+                <a:solidFill>
+                  <a:srgbClr val="0064B5"/>
+                </a:solidFill>
+              </a:rPr>
+              <a:t>Body Tags</a:t>
+            </a:r>
+            <a:endParaRPr lang="en-US" sz="3600" b="1" dirty="0">
+              <a:solidFill>
+                <a:srgbClr val="0064B5"/>
+              </a:solidFill>
+            </a:endParaRPr>
+          </a:p>
+        </p:txBody>
+      </p:sp>
+      <p:sp>
+        <p:nvSpPr>
+          <p:cNvPr id="7" name="Rectangle 6"/>
+          <p:cNvSpPr/>
+          <p:nvPr/>
+        </p:nvSpPr>
+        <p:spPr>
+          <a:xfrm>
+            <a:off x="424643" y="991335"/>
+            <a:ext cx="9236941" cy="3788858"/>
+          </a:xfrm>
+          <a:prstGeom prst="rect">
+            <a:avLst/>
+          </a:prstGeom>
+        </p:spPr>
+        <p:txBody>
+          <a:bodyPr wrap="square">
+            <a:spAutoFit/>
+          </a:bodyPr>
+          <a:lstStyle/>
+          <a:p>
+            <a:pPr>
+              <a:lnSpc>
+                <a:spcPct val="150000"/>
+              </a:lnSpc>
+              <a:buFont typeface="Wingdings" pitchFamily="2" charset="2"/>
+              <a:buChar char="Ø"/>
+            </a:pPr>
+            <a:r>
+              <a:rPr lang="en-US" dirty="0" smtClean="0">
+                <a:solidFill>
+                  <a:srgbClr val="212529"/>
+                </a:solidFill>
+              </a:rPr>
+              <a:t> Heading Tags -  </a:t>
+            </a:r>
+            <a:r>
+              <a:rPr lang="en-US" dirty="0" smtClean="0">
+                <a:solidFill>
+                  <a:srgbClr val="999999"/>
+                </a:solidFill>
+              </a:rPr>
+              <a:t>&lt;</a:t>
+            </a:r>
+            <a:r>
+              <a:rPr lang="en-US" dirty="0" smtClean="0">
+                <a:solidFill>
+                  <a:srgbClr val="990055"/>
+                </a:solidFill>
+              </a:rPr>
+              <a:t>h1</a:t>
+            </a:r>
+            <a:r>
+              <a:rPr lang="en-US" dirty="0" smtClean="0">
+                <a:solidFill>
+                  <a:srgbClr val="999999"/>
+                </a:solidFill>
+              </a:rPr>
+              <a:t>&gt;</a:t>
+            </a:r>
+            <a:r>
+              <a:rPr lang="en-US" dirty="0" smtClean="0">
+                <a:solidFill>
+                  <a:srgbClr val="212529"/>
+                </a:solidFill>
+              </a:rPr>
+              <a:t>, </a:t>
+            </a:r>
+            <a:r>
+              <a:rPr lang="en-US" dirty="0" smtClean="0">
+                <a:solidFill>
+                  <a:srgbClr val="999999"/>
+                </a:solidFill>
+              </a:rPr>
+              <a:t>&lt;</a:t>
+            </a:r>
+            <a:r>
+              <a:rPr lang="en-US" dirty="0" smtClean="0">
+                <a:solidFill>
+                  <a:srgbClr val="990055"/>
+                </a:solidFill>
+              </a:rPr>
+              <a:t>h2</a:t>
+            </a:r>
+            <a:r>
+              <a:rPr lang="en-US" dirty="0" smtClean="0">
+                <a:solidFill>
+                  <a:srgbClr val="999999"/>
+                </a:solidFill>
+              </a:rPr>
+              <a:t>&gt;</a:t>
+            </a:r>
+            <a:r>
+              <a:rPr lang="en-US" dirty="0" smtClean="0">
+                <a:solidFill>
+                  <a:srgbClr val="212529"/>
+                </a:solidFill>
+              </a:rPr>
+              <a:t>, </a:t>
+            </a:r>
+            <a:r>
+              <a:rPr lang="en-US" dirty="0" smtClean="0">
+                <a:solidFill>
+                  <a:srgbClr val="999999"/>
+                </a:solidFill>
+              </a:rPr>
+              <a:t>&lt;</a:t>
+            </a:r>
+            <a:r>
+              <a:rPr lang="en-US" dirty="0" smtClean="0">
+                <a:solidFill>
+                  <a:srgbClr val="990055"/>
+                </a:solidFill>
+              </a:rPr>
+              <a:t>h3</a:t>
+            </a:r>
+            <a:r>
+              <a:rPr lang="en-US" dirty="0" smtClean="0">
+                <a:solidFill>
+                  <a:srgbClr val="999999"/>
+                </a:solidFill>
+              </a:rPr>
+              <a:t>&gt;</a:t>
+            </a:r>
+            <a:r>
+              <a:rPr lang="en-US" dirty="0" smtClean="0">
+                <a:solidFill>
+                  <a:srgbClr val="212529"/>
+                </a:solidFill>
+              </a:rPr>
+              <a:t>, </a:t>
+            </a:r>
+            <a:r>
+              <a:rPr lang="en-US" dirty="0" smtClean="0">
+                <a:solidFill>
+                  <a:srgbClr val="999999"/>
+                </a:solidFill>
+              </a:rPr>
+              <a:t>&lt;</a:t>
+            </a:r>
+            <a:r>
+              <a:rPr lang="en-US" dirty="0" smtClean="0">
+                <a:solidFill>
+                  <a:srgbClr val="990055"/>
+                </a:solidFill>
+              </a:rPr>
+              <a:t>h4</a:t>
+            </a:r>
+            <a:r>
+              <a:rPr lang="en-US" dirty="0" smtClean="0">
+                <a:solidFill>
+                  <a:srgbClr val="999999"/>
+                </a:solidFill>
+              </a:rPr>
+              <a:t>&gt;</a:t>
+            </a:r>
+            <a:r>
+              <a:rPr lang="en-US" dirty="0" smtClean="0">
+                <a:solidFill>
+                  <a:srgbClr val="212529"/>
+                </a:solidFill>
+              </a:rPr>
+              <a:t>, </a:t>
+            </a:r>
+            <a:r>
+              <a:rPr lang="en-US" dirty="0" smtClean="0">
+                <a:solidFill>
+                  <a:srgbClr val="999999"/>
+                </a:solidFill>
+              </a:rPr>
+              <a:t>&lt;</a:t>
+            </a:r>
+            <a:r>
+              <a:rPr lang="en-US" dirty="0" smtClean="0">
+                <a:solidFill>
+                  <a:srgbClr val="990055"/>
+                </a:solidFill>
+              </a:rPr>
+              <a:t>h5</a:t>
+            </a:r>
+            <a:r>
+              <a:rPr lang="en-US" dirty="0" smtClean="0">
+                <a:solidFill>
+                  <a:srgbClr val="999999"/>
+                </a:solidFill>
+              </a:rPr>
+              <a:t>&gt;</a:t>
+            </a:r>
+            <a:r>
+              <a:rPr lang="en-US" dirty="0" smtClean="0">
+                <a:solidFill>
+                  <a:srgbClr val="212529"/>
+                </a:solidFill>
+              </a:rPr>
+              <a:t>, </a:t>
+            </a:r>
+            <a:r>
+              <a:rPr lang="en-US" dirty="0" smtClean="0">
+                <a:solidFill>
+                  <a:srgbClr val="999999"/>
+                </a:solidFill>
+              </a:rPr>
+              <a:t>&lt;</a:t>
+            </a:r>
+            <a:r>
+              <a:rPr lang="en-US" dirty="0" smtClean="0">
+                <a:solidFill>
+                  <a:srgbClr val="990055"/>
+                </a:solidFill>
+              </a:rPr>
+              <a:t>h6</a:t>
+            </a:r>
+            <a:r>
+              <a:rPr lang="en-US" dirty="0" smtClean="0">
+                <a:solidFill>
+                  <a:srgbClr val="999999"/>
+                </a:solidFill>
+              </a:rPr>
+              <a:t>&gt;</a:t>
+            </a:r>
+            <a:r>
+              <a:rPr lang="en-US" dirty="0" smtClean="0">
+                <a:solidFill>
+                  <a:srgbClr val="212529"/>
+                </a:solidFill>
+              </a:rPr>
+              <a:t> tags.</a:t>
+            </a:r>
+          </a:p>
+          <a:p>
+            <a:pPr>
+              <a:lnSpc>
+                <a:spcPct val="150000"/>
+              </a:lnSpc>
+              <a:buFont typeface="Wingdings" pitchFamily="2" charset="2"/>
+              <a:buChar char="Ø"/>
+            </a:pPr>
+            <a:r>
+              <a:rPr lang="en-US" dirty="0" smtClean="0">
+                <a:solidFill>
+                  <a:srgbClr val="212529"/>
+                </a:solidFill>
+              </a:rPr>
+              <a:t> Paragraph Tag - </a:t>
+            </a:r>
+            <a:r>
+              <a:rPr lang="en-US" dirty="0" smtClean="0">
+                <a:solidFill>
+                  <a:srgbClr val="999999"/>
+                </a:solidFill>
+              </a:rPr>
+              <a:t>&lt;</a:t>
+            </a:r>
+            <a:r>
+              <a:rPr lang="en-US" dirty="0" smtClean="0">
+                <a:solidFill>
+                  <a:srgbClr val="990055"/>
+                </a:solidFill>
+              </a:rPr>
+              <a:t>p</a:t>
+            </a:r>
+            <a:r>
+              <a:rPr lang="en-US" dirty="0" smtClean="0">
+                <a:solidFill>
+                  <a:srgbClr val="999999"/>
+                </a:solidFill>
+              </a:rPr>
+              <a:t>&gt;</a:t>
+            </a:r>
+            <a:r>
+              <a:rPr lang="en-US" dirty="0" smtClean="0">
+                <a:solidFill>
+                  <a:srgbClr val="212529"/>
+                </a:solidFill>
+              </a:rPr>
+              <a:t> tag.</a:t>
+            </a:r>
+          </a:p>
+          <a:p>
+            <a:pPr>
+              <a:lnSpc>
+                <a:spcPct val="150000"/>
+              </a:lnSpc>
+              <a:buFont typeface="Wingdings" pitchFamily="2" charset="2"/>
+              <a:buChar char="Ø"/>
+            </a:pPr>
+            <a:r>
+              <a:rPr lang="en-US" dirty="0" smtClean="0">
+                <a:solidFill>
+                  <a:srgbClr val="212529"/>
+                </a:solidFill>
+              </a:rPr>
+              <a:t> Horizontal ruler - </a:t>
+            </a:r>
+            <a:r>
+              <a:rPr lang="en-US" dirty="0" smtClean="0">
+                <a:solidFill>
+                  <a:srgbClr val="999999"/>
+                </a:solidFill>
+              </a:rPr>
+              <a:t>&lt;</a:t>
+            </a:r>
+            <a:r>
+              <a:rPr lang="en-US" dirty="0" smtClean="0">
+                <a:solidFill>
+                  <a:srgbClr val="990055"/>
+                </a:solidFill>
+              </a:rPr>
+              <a:t>hr</a:t>
+            </a:r>
+            <a:r>
+              <a:rPr lang="en-US" dirty="0" smtClean="0">
+                <a:solidFill>
+                  <a:srgbClr val="999999"/>
+                </a:solidFill>
+              </a:rPr>
+              <a:t>&gt;</a:t>
+            </a:r>
+            <a:r>
+              <a:rPr lang="en-US" dirty="0" smtClean="0">
+                <a:solidFill>
+                  <a:srgbClr val="212529"/>
+                </a:solidFill>
+              </a:rPr>
+              <a:t> tag.</a:t>
+            </a:r>
+          </a:p>
+          <a:p>
+            <a:pPr>
+              <a:lnSpc>
+                <a:spcPct val="150000"/>
+              </a:lnSpc>
+              <a:buFont typeface="Wingdings" pitchFamily="2" charset="2"/>
+              <a:buChar char="Ø"/>
+            </a:pPr>
+            <a:r>
+              <a:rPr lang="en-US" dirty="0" smtClean="0">
+                <a:solidFill>
+                  <a:srgbClr val="212529"/>
+                </a:solidFill>
+              </a:rPr>
+              <a:t> Anchor(Link) Tag -  </a:t>
+            </a:r>
+            <a:r>
+              <a:rPr lang="en-US" dirty="0" smtClean="0">
+                <a:solidFill>
+                  <a:srgbClr val="999999"/>
+                </a:solidFill>
+              </a:rPr>
+              <a:t>&lt;</a:t>
+            </a:r>
+            <a:r>
+              <a:rPr lang="en-US" dirty="0" smtClean="0">
+                <a:solidFill>
+                  <a:srgbClr val="990055"/>
+                </a:solidFill>
+              </a:rPr>
+              <a:t>a</a:t>
+            </a:r>
+            <a:r>
+              <a:rPr lang="en-US" dirty="0" smtClean="0">
+                <a:solidFill>
+                  <a:srgbClr val="999999"/>
+                </a:solidFill>
+              </a:rPr>
+              <a:t>&gt;</a:t>
+            </a:r>
+            <a:r>
+              <a:rPr lang="en-US" dirty="0" smtClean="0">
+                <a:solidFill>
+                  <a:srgbClr val="212529"/>
+                </a:solidFill>
+              </a:rPr>
+              <a:t> (anchor) tag.</a:t>
+            </a:r>
+          </a:p>
+          <a:p>
+            <a:pPr>
+              <a:lnSpc>
+                <a:spcPct val="150000"/>
+              </a:lnSpc>
+              <a:buFont typeface="Wingdings" pitchFamily="2" charset="2"/>
+              <a:buChar char="Ø"/>
+            </a:pPr>
+            <a:r>
+              <a:rPr lang="en-US" dirty="0" smtClean="0">
+                <a:solidFill>
+                  <a:srgbClr val="212529"/>
+                </a:solidFill>
+              </a:rPr>
+              <a:t> List Tag -  </a:t>
+            </a:r>
+            <a:r>
+              <a:rPr lang="en-US" dirty="0" smtClean="0">
+                <a:solidFill>
+                  <a:srgbClr val="999999"/>
+                </a:solidFill>
+              </a:rPr>
+              <a:t>&lt;</a:t>
+            </a:r>
+            <a:r>
+              <a:rPr lang="en-US" dirty="0" err="1" smtClean="0">
+                <a:solidFill>
+                  <a:srgbClr val="990055"/>
+                </a:solidFill>
+              </a:rPr>
+              <a:t>ul</a:t>
+            </a:r>
+            <a:r>
+              <a:rPr lang="en-US" dirty="0" smtClean="0">
+                <a:solidFill>
+                  <a:srgbClr val="999999"/>
+                </a:solidFill>
+              </a:rPr>
+              <a:t>&gt;</a:t>
+            </a:r>
+            <a:r>
+              <a:rPr lang="en-US" dirty="0" smtClean="0">
+                <a:solidFill>
+                  <a:srgbClr val="212529"/>
+                </a:solidFill>
+              </a:rPr>
+              <a:t> (unordered list), </a:t>
+            </a:r>
+            <a:r>
+              <a:rPr lang="en-US" dirty="0" smtClean="0">
+                <a:solidFill>
+                  <a:srgbClr val="999999"/>
+                </a:solidFill>
+              </a:rPr>
+              <a:t>&lt;</a:t>
+            </a:r>
+            <a:r>
+              <a:rPr lang="en-US" dirty="0" err="1" smtClean="0">
+                <a:solidFill>
+                  <a:srgbClr val="990055"/>
+                </a:solidFill>
+              </a:rPr>
+              <a:t>ol</a:t>
+            </a:r>
+            <a:r>
+              <a:rPr lang="en-US" dirty="0" smtClean="0">
+                <a:solidFill>
+                  <a:srgbClr val="999999"/>
+                </a:solidFill>
+              </a:rPr>
+              <a:t>&gt;</a:t>
+            </a:r>
+            <a:r>
+              <a:rPr lang="en-US" dirty="0" smtClean="0">
+                <a:solidFill>
+                  <a:srgbClr val="212529"/>
+                </a:solidFill>
+              </a:rPr>
+              <a:t> (ordered list) and </a:t>
+            </a:r>
+            <a:r>
+              <a:rPr lang="en-US" dirty="0" smtClean="0">
+                <a:solidFill>
+                  <a:srgbClr val="999999"/>
+                </a:solidFill>
+              </a:rPr>
+              <a:t>&lt;</a:t>
+            </a:r>
+            <a:r>
+              <a:rPr lang="en-US" dirty="0" err="1" smtClean="0">
+                <a:solidFill>
+                  <a:srgbClr val="990055"/>
+                </a:solidFill>
+              </a:rPr>
+              <a:t>li</a:t>
+            </a:r>
+            <a:r>
+              <a:rPr lang="en-US" dirty="0" smtClean="0">
+                <a:solidFill>
+                  <a:srgbClr val="999999"/>
+                </a:solidFill>
+              </a:rPr>
+              <a:t>&gt;</a:t>
+            </a:r>
+            <a:r>
+              <a:rPr lang="en-US" dirty="0" smtClean="0">
+                <a:solidFill>
+                  <a:srgbClr val="212529"/>
+                </a:solidFill>
+              </a:rPr>
+              <a:t> (list element) tags.</a:t>
+            </a:r>
+          </a:p>
+          <a:p>
+            <a:pPr>
+              <a:lnSpc>
+                <a:spcPct val="150000"/>
+              </a:lnSpc>
+              <a:buFont typeface="Wingdings" pitchFamily="2" charset="2"/>
+              <a:buChar char="Ø"/>
+            </a:pPr>
+            <a:r>
+              <a:rPr lang="en-US" dirty="0" smtClean="0">
+                <a:solidFill>
+                  <a:srgbClr val="212529"/>
+                </a:solidFill>
+              </a:rPr>
+              <a:t> Image Tag - </a:t>
+            </a:r>
+            <a:r>
+              <a:rPr lang="en-US" dirty="0" smtClean="0">
+                <a:solidFill>
+                  <a:srgbClr val="999999"/>
+                </a:solidFill>
+              </a:rPr>
+              <a:t>&lt;</a:t>
+            </a:r>
+            <a:r>
+              <a:rPr lang="en-US" dirty="0" err="1" smtClean="0">
+                <a:solidFill>
+                  <a:srgbClr val="990055"/>
+                </a:solidFill>
+              </a:rPr>
+              <a:t>img</a:t>
+            </a:r>
+            <a:r>
+              <a:rPr lang="en-US" dirty="0" smtClean="0">
+                <a:solidFill>
+                  <a:srgbClr val="999999"/>
+                </a:solidFill>
+              </a:rPr>
+              <a:t>&gt;</a:t>
+            </a:r>
+            <a:r>
+              <a:rPr lang="en-US" dirty="0" smtClean="0">
+                <a:solidFill>
+                  <a:srgbClr val="212529"/>
+                </a:solidFill>
+              </a:rPr>
+              <a:t> tag</a:t>
+            </a:r>
+          </a:p>
+          <a:p>
+            <a:pPr>
+              <a:lnSpc>
+                <a:spcPct val="150000"/>
+              </a:lnSpc>
+              <a:buFont typeface="Wingdings" pitchFamily="2" charset="2"/>
+              <a:buChar char="Ø"/>
+            </a:pPr>
+            <a:r>
+              <a:rPr lang="en-US" dirty="0" smtClean="0">
+                <a:solidFill>
+                  <a:srgbClr val="212529"/>
+                </a:solidFill>
+              </a:rPr>
+              <a:t> Divider, denoted using the </a:t>
+            </a:r>
+            <a:r>
+              <a:rPr lang="en-US" dirty="0" smtClean="0">
+                <a:solidFill>
+                  <a:srgbClr val="999999"/>
+                </a:solidFill>
+              </a:rPr>
+              <a:t>&lt;</a:t>
+            </a:r>
+            <a:r>
+              <a:rPr lang="en-US" dirty="0" smtClean="0">
+                <a:solidFill>
+                  <a:srgbClr val="990055"/>
+                </a:solidFill>
+              </a:rPr>
+              <a:t>div</a:t>
+            </a:r>
+            <a:r>
+              <a:rPr lang="en-US" dirty="0" smtClean="0">
+                <a:solidFill>
+                  <a:srgbClr val="999999"/>
+                </a:solidFill>
+              </a:rPr>
+              <a:t>&gt;</a:t>
+            </a:r>
+            <a:r>
+              <a:rPr lang="en-US" dirty="0" smtClean="0">
+                <a:solidFill>
+                  <a:srgbClr val="212529"/>
+                </a:solidFill>
+              </a:rPr>
+              <a:t> tag</a:t>
+            </a:r>
+          </a:p>
+          <a:p>
+            <a:pPr>
+              <a:lnSpc>
+                <a:spcPct val="150000"/>
+              </a:lnSpc>
+              <a:buFont typeface="Wingdings" pitchFamily="2" charset="2"/>
+              <a:buChar char="Ø"/>
+            </a:pPr>
+            <a:r>
+              <a:rPr lang="en-US" dirty="0" smtClean="0">
+                <a:solidFill>
+                  <a:srgbClr val="212529"/>
+                </a:solidFill>
+              </a:rPr>
+              <a:t> Text span, denoted using the </a:t>
+            </a:r>
+            <a:r>
+              <a:rPr lang="en-US" dirty="0" smtClean="0">
+                <a:solidFill>
+                  <a:srgbClr val="999999"/>
+                </a:solidFill>
+              </a:rPr>
+              <a:t>&lt;</a:t>
+            </a:r>
+            <a:r>
+              <a:rPr lang="en-US" dirty="0" smtClean="0">
+                <a:solidFill>
+                  <a:srgbClr val="990055"/>
+                </a:solidFill>
+              </a:rPr>
+              <a:t>span</a:t>
+            </a:r>
+            <a:r>
+              <a:rPr lang="en-US" dirty="0" smtClean="0">
+                <a:solidFill>
+                  <a:srgbClr val="999999"/>
+                </a:solidFill>
+              </a:rPr>
+              <a:t>&gt;</a:t>
+            </a:r>
+            <a:r>
+              <a:rPr lang="en-US" dirty="0" smtClean="0">
+                <a:solidFill>
+                  <a:srgbClr val="212529"/>
+                </a:solidFill>
+              </a:rPr>
+              <a:t> tag</a:t>
+            </a:r>
+          </a:p>
+          <a:p>
+            <a:pPr marL="285750" indent="-285750">
+              <a:lnSpc>
+                <a:spcPct val="150000"/>
+              </a:lnSpc>
+              <a:buFont typeface="Arial" panose="020B0604020202020204" pitchFamily="34" charset="0"/>
+              <a:buChar char="•"/>
+            </a:pPr>
+            <a:endParaRPr lang="en-US" altLang="ja-JP" dirty="0"/>
+          </a:p>
+        </p:txBody>
+      </p:sp>
     </p:spTree>
+    <p:extLst>
+      <p:ext uri="{BB962C8B-B14F-4D97-AF65-F5344CB8AC3E}">
+        <p14:creationId xmlns="" xmlns:p14="http://schemas.microsoft.com/office/powerpoint/2010/main" val="1328577666"/>
+      </p:ext>
+    </p:extLst>
   </p:cSld>
   <p:clrMapOvr>
     <a:masterClrMapping/>
   </p:clrMapOvr>
+  <p:timing>
+    <p:tnLst>
+      <p:par>
+        <p:cTn id="1" dur="indefinite" restart="never" nodeType="tmRoot"/>
+      </p:par>
+    </p:tnLst>
+  </p:timing>
 </p:sld>
 </file>
 

--- a/June_Batch/16-06-22/html_16_06_22.pptx
+++ b/June_Batch/16-06-22/html_16_06_22.pptx
@@ -136,7 +136,7 @@
   </p:defaultTextStyle>
   <p:extLst>
     <p:ext uri="{EFAFB233-063F-42B5-8137-9DF3F51BA10A}">
-      <p15:sldGuideLst xmlns:p15="http://schemas.microsoft.com/office/powerpoint/2012/main" xmlns="">
+      <p15:sldGuideLst xmlns="" xmlns:p15="http://schemas.microsoft.com/office/powerpoint/2012/main">
         <p15:guide id="1" orient="horz" pos="2160">
           <p15:clr>
             <a:srgbClr val="A4A3A4"/>
@@ -337,7 +337,7 @@
     </p:spTree>
     <p:extLst>
       <p:ext uri="{BB962C8B-B14F-4D97-AF65-F5344CB8AC3E}">
-        <p14:creationId xmlns:p14="http://schemas.microsoft.com/office/powerpoint/2010/main" xmlns="" val="3096064434"/>
+        <p14:creationId xmlns="" xmlns:p14="http://schemas.microsoft.com/office/powerpoint/2010/main" val="3096064434"/>
       </p:ext>
     </p:extLst>
   </p:cSld>
@@ -509,7 +509,7 @@
     </p:spTree>
     <p:extLst>
       <p:ext uri="{BB962C8B-B14F-4D97-AF65-F5344CB8AC3E}">
-        <p14:creationId xmlns:p14="http://schemas.microsoft.com/office/powerpoint/2010/main" xmlns="" val="71407721"/>
+        <p14:creationId xmlns="" xmlns:p14="http://schemas.microsoft.com/office/powerpoint/2010/main" val="71407721"/>
       </p:ext>
     </p:extLst>
   </p:cSld>
@@ -691,7 +691,7 @@
     </p:spTree>
     <p:extLst>
       <p:ext uri="{BB962C8B-B14F-4D97-AF65-F5344CB8AC3E}">
-        <p14:creationId xmlns:p14="http://schemas.microsoft.com/office/powerpoint/2010/main" xmlns="" val="3852493858"/>
+        <p14:creationId xmlns="" xmlns:p14="http://schemas.microsoft.com/office/powerpoint/2010/main" val="3852493858"/>
       </p:ext>
     </p:extLst>
   </p:cSld>
@@ -863,7 +863,7 @@
     </p:spTree>
     <p:extLst>
       <p:ext uri="{BB962C8B-B14F-4D97-AF65-F5344CB8AC3E}">
-        <p14:creationId xmlns:p14="http://schemas.microsoft.com/office/powerpoint/2010/main" xmlns="" val="282795843"/>
+        <p14:creationId xmlns="" xmlns:p14="http://schemas.microsoft.com/office/powerpoint/2010/main" val="282795843"/>
       </p:ext>
     </p:extLst>
   </p:cSld>
@@ -1111,7 +1111,7 @@
     </p:spTree>
     <p:extLst>
       <p:ext uri="{BB962C8B-B14F-4D97-AF65-F5344CB8AC3E}">
-        <p14:creationId xmlns:p14="http://schemas.microsoft.com/office/powerpoint/2010/main" xmlns="" val="1315004973"/>
+        <p14:creationId xmlns="" xmlns:p14="http://schemas.microsoft.com/office/powerpoint/2010/main" val="1315004973"/>
       </p:ext>
     </p:extLst>
   </p:cSld>
@@ -1345,7 +1345,7 @@
     </p:spTree>
     <p:extLst>
       <p:ext uri="{BB962C8B-B14F-4D97-AF65-F5344CB8AC3E}">
-        <p14:creationId xmlns:p14="http://schemas.microsoft.com/office/powerpoint/2010/main" xmlns="" val="3048296005"/>
+        <p14:creationId xmlns="" xmlns:p14="http://schemas.microsoft.com/office/powerpoint/2010/main" val="3048296005"/>
       </p:ext>
     </p:extLst>
   </p:cSld>
@@ -1714,7 +1714,7 @@
     </p:spTree>
     <p:extLst>
       <p:ext uri="{BB962C8B-B14F-4D97-AF65-F5344CB8AC3E}">
-        <p14:creationId xmlns:p14="http://schemas.microsoft.com/office/powerpoint/2010/main" xmlns="" val="890299385"/>
+        <p14:creationId xmlns="" xmlns:p14="http://schemas.microsoft.com/office/powerpoint/2010/main" val="890299385"/>
       </p:ext>
     </p:extLst>
   </p:cSld>
@@ -1834,7 +1834,7 @@
     </p:spTree>
     <p:extLst>
       <p:ext uri="{BB962C8B-B14F-4D97-AF65-F5344CB8AC3E}">
-        <p14:creationId xmlns:p14="http://schemas.microsoft.com/office/powerpoint/2010/main" xmlns="" val="2049573599"/>
+        <p14:creationId xmlns="" xmlns:p14="http://schemas.microsoft.com/office/powerpoint/2010/main" val="2049573599"/>
       </p:ext>
     </p:extLst>
   </p:cSld>
@@ -1931,7 +1931,7 @@
     </p:spTree>
     <p:extLst>
       <p:ext uri="{BB962C8B-B14F-4D97-AF65-F5344CB8AC3E}">
-        <p14:creationId xmlns:p14="http://schemas.microsoft.com/office/powerpoint/2010/main" xmlns="" val="1896888541"/>
+        <p14:creationId xmlns="" xmlns:p14="http://schemas.microsoft.com/office/powerpoint/2010/main" val="1896888541"/>
       </p:ext>
     </p:extLst>
   </p:cSld>
@@ -2210,7 +2210,7 @@
     </p:spTree>
     <p:extLst>
       <p:ext uri="{BB962C8B-B14F-4D97-AF65-F5344CB8AC3E}">
-        <p14:creationId xmlns:p14="http://schemas.microsoft.com/office/powerpoint/2010/main" xmlns="" val="1581260034"/>
+        <p14:creationId xmlns="" xmlns:p14="http://schemas.microsoft.com/office/powerpoint/2010/main" val="1581260034"/>
       </p:ext>
     </p:extLst>
   </p:cSld>
@@ -2469,7 +2469,7 @@
     </p:spTree>
     <p:extLst>
       <p:ext uri="{BB962C8B-B14F-4D97-AF65-F5344CB8AC3E}">
-        <p14:creationId xmlns:p14="http://schemas.microsoft.com/office/powerpoint/2010/main" xmlns="" val="2397771766"/>
+        <p14:creationId xmlns="" xmlns:p14="http://schemas.microsoft.com/office/powerpoint/2010/main" val="2397771766"/>
       </p:ext>
     </p:extLst>
   </p:cSld>
@@ -2722,7 +2722,7 @@
           <p:cNvPr id="7" name="TextBox 6">
             <a:extLst>
               <a:ext uri="{FF2B5EF4-FFF2-40B4-BE49-F238E27FC236}">
-                <a16:creationId xmlns:a16="http://schemas.microsoft.com/office/drawing/2014/main" xmlns="" id="{847969B0-9AAB-4EBF-AF99-17A470D83F03}"/>
+                <a16:creationId xmlns="" xmlns:a16="http://schemas.microsoft.com/office/drawing/2014/main" id="{847969B0-9AAB-4EBF-AF99-17A470D83F03}"/>
               </a:ext>
             </a:extLst>
           </p:cNvPr>
@@ -2769,7 +2769,7 @@
     </p:spTree>
     <p:extLst>
       <p:ext uri="{BB962C8B-B14F-4D97-AF65-F5344CB8AC3E}">
-        <p14:creationId xmlns:p14="http://schemas.microsoft.com/office/powerpoint/2010/main" xmlns="" val="492407304"/>
+        <p14:creationId xmlns="" xmlns:p14="http://schemas.microsoft.com/office/powerpoint/2010/main" val="492407304"/>
       </p:ext>
     </p:extLst>
   </p:cSld>
@@ -3177,7 +3177,7 @@
     </p:spTree>
     <p:extLst>
       <p:ext uri="{BB962C8B-B14F-4D97-AF65-F5344CB8AC3E}">
-        <p14:creationId xmlns:p14="http://schemas.microsoft.com/office/powerpoint/2010/main" xmlns="" val="4062787881"/>
+        <p14:creationId xmlns="" xmlns:p14="http://schemas.microsoft.com/office/powerpoint/2010/main" val="4062787881"/>
       </p:ext>
     </p:extLst>
   </p:cSld>
@@ -3949,7 +3949,7 @@
     </p:spTree>
     <p:extLst>
       <p:ext uri="{BB962C8B-B14F-4D97-AF65-F5344CB8AC3E}">
-        <p14:creationId xmlns="" xmlns:p14="http://schemas.microsoft.com/office/powerpoint/2010/main" val="1328577666"/>
+        <p14:creationId xmlns:p14="http://schemas.microsoft.com/office/powerpoint/2010/main" xmlns="" val="1328577666"/>
       </p:ext>
     </p:extLst>
   </p:cSld>
@@ -4646,7 +4646,7 @@
     </p:spTree>
     <p:extLst>
       <p:ext uri="{BB962C8B-B14F-4D97-AF65-F5344CB8AC3E}">
-        <p14:creationId xmlns="" xmlns:p14="http://schemas.microsoft.com/office/powerpoint/2010/main" val="1328577666"/>
+        <p14:creationId xmlns:p14="http://schemas.microsoft.com/office/powerpoint/2010/main" xmlns="" val="1328577666"/>
       </p:ext>
     </p:extLst>
   </p:cSld>
@@ -5166,7 +5166,7 @@
     </p:spTree>
     <p:extLst>
       <p:ext uri="{BB962C8B-B14F-4D97-AF65-F5344CB8AC3E}">
-        <p14:creationId xmlns:p14="http://schemas.microsoft.com/office/powerpoint/2010/main" xmlns="" val="1328577666"/>
+        <p14:creationId xmlns="" xmlns:p14="http://schemas.microsoft.com/office/powerpoint/2010/main" val="1328577666"/>
       </p:ext>
     </p:extLst>
   </p:cSld>
@@ -5538,7 +5538,7 @@
     </p:spTree>
     <p:extLst>
       <p:ext uri="{BB962C8B-B14F-4D97-AF65-F5344CB8AC3E}">
-        <p14:creationId xmlns:p14="http://schemas.microsoft.com/office/powerpoint/2010/main" xmlns="" val="1328577666"/>
+        <p14:creationId xmlns="" xmlns:p14="http://schemas.microsoft.com/office/powerpoint/2010/main" val="1328577666"/>
       </p:ext>
     </p:extLst>
   </p:cSld>
@@ -5929,7 +5929,7 @@
     </p:spTree>
     <p:extLst>
       <p:ext uri="{BB962C8B-B14F-4D97-AF65-F5344CB8AC3E}">
-        <p14:creationId xmlns:p14="http://schemas.microsoft.com/office/powerpoint/2010/main" xmlns="" val="1328577666"/>
+        <p14:creationId xmlns="" xmlns:p14="http://schemas.microsoft.com/office/powerpoint/2010/main" val="1328577666"/>
       </p:ext>
     </p:extLst>
   </p:cSld>
@@ -6313,7 +6313,7 @@
     </p:spTree>
     <p:extLst>
       <p:ext uri="{BB962C8B-B14F-4D97-AF65-F5344CB8AC3E}">
-        <p14:creationId xmlns="" xmlns:p14="http://schemas.microsoft.com/office/powerpoint/2010/main" val="1328577666"/>
+        <p14:creationId xmlns:p14="http://schemas.microsoft.com/office/powerpoint/2010/main" xmlns="" val="1328577666"/>
       </p:ext>
     </p:extLst>
   </p:cSld>
@@ -6972,7 +6972,7 @@
     </p:spTree>
     <p:extLst>
       <p:ext uri="{BB962C8B-B14F-4D97-AF65-F5344CB8AC3E}">
-        <p14:creationId xmlns:p14="http://schemas.microsoft.com/office/powerpoint/2010/main" xmlns="" val="1328577666"/>
+        <p14:creationId xmlns="" xmlns:p14="http://schemas.microsoft.com/office/powerpoint/2010/main" val="1328577666"/>
       </p:ext>
     </p:extLst>
   </p:cSld>
@@ -7223,7 +7223,15 @@
           <a:p>
             <a:r>
               <a:rPr lang="en-IN" dirty="0" smtClean="0"/>
-              <a:t>USEFULL TAGS</a:t>
+              <a:t>formatting</a:t>
+            </a:r>
+            <a:r>
+              <a:rPr lang="en-IN" dirty="0" smtClean="0"/>
+              <a:t> </a:t>
+            </a:r>
+            <a:r>
+              <a:rPr lang="en-IN" dirty="0" smtClean="0"/>
+              <a:t>TAGS</a:t>
             </a:r>
             <a:endParaRPr lang="en-US" dirty="0"/>
           </a:p>
@@ -8035,7 +8043,7 @@
           <p:cNvPr id="11" name="Rectangle 10">
             <a:extLst>
               <a:ext uri="{FF2B5EF4-FFF2-40B4-BE49-F238E27FC236}">
-                <a16:creationId xmlns:a16="http://schemas.microsoft.com/office/drawing/2014/main" xmlns="" id="{9FF768E8-BBE3-40EB-A37D-9B0959D91801}"/>
+                <a16:creationId xmlns="" xmlns:a16="http://schemas.microsoft.com/office/drawing/2014/main" id="{9FF768E8-BBE3-40EB-A37D-9B0959D91801}"/>
               </a:ext>
             </a:extLst>
           </p:cNvPr>
@@ -8123,7 +8131,7 @@
           <p:cNvPr id="12" name="Rectangle 11">
             <a:extLst>
               <a:ext uri="{FF2B5EF4-FFF2-40B4-BE49-F238E27FC236}">
-                <a16:creationId xmlns:a16="http://schemas.microsoft.com/office/drawing/2014/main" xmlns="" id="{99D52BCD-7B97-4F70-B3B8-DF0FC1A2B214}"/>
+                <a16:creationId xmlns="" xmlns:a16="http://schemas.microsoft.com/office/drawing/2014/main" id="{99D52BCD-7B97-4F70-B3B8-DF0FC1A2B214}"/>
               </a:ext>
             </a:extLst>
           </p:cNvPr>
@@ -8229,7 +8237,7 @@
           <p:cNvPr id="13" name="Rectangle 12">
             <a:extLst>
               <a:ext uri="{FF2B5EF4-FFF2-40B4-BE49-F238E27FC236}">
-                <a16:creationId xmlns:a16="http://schemas.microsoft.com/office/drawing/2014/main" xmlns="" id="{78C3EAEA-1B41-42B3-A0F0-5F71902A89B0}"/>
+                <a16:creationId xmlns="" xmlns:a16="http://schemas.microsoft.com/office/drawing/2014/main" id="{78C3EAEA-1B41-42B3-A0F0-5F71902A89B0}"/>
               </a:ext>
             </a:extLst>
           </p:cNvPr>
@@ -8285,7 +8293,7 @@
           <p:cNvPr id="14" name="Rectangle 13">
             <a:extLst>
               <a:ext uri="{FF2B5EF4-FFF2-40B4-BE49-F238E27FC236}">
-                <a16:creationId xmlns:a16="http://schemas.microsoft.com/office/drawing/2014/main" xmlns="" id="{68E72856-8916-435F-B5F9-8FB8FF1B2EB6}"/>
+                <a16:creationId xmlns="" xmlns:a16="http://schemas.microsoft.com/office/drawing/2014/main" id="{68E72856-8916-435F-B5F9-8FB8FF1B2EB6}"/>
               </a:ext>
             </a:extLst>
           </p:cNvPr>
@@ -8404,7 +8412,7 @@
     </p:spTree>
     <p:extLst>
       <p:ext uri="{BB962C8B-B14F-4D97-AF65-F5344CB8AC3E}">
-        <p14:creationId xmlns:p14="http://schemas.microsoft.com/office/powerpoint/2010/main" xmlns="" val="102829261"/>
+        <p14:creationId xmlns="" xmlns:p14="http://schemas.microsoft.com/office/powerpoint/2010/main" val="102829261"/>
       </p:ext>
     </p:extLst>
   </p:cSld>
@@ -8809,7 +8817,7 @@
     </p:spTree>
     <p:extLst>
       <p:ext uri="{BB962C8B-B14F-4D97-AF65-F5344CB8AC3E}">
-        <p14:creationId xmlns="" xmlns:p14="http://schemas.microsoft.com/office/powerpoint/2010/main" val="1328577666"/>
+        <p14:creationId xmlns:p14="http://schemas.microsoft.com/office/powerpoint/2010/main" xmlns="" val="1328577666"/>
       </p:ext>
     </p:extLst>
   </p:cSld>
@@ -9256,7 +9264,7 @@
     </p:spTree>
     <p:extLst>
       <p:ext uri="{BB962C8B-B14F-4D97-AF65-F5344CB8AC3E}">
-        <p14:creationId xmlns="" xmlns:p14="http://schemas.microsoft.com/office/powerpoint/2010/main" val="1328577666"/>
+        <p14:creationId xmlns:p14="http://schemas.microsoft.com/office/powerpoint/2010/main" xmlns="" val="1328577666"/>
       </p:ext>
     </p:extLst>
   </p:cSld>
@@ -9566,7 +9574,7 @@
     </p:spTree>
     <p:extLst>
       <p:ext uri="{BB962C8B-B14F-4D97-AF65-F5344CB8AC3E}">
-        <p14:creationId xmlns="" xmlns:p14="http://schemas.microsoft.com/office/powerpoint/2010/main" val="1328577666"/>
+        <p14:creationId xmlns:p14="http://schemas.microsoft.com/office/powerpoint/2010/main" xmlns="" val="1328577666"/>
       </p:ext>
     </p:extLst>
   </p:cSld>
@@ -9887,7 +9895,7 @@
     </p:spTree>
     <p:extLst>
       <p:ext uri="{BB962C8B-B14F-4D97-AF65-F5344CB8AC3E}">
-        <p14:creationId xmlns="" xmlns:p14="http://schemas.microsoft.com/office/powerpoint/2010/main" val="1328577666"/>
+        <p14:creationId xmlns:p14="http://schemas.microsoft.com/office/powerpoint/2010/main" xmlns="" val="1328577666"/>
       </p:ext>
     </p:extLst>
   </p:cSld>
@@ -10237,7 +10245,7 @@
     </p:spTree>
     <p:extLst>
       <p:ext uri="{BB962C8B-B14F-4D97-AF65-F5344CB8AC3E}">
-        <p14:creationId xmlns:p14="http://schemas.microsoft.com/office/powerpoint/2010/main" xmlns="" val="1328577666"/>
+        <p14:creationId xmlns="" xmlns:p14="http://schemas.microsoft.com/office/powerpoint/2010/main" val="1328577666"/>
       </p:ext>
     </p:extLst>
   </p:cSld>
@@ -10623,7 +10631,7 @@
     </p:spTree>
     <p:extLst>
       <p:ext uri="{BB962C8B-B14F-4D97-AF65-F5344CB8AC3E}">
-        <p14:creationId xmlns="" xmlns:p14="http://schemas.microsoft.com/office/powerpoint/2010/main" val="1328577666"/>
+        <p14:creationId xmlns:p14="http://schemas.microsoft.com/office/powerpoint/2010/main" xmlns="" val="1328577666"/>
       </p:ext>
     </p:extLst>
   </p:cSld>
@@ -11519,7 +11527,7 @@
     </p:spTree>
     <p:extLst>
       <p:ext uri="{BB962C8B-B14F-4D97-AF65-F5344CB8AC3E}">
-        <p14:creationId xmlns="" xmlns:p14="http://schemas.microsoft.com/office/powerpoint/2010/main" val="1328577666"/>
+        <p14:creationId xmlns:p14="http://schemas.microsoft.com/office/powerpoint/2010/main" xmlns="" val="1328577666"/>
       </p:ext>
     </p:extLst>
   </p:cSld>
@@ -11791,7 +11799,7 @@
   <a:extraClrSchemeLst/>
   <a:extLst>
     <a:ext uri="{05A4C25C-085E-4340-85A3-A5531E510DB2}">
-      <thm15:themeFamily xmlns:thm15="http://schemas.microsoft.com/office/thememl/2012/main" xmlns="" name="Office Theme" id="{62F939B6-93AF-4DB8-9C6B-D6C7DFDC589F}" vid="{4A3C46E8-61CC-4603-A589-7422A47A8E4A}"/>
+      <thm15:themeFamily xmlns="" xmlns:thm15="http://schemas.microsoft.com/office/thememl/2012/main" name="Office Theme" id="{62F939B6-93AF-4DB8-9C6B-D6C7DFDC589F}" vid="{4A3C46E8-61CC-4603-A589-7422A47A8E4A}"/>
     </a:ext>
   </a:extLst>
 </a:theme>
